--- a/document/limq.pptx
+++ b/document/limq.pptx
@@ -10,11 +10,15 @@
     <p:sldId id="257" r:id="rId4"/>
     <p:sldId id="262" r:id="rId5"/>
     <p:sldId id="259" r:id="rId6"/>
-    <p:sldId id="260" r:id="rId7"/>
-    <p:sldId id="265" r:id="rId8"/>
-    <p:sldId id="261" r:id="rId9"/>
-    <p:sldId id="263" r:id="rId10"/>
-    <p:sldId id="264" r:id="rId11"/>
+    <p:sldId id="265" r:id="rId7"/>
+    <p:sldId id="260" r:id="rId8"/>
+    <p:sldId id="266" r:id="rId9"/>
+    <p:sldId id="261" r:id="rId10"/>
+    <p:sldId id="263" r:id="rId11"/>
+    <p:sldId id="264" r:id="rId12"/>
+    <p:sldId id="267" r:id="rId13"/>
+    <p:sldId id="268" r:id="rId14"/>
+    <p:sldId id="269" r:id="rId15"/>
   </p:sldIdLst>
   <p:sldSz cx="12192000" cy="6858000"/>
   <p:notesSz cx="6858000" cy="9144000"/>
@@ -312,7 +316,7 @@
           <a:p>
             <a:fld id="{50DEE4A7-083E-42B9-8E0C-9729A3893272}" type="datetimeFigureOut">
               <a:rPr lang="zh-CN" altLang="en-US" smtClean="0"/>
-              <a:t>2018/12/20</a:t>
+              <a:t>2018/12/22</a:t>
             </a:fld>
             <a:endParaRPr lang="zh-CN" altLang="en-US"/>
           </a:p>
@@ -748,7 +752,7 @@
           <a:p>
             <a:fld id="{50DEE4A7-083E-42B9-8E0C-9729A3893272}" type="datetimeFigureOut">
               <a:rPr lang="zh-CN" altLang="en-US" smtClean="0"/>
-              <a:t>2018/12/20</a:t>
+              <a:t>2018/12/22</a:t>
             </a:fld>
             <a:endParaRPr lang="zh-CN" altLang="en-US"/>
           </a:p>
@@ -998,7 +1002,7 @@
           <a:p>
             <a:fld id="{50DEE4A7-083E-42B9-8E0C-9729A3893272}" type="datetimeFigureOut">
               <a:rPr lang="zh-CN" altLang="en-US" smtClean="0"/>
-              <a:t>2018/12/20</a:t>
+              <a:t>2018/12/22</a:t>
             </a:fld>
             <a:endParaRPr lang="zh-CN" altLang="en-US"/>
           </a:p>
@@ -1306,7 +1310,7 @@
           <a:p>
             <a:fld id="{50DEE4A7-083E-42B9-8E0C-9729A3893272}" type="datetimeFigureOut">
               <a:rPr lang="zh-CN" altLang="en-US" smtClean="0"/>
-              <a:t>2018/12/20</a:t>
+              <a:t>2018/12/22</a:t>
             </a:fld>
             <a:endParaRPr lang="zh-CN" altLang="en-US"/>
           </a:p>
@@ -1624,7 +1628,7 @@
           <a:p>
             <a:fld id="{50DEE4A7-083E-42B9-8E0C-9729A3893272}" type="datetimeFigureOut">
               <a:rPr lang="zh-CN" altLang="en-US" smtClean="0"/>
-              <a:t>2018/12/20</a:t>
+              <a:t>2018/12/22</a:t>
             </a:fld>
             <a:endParaRPr lang="zh-CN" altLang="en-US"/>
           </a:p>
@@ -1926,7 +1930,7 @@
           <a:p>
             <a:fld id="{50DEE4A7-083E-42B9-8E0C-9729A3893272}" type="datetimeFigureOut">
               <a:rPr lang="zh-CN" altLang="en-US" smtClean="0"/>
-              <a:t>2018/12/20</a:t>
+              <a:t>2018/12/22</a:t>
             </a:fld>
             <a:endParaRPr lang="zh-CN" altLang="en-US"/>
           </a:p>
@@ -2293,7 +2297,7 @@
           <a:p>
             <a:fld id="{50DEE4A7-083E-42B9-8E0C-9729A3893272}" type="datetimeFigureOut">
               <a:rPr lang="zh-CN" altLang="en-US" smtClean="0"/>
-              <a:t>2018/12/20</a:t>
+              <a:t>2018/12/22</a:t>
             </a:fld>
             <a:endParaRPr lang="zh-CN" altLang="en-US"/>
           </a:p>
@@ -2467,7 +2471,7 @@
           <a:p>
             <a:fld id="{50DEE4A7-083E-42B9-8E0C-9729A3893272}" type="datetimeFigureOut">
               <a:rPr lang="zh-CN" altLang="en-US" smtClean="0"/>
-              <a:t>2018/12/20</a:t>
+              <a:t>2018/12/22</a:t>
             </a:fld>
             <a:endParaRPr lang="zh-CN" altLang="en-US"/>
           </a:p>
@@ -2647,7 +2651,7 @@
           <a:p>
             <a:fld id="{50DEE4A7-083E-42B9-8E0C-9729A3893272}" type="datetimeFigureOut">
               <a:rPr lang="zh-CN" altLang="en-US" smtClean="0"/>
-              <a:t>2018/12/20</a:t>
+              <a:t>2018/12/22</a:t>
             </a:fld>
             <a:endParaRPr lang="zh-CN" altLang="en-US"/>
           </a:p>
@@ -2817,7 +2821,7 @@
           <a:p>
             <a:fld id="{50DEE4A7-083E-42B9-8E0C-9729A3893272}" type="datetimeFigureOut">
               <a:rPr lang="zh-CN" altLang="en-US" smtClean="0"/>
-              <a:t>2018/12/20</a:t>
+              <a:t>2018/12/22</a:t>
             </a:fld>
             <a:endParaRPr lang="zh-CN" altLang="en-US"/>
           </a:p>
@@ -3067,7 +3071,7 @@
           <a:p>
             <a:fld id="{50DEE4A7-083E-42B9-8E0C-9729A3893272}" type="datetimeFigureOut">
               <a:rPr lang="zh-CN" altLang="en-US" smtClean="0"/>
-              <a:t>2018/12/20</a:t>
+              <a:t>2018/12/22</a:t>
             </a:fld>
             <a:endParaRPr lang="zh-CN" altLang="en-US"/>
           </a:p>
@@ -3303,7 +3307,7 @@
           <a:p>
             <a:fld id="{50DEE4A7-083E-42B9-8E0C-9729A3893272}" type="datetimeFigureOut">
               <a:rPr lang="zh-CN" altLang="en-US" smtClean="0"/>
-              <a:t>2018/12/20</a:t>
+              <a:t>2018/12/22</a:t>
             </a:fld>
             <a:endParaRPr lang="zh-CN" altLang="en-US"/>
           </a:p>
@@ -3685,7 +3689,7 @@
           <a:p>
             <a:fld id="{50DEE4A7-083E-42B9-8E0C-9729A3893272}" type="datetimeFigureOut">
               <a:rPr lang="zh-CN" altLang="en-US" smtClean="0"/>
-              <a:t>2018/12/20</a:t>
+              <a:t>2018/12/22</a:t>
             </a:fld>
             <a:endParaRPr lang="zh-CN" altLang="en-US"/>
           </a:p>
@@ -3803,7 +3807,7 @@
           <a:p>
             <a:fld id="{50DEE4A7-083E-42B9-8E0C-9729A3893272}" type="datetimeFigureOut">
               <a:rPr lang="zh-CN" altLang="en-US" smtClean="0"/>
-              <a:t>2018/12/20</a:t>
+              <a:t>2018/12/22</a:t>
             </a:fld>
             <a:endParaRPr lang="zh-CN" altLang="en-US"/>
           </a:p>
@@ -3898,7 +3902,7 @@
           <a:p>
             <a:fld id="{50DEE4A7-083E-42B9-8E0C-9729A3893272}" type="datetimeFigureOut">
               <a:rPr lang="zh-CN" altLang="en-US" smtClean="0"/>
-              <a:t>2018/12/20</a:t>
+              <a:t>2018/12/22</a:t>
             </a:fld>
             <a:endParaRPr lang="zh-CN" altLang="en-US"/>
           </a:p>
@@ -4153,7 +4157,7 @@
           <a:p>
             <a:fld id="{50DEE4A7-083E-42B9-8E0C-9729A3893272}" type="datetimeFigureOut">
               <a:rPr lang="zh-CN" altLang="en-US" smtClean="0"/>
-              <a:t>2018/12/20</a:t>
+              <a:t>2018/12/22</a:t>
             </a:fld>
             <a:endParaRPr lang="zh-CN" altLang="en-US"/>
           </a:p>
@@ -4436,7 +4440,7 @@
           <a:p>
             <a:fld id="{50DEE4A7-083E-42B9-8E0C-9729A3893272}" type="datetimeFigureOut">
               <a:rPr lang="zh-CN" altLang="en-US" smtClean="0"/>
-              <a:t>2018/12/20</a:t>
+              <a:t>2018/12/22</a:t>
             </a:fld>
             <a:endParaRPr lang="zh-CN" altLang="en-US"/>
           </a:p>
@@ -4842,7 +4846,7 @@
           <a:p>
             <a:fld id="{50DEE4A7-083E-42B9-8E0C-9729A3893272}" type="datetimeFigureOut">
               <a:rPr lang="zh-CN" altLang="en-US" smtClean="0"/>
-              <a:t>2018/12/20</a:t>
+              <a:t>2018/12/22</a:t>
             </a:fld>
             <a:endParaRPr lang="zh-CN" altLang="en-US"/>
           </a:p>
@@ -5480,6 +5484,100 @@
           <p:cNvPr id="2" name="标题 1">
             <a:extLst>
               <a:ext uri="{FF2B5EF4-FFF2-40B4-BE49-F238E27FC236}">
+                <a16:creationId xmlns:a16="http://schemas.microsoft.com/office/drawing/2014/main" id="{B969941D-A2A2-4823-8976-DE5EE3421694}"/>
+              </a:ext>
+            </a:extLst>
+          </p:cNvPr>
+          <p:cNvSpPr>
+            <a:spLocks noGrp="1"/>
+          </p:cNvSpPr>
+          <p:nvPr>
+            <p:ph type="title"/>
+          </p:nvPr>
+        </p:nvSpPr>
+        <p:spPr/>
+        <p:txBody>
+          <a:bodyPr/>
+          <a:lstStyle/>
+          <a:p>
+            <a:r>
+              <a:rPr lang="en-US" altLang="zh-CN" dirty="0"/>
+              <a:t>RSA</a:t>
+            </a:r>
+            <a:r>
+              <a:rPr lang="zh-CN" altLang="en-US" dirty="0"/>
+              <a:t>算法描述</a:t>
+            </a:r>
+          </a:p>
+        </p:txBody>
+      </p:sp>
+      <p:pic>
+        <p:nvPicPr>
+          <p:cNvPr id="4" name="内容占位符 3">
+            <a:extLst>
+              <a:ext uri="{FF2B5EF4-FFF2-40B4-BE49-F238E27FC236}">
+                <a16:creationId xmlns:a16="http://schemas.microsoft.com/office/drawing/2014/main" id="{1D5434A9-A114-42EE-A193-467155033D1C}"/>
+              </a:ext>
+            </a:extLst>
+          </p:cNvPr>
+          <p:cNvPicPr>
+            <a:picLocks noGrp="1" noChangeAspect="1"/>
+          </p:cNvPicPr>
+          <p:nvPr>
+            <p:ph idx="1"/>
+          </p:nvPr>
+        </p:nvPicPr>
+        <p:blipFill>
+          <a:blip r:embed="rId2"/>
+          <a:stretch>
+            <a:fillRect/>
+          </a:stretch>
+        </p:blipFill>
+        <p:spPr>
+          <a:xfrm>
+            <a:off x="1110754" y="685800"/>
+            <a:ext cx="7681318" cy="3614738"/>
+          </a:xfrm>
+          <a:prstGeom prst="rect">
+            <a:avLst/>
+          </a:prstGeom>
+        </p:spPr>
+      </p:pic>
+    </p:spTree>
+    <p:extLst>
+      <p:ext uri="{BB962C8B-B14F-4D97-AF65-F5344CB8AC3E}">
+        <p14:creationId xmlns:p14="http://schemas.microsoft.com/office/powerpoint/2010/main" val="1412268664"/>
+      </p:ext>
+    </p:extLst>
+  </p:cSld>
+  <p:clrMapOvr>
+    <a:masterClrMapping/>
+  </p:clrMapOvr>
+</p:sld>
+</file>
+
+<file path=ppt/slides/slide11.xml><?xml version="1.0" encoding="utf-8"?>
+<p:sld xmlns:a="http://schemas.openxmlformats.org/drawingml/2006/main" xmlns:r="http://schemas.openxmlformats.org/officeDocument/2006/relationships" xmlns:p="http://schemas.openxmlformats.org/presentationml/2006/main">
+  <p:cSld>
+    <p:spTree>
+      <p:nvGrpSpPr>
+        <p:cNvPr id="1" name=""/>
+        <p:cNvGrpSpPr/>
+        <p:nvPr/>
+      </p:nvGrpSpPr>
+      <p:grpSpPr>
+        <a:xfrm>
+          <a:off x="0" y="0"/>
+          <a:ext cx="0" cy="0"/>
+          <a:chOff x="0" y="0"/>
+          <a:chExt cx="0" cy="0"/>
+        </a:xfrm>
+      </p:grpSpPr>
+      <p:sp>
+        <p:nvSpPr>
+          <p:cNvPr id="2" name="标题 1">
+            <a:extLst>
+              <a:ext uri="{FF2B5EF4-FFF2-40B4-BE49-F238E27FC236}">
                 <a16:creationId xmlns:a16="http://schemas.microsoft.com/office/drawing/2014/main" id="{E477F882-017E-4577-A879-BDEB5D2953CE}"/>
               </a:ext>
             </a:extLst>
@@ -5536,6 +5634,591 @@
     <p:extLst>
       <p:ext uri="{BB962C8B-B14F-4D97-AF65-F5344CB8AC3E}">
         <p14:creationId xmlns:p14="http://schemas.microsoft.com/office/powerpoint/2010/main" val="1784914169"/>
+      </p:ext>
+    </p:extLst>
+  </p:cSld>
+  <p:clrMapOvr>
+    <a:masterClrMapping/>
+  </p:clrMapOvr>
+</p:sld>
+</file>
+
+<file path=ppt/slides/slide12.xml><?xml version="1.0" encoding="utf-8"?>
+<p:sld xmlns:a="http://schemas.openxmlformats.org/drawingml/2006/main" xmlns:r="http://schemas.openxmlformats.org/officeDocument/2006/relationships" xmlns:p="http://schemas.openxmlformats.org/presentationml/2006/main">
+  <p:cSld>
+    <p:spTree>
+      <p:nvGrpSpPr>
+        <p:cNvPr id="1" name=""/>
+        <p:cNvGrpSpPr/>
+        <p:nvPr/>
+      </p:nvGrpSpPr>
+      <p:grpSpPr>
+        <a:xfrm>
+          <a:off x="0" y="0"/>
+          <a:ext cx="0" cy="0"/>
+          <a:chOff x="0" y="0"/>
+          <a:chExt cx="0" cy="0"/>
+        </a:xfrm>
+      </p:grpSpPr>
+      <p:sp>
+        <p:nvSpPr>
+          <p:cNvPr id="2" name="标题 1">
+            <a:extLst>
+              <a:ext uri="{FF2B5EF4-FFF2-40B4-BE49-F238E27FC236}">
+                <a16:creationId xmlns:a16="http://schemas.microsoft.com/office/drawing/2014/main" id="{78727472-335B-46A3-AEAD-BB82958DE674}"/>
+              </a:ext>
+            </a:extLst>
+          </p:cNvPr>
+          <p:cNvSpPr>
+            <a:spLocks noGrp="1"/>
+          </p:cNvSpPr>
+          <p:nvPr>
+            <p:ph type="title"/>
+          </p:nvPr>
+        </p:nvSpPr>
+        <p:spPr>
+          <a:xfrm>
+            <a:off x="684212" y="4487332"/>
+            <a:ext cx="8534400" cy="1507067"/>
+          </a:xfrm>
+        </p:spPr>
+        <p:txBody>
+          <a:bodyPr/>
+          <a:lstStyle/>
+          <a:p>
+            <a:r>
+              <a:rPr lang="en-US" altLang="zh-CN" dirty="0"/>
+              <a:t>Openssl</a:t>
+            </a:r>
+            <a:r>
+              <a:rPr lang="zh-CN" altLang="en-US" dirty="0"/>
+              <a:t>命令生成</a:t>
+            </a:r>
+            <a:r>
+              <a:rPr lang="en-US" altLang="zh-CN" dirty="0"/>
+              <a:t>RSA</a:t>
+            </a:r>
+            <a:r>
+              <a:rPr lang="zh-CN" altLang="en-US" dirty="0"/>
+              <a:t>公私钥</a:t>
+            </a:r>
+          </a:p>
+        </p:txBody>
+      </p:sp>
+      <p:sp>
+        <p:nvSpPr>
+          <p:cNvPr id="3" name="内容占位符 2">
+            <a:extLst>
+              <a:ext uri="{FF2B5EF4-FFF2-40B4-BE49-F238E27FC236}">
+                <a16:creationId xmlns:a16="http://schemas.microsoft.com/office/drawing/2014/main" id="{F6CD1E31-EF3B-4CBE-A849-33274D44EEB2}"/>
+              </a:ext>
+            </a:extLst>
+          </p:cNvPr>
+          <p:cNvSpPr>
+            <a:spLocks noGrp="1"/>
+          </p:cNvSpPr>
+          <p:nvPr>
+            <p:ph idx="1"/>
+          </p:nvPr>
+        </p:nvSpPr>
+        <p:spPr/>
+        <p:txBody>
+          <a:bodyPr>
+            <a:normAutofit fontScale="92500" lnSpcReduction="10000"/>
+          </a:bodyPr>
+          <a:lstStyle/>
+          <a:p>
+            <a:r>
+              <a:rPr lang="en-US" altLang="zh-CN" dirty="0"/>
+              <a:t># </a:t>
+            </a:r>
+            <a:r>
+              <a:rPr lang="zh-CN" altLang="en-US" dirty="0"/>
+              <a:t>生成私钥文件，</a:t>
+            </a:r>
+            <a:r>
+              <a:rPr lang="en-US" altLang="zh-CN" dirty="0"/>
+              <a:t>pkcs#1</a:t>
+            </a:r>
+            <a:r>
+              <a:rPr lang="zh-CN" altLang="en-US" dirty="0"/>
+              <a:t>格式</a:t>
+            </a:r>
+          </a:p>
+          <a:p>
+            <a:pPr lvl="1"/>
+            <a:r>
+              <a:rPr lang="en-US" altLang="zh-CN" dirty="0"/>
+              <a:t>openssl </a:t>
+            </a:r>
+            <a:r>
+              <a:rPr lang="en-US" altLang="zh-CN" dirty="0" err="1"/>
+              <a:t>genrsa</a:t>
+            </a:r>
+            <a:r>
+              <a:rPr lang="en-US" altLang="zh-CN" dirty="0"/>
+              <a:t> -out </a:t>
+            </a:r>
+            <a:r>
+              <a:rPr lang="en-US" altLang="zh-CN" dirty="0" err="1"/>
+              <a:t>private_key.pem</a:t>
+            </a:r>
+            <a:r>
+              <a:rPr lang="en-US" altLang="zh-CN" dirty="0"/>
+              <a:t> 1024</a:t>
+            </a:r>
+          </a:p>
+          <a:p>
+            <a:r>
+              <a:rPr lang="en-US" altLang="zh-CN" dirty="0"/>
+              <a:t># </a:t>
+            </a:r>
+            <a:r>
+              <a:rPr lang="zh-CN" altLang="en-US" dirty="0"/>
+              <a:t>生成私钥文件，</a:t>
+            </a:r>
+            <a:r>
+              <a:rPr lang="en-US" altLang="zh-CN" dirty="0"/>
+              <a:t>pkcs#8</a:t>
+            </a:r>
+            <a:r>
+              <a:rPr lang="zh-CN" altLang="en-US" dirty="0"/>
+              <a:t>格式</a:t>
+            </a:r>
+            <a:endParaRPr lang="en-US" altLang="zh-CN" dirty="0"/>
+          </a:p>
+          <a:p>
+            <a:pPr lvl="1"/>
+            <a:r>
+              <a:rPr lang="en-US" altLang="zh-CN" dirty="0"/>
+              <a:t>openssl pkcs8 -topk8 -inform PEM -in </a:t>
+            </a:r>
+            <a:r>
+              <a:rPr lang="en-US" altLang="zh-CN" dirty="0" err="1"/>
+              <a:t>private_key.pem</a:t>
+            </a:r>
+            <a:r>
+              <a:rPr lang="en-US" altLang="zh-CN" dirty="0"/>
+              <a:t> -</a:t>
+            </a:r>
+            <a:r>
+              <a:rPr lang="en-US" altLang="zh-CN" dirty="0" err="1"/>
+              <a:t>outform</a:t>
+            </a:r>
+            <a:r>
+              <a:rPr lang="en-US" altLang="zh-CN" dirty="0"/>
+              <a:t> PEM -</a:t>
+            </a:r>
+            <a:r>
+              <a:rPr lang="en-US" altLang="zh-CN" dirty="0" err="1"/>
+              <a:t>nocrypt</a:t>
+            </a:r>
+            <a:r>
+              <a:rPr lang="en-US" altLang="zh-CN" dirty="0"/>
+              <a:t>&gt;pkcs8_private_key.pem</a:t>
+            </a:r>
+          </a:p>
+          <a:p>
+            <a:r>
+              <a:rPr lang="en-US" altLang="zh-CN" dirty="0"/>
+              <a:t># </a:t>
+            </a:r>
+            <a:r>
+              <a:rPr lang="zh-CN" altLang="en-US" dirty="0"/>
+              <a:t>从私钥导出公钥，</a:t>
+            </a:r>
+            <a:r>
+              <a:rPr lang="en-US" altLang="zh-CN" dirty="0"/>
+              <a:t>pkcs#8</a:t>
+            </a:r>
+            <a:r>
+              <a:rPr lang="zh-CN" altLang="en-US" dirty="0"/>
+              <a:t>格式</a:t>
+            </a:r>
+          </a:p>
+          <a:p>
+            <a:pPr lvl="1"/>
+            <a:r>
+              <a:rPr lang="en-US" altLang="zh-CN" dirty="0"/>
+              <a:t>openssl </a:t>
+            </a:r>
+            <a:r>
+              <a:rPr lang="en-US" altLang="zh-CN" dirty="0" err="1"/>
+              <a:t>rsa</a:t>
+            </a:r>
+            <a:r>
+              <a:rPr lang="en-US" altLang="zh-CN" dirty="0"/>
+              <a:t> -in </a:t>
+            </a:r>
+            <a:r>
+              <a:rPr lang="en-US" altLang="zh-CN" dirty="0" err="1"/>
+              <a:t>private_key.pem</a:t>
+            </a:r>
+            <a:r>
+              <a:rPr lang="en-US" altLang="zh-CN" dirty="0"/>
+              <a:t> -</a:t>
+            </a:r>
+            <a:r>
+              <a:rPr lang="en-US" altLang="zh-CN" dirty="0" err="1"/>
+              <a:t>pubout</a:t>
+            </a:r>
+            <a:r>
+              <a:rPr lang="en-US" altLang="zh-CN" dirty="0"/>
+              <a:t> -out </a:t>
+            </a:r>
+            <a:r>
+              <a:rPr lang="en-US" altLang="zh-CN" dirty="0" err="1"/>
+              <a:t>public_key.pem</a:t>
+            </a:r>
+            <a:endParaRPr lang="en-US" altLang="zh-CN" dirty="0"/>
+          </a:p>
+          <a:p>
+            <a:r>
+              <a:rPr lang="en-US" altLang="zh-CN" dirty="0"/>
+              <a:t>#</a:t>
+            </a:r>
+            <a:r>
+              <a:rPr lang="zh-CN" altLang="en-US" dirty="0"/>
+              <a:t>生成</a:t>
+            </a:r>
+            <a:r>
+              <a:rPr lang="en-US" altLang="zh-CN" dirty="0"/>
+              <a:t>pkcs#1</a:t>
+            </a:r>
+            <a:r>
+              <a:rPr lang="zh-CN" altLang="en-US" dirty="0"/>
+              <a:t>格式的公钥文件</a:t>
+            </a:r>
+            <a:endParaRPr lang="en-US" altLang="zh-CN" dirty="0"/>
+          </a:p>
+          <a:p>
+            <a:pPr lvl="1"/>
+            <a:r>
+              <a:rPr lang="en-US" altLang="zh-CN" dirty="0"/>
+              <a:t>openssl </a:t>
+            </a:r>
+            <a:r>
+              <a:rPr lang="en-US" altLang="zh-CN" dirty="0" err="1"/>
+              <a:t>rsa</a:t>
+            </a:r>
+            <a:r>
+              <a:rPr lang="en-US" altLang="zh-CN" dirty="0"/>
+              <a:t> -</a:t>
+            </a:r>
+            <a:r>
+              <a:rPr lang="en-US" altLang="zh-CN" dirty="0" err="1"/>
+              <a:t>pubin</a:t>
+            </a:r>
+            <a:r>
+              <a:rPr lang="en-US" altLang="zh-CN" dirty="0"/>
+              <a:t> -in </a:t>
+            </a:r>
+            <a:r>
+              <a:rPr lang="en-US" altLang="zh-CN" dirty="0" err="1"/>
+              <a:t>public_key.pem</a:t>
+            </a:r>
+            <a:r>
+              <a:rPr lang="en-US" altLang="zh-CN" dirty="0"/>
+              <a:t> -</a:t>
+            </a:r>
+            <a:r>
+              <a:rPr lang="en-US" altLang="zh-CN" dirty="0" err="1"/>
+              <a:t>RSAPublicKey_out</a:t>
+            </a:r>
+            <a:r>
+              <a:rPr lang="en-US" altLang="zh-CN" dirty="0"/>
+              <a:t> -out pkcs1_public_key.pem</a:t>
+            </a:r>
+            <a:endParaRPr lang="zh-CN" altLang="en-US" dirty="0"/>
+          </a:p>
+        </p:txBody>
+      </p:sp>
+    </p:spTree>
+    <p:extLst>
+      <p:ext uri="{BB962C8B-B14F-4D97-AF65-F5344CB8AC3E}">
+        <p14:creationId xmlns:p14="http://schemas.microsoft.com/office/powerpoint/2010/main" val="2568730184"/>
+      </p:ext>
+    </p:extLst>
+  </p:cSld>
+  <p:clrMapOvr>
+    <a:masterClrMapping/>
+  </p:clrMapOvr>
+</p:sld>
+</file>
+
+<file path=ppt/slides/slide13.xml><?xml version="1.0" encoding="utf-8"?>
+<p:sld xmlns:a="http://schemas.openxmlformats.org/drawingml/2006/main" xmlns:r="http://schemas.openxmlformats.org/officeDocument/2006/relationships" xmlns:p="http://schemas.openxmlformats.org/presentationml/2006/main">
+  <p:cSld>
+    <p:spTree>
+      <p:nvGrpSpPr>
+        <p:cNvPr id="1" name=""/>
+        <p:cNvGrpSpPr/>
+        <p:nvPr/>
+      </p:nvGrpSpPr>
+      <p:grpSpPr>
+        <a:xfrm>
+          <a:off x="0" y="0"/>
+          <a:ext cx="0" cy="0"/>
+          <a:chOff x="0" y="0"/>
+          <a:chExt cx="0" cy="0"/>
+        </a:xfrm>
+      </p:grpSpPr>
+      <p:sp>
+        <p:nvSpPr>
+          <p:cNvPr id="2" name="标题 1">
+            <a:extLst>
+              <a:ext uri="{FF2B5EF4-FFF2-40B4-BE49-F238E27FC236}">
+                <a16:creationId xmlns:a16="http://schemas.microsoft.com/office/drawing/2014/main" id="{4CAA4358-635D-4E8D-9D5C-2309C83A9349}"/>
+              </a:ext>
+            </a:extLst>
+          </p:cNvPr>
+          <p:cNvSpPr>
+            <a:spLocks noGrp="1"/>
+          </p:cNvSpPr>
+          <p:nvPr>
+            <p:ph type="title"/>
+          </p:nvPr>
+        </p:nvSpPr>
+        <p:spPr>
+          <a:xfrm>
+            <a:off x="665018" y="4488873"/>
+            <a:ext cx="8553594" cy="1505526"/>
+          </a:xfrm>
+        </p:spPr>
+        <p:txBody>
+          <a:bodyPr/>
+          <a:lstStyle/>
+          <a:p>
+            <a:r>
+              <a:rPr lang="zh-CN" altLang="en-US" dirty="0"/>
+              <a:t>把秘钥文件的首行和末行去除并转化成十六进制格式</a:t>
+            </a:r>
+          </a:p>
+        </p:txBody>
+      </p:sp>
+      <p:sp>
+        <p:nvSpPr>
+          <p:cNvPr id="3" name="内容占位符 2">
+            <a:extLst>
+              <a:ext uri="{FF2B5EF4-FFF2-40B4-BE49-F238E27FC236}">
+                <a16:creationId xmlns:a16="http://schemas.microsoft.com/office/drawing/2014/main" id="{D81E58D1-3320-4C97-9B3D-DB608B8EBC64}"/>
+              </a:ext>
+            </a:extLst>
+          </p:cNvPr>
+          <p:cNvSpPr>
+            <a:spLocks noGrp="1"/>
+          </p:cNvSpPr>
+          <p:nvPr>
+            <p:ph idx="1"/>
+          </p:nvPr>
+        </p:nvSpPr>
+        <p:spPr/>
+        <p:txBody>
+          <a:bodyPr>
+            <a:normAutofit/>
+          </a:bodyPr>
+          <a:lstStyle/>
+          <a:p>
+            <a:r>
+              <a:rPr lang="en-US" altLang="zh-CN" dirty="0"/>
+              <a:t>cat </a:t>
+            </a:r>
+            <a:r>
+              <a:rPr lang="en-US" altLang="zh-CN" dirty="0" err="1"/>
+              <a:t>private_key.pem|sed</a:t>
+            </a:r>
+            <a:r>
+              <a:rPr lang="en-US" altLang="zh-CN" dirty="0"/>
+              <a:t> '1d'|sed '$</a:t>
+            </a:r>
+            <a:r>
+              <a:rPr lang="en-US" altLang="zh-CN" dirty="0" err="1"/>
+              <a:t>d'|openssl</a:t>
+            </a:r>
+            <a:r>
+              <a:rPr lang="en-US" altLang="zh-CN" dirty="0"/>
+              <a:t> base64 -</a:t>
+            </a:r>
+            <a:r>
+              <a:rPr lang="en-US" altLang="zh-CN" dirty="0" err="1"/>
+              <a:t>d|xxd|cut</a:t>
+            </a:r>
+            <a:r>
+              <a:rPr lang="en-US" altLang="zh-CN" dirty="0"/>
+              <a:t> -d' ' -f1-9&gt;private_key.txt </a:t>
+            </a:r>
+          </a:p>
+          <a:p>
+            <a:r>
+              <a:rPr lang="en-US" altLang="zh-CN" dirty="0"/>
+              <a:t>cat </a:t>
+            </a:r>
+            <a:r>
+              <a:rPr lang="en-US" altLang="zh-CN" dirty="0" err="1"/>
+              <a:t>public_key.pem|sed</a:t>
+            </a:r>
+            <a:r>
+              <a:rPr lang="en-US" altLang="zh-CN" dirty="0"/>
+              <a:t> '1d'|sed '$</a:t>
+            </a:r>
+            <a:r>
+              <a:rPr lang="en-US" altLang="zh-CN" dirty="0" err="1"/>
+              <a:t>d'|openssl</a:t>
+            </a:r>
+            <a:r>
+              <a:rPr lang="en-US" altLang="zh-CN" dirty="0"/>
+              <a:t> base64 -</a:t>
+            </a:r>
+            <a:r>
+              <a:rPr lang="en-US" altLang="zh-CN" dirty="0" err="1"/>
+              <a:t>d|xxd|cut</a:t>
+            </a:r>
+            <a:r>
+              <a:rPr lang="en-US" altLang="zh-CN" dirty="0"/>
+              <a:t> -d' ' -f1-9&gt;public_key.txt </a:t>
+            </a:r>
+          </a:p>
+          <a:p>
+            <a:r>
+              <a:rPr lang="en-US" altLang="zh-CN" dirty="0"/>
+              <a:t>cat pkcs1_public_key.pem|sed '1d'|sed '$</a:t>
+            </a:r>
+            <a:r>
+              <a:rPr lang="en-US" altLang="zh-CN" dirty="0" err="1"/>
+              <a:t>d'|openssl</a:t>
+            </a:r>
+            <a:r>
+              <a:rPr lang="en-US" altLang="zh-CN" dirty="0"/>
+              <a:t> base64 -</a:t>
+            </a:r>
+            <a:r>
+              <a:rPr lang="en-US" altLang="zh-CN" dirty="0" err="1"/>
+              <a:t>d|xxd|cut</a:t>
+            </a:r>
+            <a:r>
+              <a:rPr lang="en-US" altLang="zh-CN" dirty="0"/>
+              <a:t> -d' ' -f1-9&gt;pkcs1_public_key.txt</a:t>
+            </a:r>
+          </a:p>
+        </p:txBody>
+      </p:sp>
+    </p:spTree>
+    <p:extLst>
+      <p:ext uri="{BB962C8B-B14F-4D97-AF65-F5344CB8AC3E}">
+        <p14:creationId xmlns:p14="http://schemas.microsoft.com/office/powerpoint/2010/main" val="438976715"/>
+      </p:ext>
+    </p:extLst>
+  </p:cSld>
+  <p:clrMapOvr>
+    <a:masterClrMapping/>
+  </p:clrMapOvr>
+</p:sld>
+</file>
+
+<file path=ppt/slides/slide14.xml><?xml version="1.0" encoding="utf-8"?>
+<p:sld xmlns:a="http://schemas.openxmlformats.org/drawingml/2006/main" xmlns:r="http://schemas.openxmlformats.org/officeDocument/2006/relationships" xmlns:p="http://schemas.openxmlformats.org/presentationml/2006/main">
+  <p:cSld>
+    <p:spTree>
+      <p:nvGrpSpPr>
+        <p:cNvPr id="1" name=""/>
+        <p:cNvGrpSpPr/>
+        <p:nvPr/>
+      </p:nvGrpSpPr>
+      <p:grpSpPr>
+        <a:xfrm>
+          <a:off x="0" y="0"/>
+          <a:ext cx="0" cy="0"/>
+          <a:chOff x="0" y="0"/>
+          <a:chExt cx="0" cy="0"/>
+        </a:xfrm>
+      </p:grpSpPr>
+      <p:sp>
+        <p:nvSpPr>
+          <p:cNvPr id="2" name="标题 1">
+            <a:extLst>
+              <a:ext uri="{FF2B5EF4-FFF2-40B4-BE49-F238E27FC236}">
+                <a16:creationId xmlns:a16="http://schemas.microsoft.com/office/drawing/2014/main" id="{581ED96A-6349-4ABF-8691-20ACB82B5BDA}"/>
+              </a:ext>
+            </a:extLst>
+          </p:cNvPr>
+          <p:cNvSpPr>
+            <a:spLocks noGrp="1"/>
+          </p:cNvSpPr>
+          <p:nvPr>
+            <p:ph type="title"/>
+          </p:nvPr>
+        </p:nvSpPr>
+        <p:spPr/>
+        <p:txBody>
+          <a:bodyPr/>
+          <a:lstStyle/>
+          <a:p>
+            <a:endParaRPr lang="zh-CN" altLang="en-US"/>
+          </a:p>
+        </p:txBody>
+      </p:sp>
+      <p:sp>
+        <p:nvSpPr>
+          <p:cNvPr id="3" name="内容占位符 2">
+            <a:extLst>
+              <a:ext uri="{FF2B5EF4-FFF2-40B4-BE49-F238E27FC236}">
+                <a16:creationId xmlns:a16="http://schemas.microsoft.com/office/drawing/2014/main" id="{53BF4286-E5A2-4679-B5E9-7F39CFAE65CC}"/>
+              </a:ext>
+            </a:extLst>
+          </p:cNvPr>
+          <p:cNvSpPr>
+            <a:spLocks noGrp="1"/>
+          </p:cNvSpPr>
+          <p:nvPr>
+            <p:ph idx="1"/>
+          </p:nvPr>
+        </p:nvSpPr>
+        <p:spPr>
+          <a:xfrm>
+            <a:off x="684212" y="676564"/>
+            <a:ext cx="8534400" cy="3615267"/>
+          </a:xfrm>
+        </p:spPr>
+        <p:txBody>
+          <a:bodyPr/>
+          <a:lstStyle/>
+          <a:p>
+            <a:r>
+              <a:rPr lang="en-US" altLang="zh-CN" dirty="0"/>
+              <a:t>openssl </a:t>
+            </a:r>
+            <a:r>
+              <a:rPr lang="en-US" altLang="zh-CN" dirty="0" err="1"/>
+              <a:t>rsautl</a:t>
+            </a:r>
+            <a:r>
+              <a:rPr lang="en-US" altLang="zh-CN" dirty="0"/>
+              <a:t> -encrypt -in aa.txt -</a:t>
+            </a:r>
+            <a:r>
+              <a:rPr lang="en-US" altLang="zh-CN" dirty="0" err="1"/>
+              <a:t>inkey</a:t>
+            </a:r>
+            <a:r>
+              <a:rPr lang="en-US" altLang="zh-CN" dirty="0"/>
+              <a:t> </a:t>
+            </a:r>
+            <a:r>
+              <a:rPr lang="en-US" altLang="zh-CN" dirty="0" err="1"/>
+              <a:t>public_key.pem</a:t>
+            </a:r>
+            <a:r>
+              <a:rPr lang="en-US" altLang="zh-CN" dirty="0"/>
+              <a:t> -out enc.txt</a:t>
+            </a:r>
+            <a:endParaRPr lang="zh-CN" altLang="en-US" dirty="0"/>
+          </a:p>
+        </p:txBody>
+      </p:sp>
+    </p:spTree>
+    <p:extLst>
+      <p:ext uri="{BB962C8B-B14F-4D97-AF65-F5344CB8AC3E}">
+        <p14:creationId xmlns:p14="http://schemas.microsoft.com/office/powerpoint/2010/main" val="2596375783"/>
       </p:ext>
     </p:extLst>
   </p:cSld>
@@ -6042,7 +6725,15 @@
           <a:bodyPr/>
           <a:lstStyle/>
           <a:p>
-            <a:endParaRPr lang="zh-CN" altLang="en-US"/>
+            <a:r>
+              <a:rPr lang="zh-CN" altLang="en-US" dirty="0"/>
+              <a:t>对称加密算法</a:t>
+            </a:r>
+            <a:r>
+              <a:rPr lang="en-US" altLang="zh-CN" dirty="0"/>
+              <a:t>AES</a:t>
+            </a:r>
+            <a:endParaRPr lang="zh-CN" altLang="en-US" dirty="0"/>
           </a:p>
         </p:txBody>
       </p:sp>
@@ -6190,7 +6881,7 @@
           <p:cNvPr id="2" name="标题 1">
             <a:extLst>
               <a:ext uri="{FF2B5EF4-FFF2-40B4-BE49-F238E27FC236}">
-                <a16:creationId xmlns:a16="http://schemas.microsoft.com/office/drawing/2014/main" id="{098DB851-A866-4B29-B1AA-58D988E83C64}"/>
+                <a16:creationId xmlns:a16="http://schemas.microsoft.com/office/drawing/2014/main" id="{3E37D89F-557C-4579-A6C2-7CFC2D550796}"/>
               </a:ext>
             </a:extLst>
           </p:cNvPr>
@@ -6208,7 +6899,15 @@
           <a:p>
             <a:r>
               <a:rPr lang="en-US" altLang="zh-CN" dirty="0"/>
-              <a:t>AES</a:t>
+              <a:t>RSA</a:t>
+            </a:r>
+            <a:r>
+              <a:rPr lang="zh-CN" altLang="en-US" dirty="0"/>
+              <a:t>加解密算法数学基础 </a:t>
+            </a:r>
+            <a:r>
+              <a:rPr lang="en-US" altLang="zh-CN" dirty="0"/>
+              <a:t>-1</a:t>
             </a:r>
             <a:endParaRPr lang="zh-CN" altLang="en-US" dirty="0"/>
           </a:p>
@@ -6219,7 +6918,7 @@
           <p:cNvPr id="3" name="内容占位符 2">
             <a:extLst>
               <a:ext uri="{FF2B5EF4-FFF2-40B4-BE49-F238E27FC236}">
-                <a16:creationId xmlns:a16="http://schemas.microsoft.com/office/drawing/2014/main" id="{1351E304-B971-41ED-B16C-0DFC498A54C6}"/>
+                <a16:creationId xmlns:a16="http://schemas.microsoft.com/office/drawing/2014/main" id="{278045E4-A8BA-4430-AC1D-633005025920}"/>
               </a:ext>
             </a:extLst>
           </p:cNvPr>
@@ -6230,19 +6929,550 @@
             <p:ph idx="1"/>
           </p:nvPr>
         </p:nvSpPr>
-        <p:spPr/>
-        <p:txBody>
-          <a:bodyPr/>
-          <a:lstStyle/>
+        <p:spPr>
+          <a:xfrm>
+            <a:off x="480025" y="776034"/>
+            <a:ext cx="8534400" cy="3615267"/>
+          </a:xfrm>
+        </p:spPr>
+        <p:txBody>
+          <a:bodyPr>
+            <a:normAutofit fontScale="92500" lnSpcReduction="20000"/>
+          </a:bodyPr>
+          <a:lstStyle/>
+          <a:p>
+            <a:r>
+              <a:rPr lang="zh-CN" altLang="en-US" dirty="0"/>
+              <a:t>质数（素数）：在大于</a:t>
+            </a:r>
+            <a:r>
+              <a:rPr lang="en-US" altLang="zh-CN" dirty="0"/>
+              <a:t>1</a:t>
+            </a:r>
+            <a:r>
+              <a:rPr lang="zh-CN" altLang="en-US" dirty="0"/>
+              <a:t>的自然数中除了</a:t>
+            </a:r>
+            <a:r>
+              <a:rPr lang="en-US" altLang="zh-CN" dirty="0"/>
+              <a:t>1</a:t>
+            </a:r>
+            <a:r>
+              <a:rPr lang="zh-CN" altLang="en-US" dirty="0"/>
+              <a:t>个它本身以外不再有其它因数</a:t>
+            </a:r>
+            <a:endParaRPr lang="en-US" altLang="zh-CN" dirty="0"/>
+          </a:p>
+          <a:p>
+            <a:r>
+              <a:rPr lang="zh-CN" altLang="en-US" dirty="0"/>
+              <a:t>合数：除了</a:t>
+            </a:r>
+            <a:r>
+              <a:rPr lang="en-US" altLang="zh-CN" dirty="0"/>
+              <a:t>1</a:t>
+            </a:r>
+            <a:r>
+              <a:rPr lang="zh-CN" altLang="en-US" dirty="0"/>
+              <a:t>和它本身、还能被其它数整除</a:t>
+            </a:r>
+            <a:endParaRPr lang="en-US" altLang="zh-CN" dirty="0"/>
+          </a:p>
+          <a:p>
+            <a:r>
+              <a:rPr lang="en-US" altLang="zh-CN" dirty="0"/>
+              <a:t>a</a:t>
+            </a:r>
+            <a:r>
+              <a:rPr lang="zh-CN" altLang="en-US" dirty="0"/>
+              <a:t>、</a:t>
+            </a:r>
+            <a:r>
+              <a:rPr lang="en-US" altLang="zh-CN" dirty="0"/>
+              <a:t>b </a:t>
+            </a:r>
+            <a:r>
+              <a:rPr lang="zh-CN" altLang="en-US" dirty="0"/>
+              <a:t>互质关系 ：公约数只有</a:t>
+            </a:r>
+            <a:r>
+              <a:rPr lang="en-US" altLang="zh-CN" dirty="0"/>
+              <a:t>1</a:t>
+            </a:r>
+          </a:p>
+          <a:p>
+            <a:r>
+              <a:rPr lang="zh-CN" altLang="en-US" dirty="0"/>
+              <a:t>欧拉函数：计算</a:t>
+            </a:r>
+            <a:r>
+              <a:rPr lang="en-US" altLang="zh-CN" dirty="0"/>
+              <a:t>[1,n]</a:t>
+            </a:r>
+            <a:r>
+              <a:rPr lang="zh-CN" altLang="en-US" dirty="0"/>
+              <a:t>之间有多少个数与</a:t>
+            </a:r>
+            <a:r>
+              <a:rPr lang="en-US" altLang="zh-CN" dirty="0"/>
+              <a:t>n</a:t>
+            </a:r>
+            <a:r>
+              <a:rPr lang="zh-CN" altLang="en-US" dirty="0"/>
+              <a:t>是互质关系</a:t>
+            </a:r>
+            <a:endParaRPr lang="en-US" altLang="zh-CN" dirty="0"/>
+          </a:p>
+          <a:p>
+            <a:pPr lvl="1"/>
+            <a:r>
+              <a:rPr lang="en-US" altLang="zh-CN" dirty="0"/>
+              <a:t>1 </a:t>
+            </a:r>
+            <a:r>
+              <a:rPr lang="zh-CN" altLang="en-US" dirty="0"/>
+              <a:t>任意两个质数互质 （</a:t>
+            </a:r>
+            <a:r>
+              <a:rPr lang="en-US" altLang="zh-CN" dirty="0"/>
+              <a:t>13,61</a:t>
+            </a:r>
+            <a:r>
+              <a:rPr lang="zh-CN" altLang="en-US" dirty="0"/>
+              <a:t>）</a:t>
+            </a:r>
+            <a:endParaRPr lang="en-US" altLang="zh-CN" dirty="0"/>
+          </a:p>
+          <a:p>
+            <a:pPr lvl="1"/>
+            <a:r>
+              <a:rPr lang="en-US" altLang="zh-CN" dirty="0"/>
+              <a:t>2 </a:t>
+            </a:r>
+            <a:r>
+              <a:rPr lang="zh-CN" altLang="en-US" dirty="0"/>
+              <a:t>一个数是质数，另一个数只要不是前者的倍数，两数互质（</a:t>
+            </a:r>
+            <a:r>
+              <a:rPr lang="en-US" altLang="zh-CN" dirty="0"/>
+              <a:t>13,22</a:t>
+            </a:r>
+            <a:r>
+              <a:rPr lang="zh-CN" altLang="en-US" dirty="0"/>
+              <a:t>）</a:t>
+            </a:r>
+            <a:endParaRPr lang="en-US" altLang="zh-CN" dirty="0"/>
+          </a:p>
+          <a:p>
+            <a:pPr lvl="1"/>
+            <a:r>
+              <a:rPr lang="en-US" altLang="zh-CN" dirty="0"/>
+              <a:t>3 </a:t>
+            </a:r>
+            <a:r>
+              <a:rPr lang="zh-CN" altLang="en-US" dirty="0"/>
+              <a:t>两个数中较大者是质数 两数互质</a:t>
+            </a:r>
+            <a:r>
+              <a:rPr lang="en-US" altLang="zh-CN" dirty="0"/>
+              <a:t>(97,57)</a:t>
+            </a:r>
+          </a:p>
+          <a:p>
+            <a:pPr lvl="1"/>
+            <a:r>
+              <a:rPr lang="en-US" altLang="zh-CN" dirty="0"/>
+              <a:t>4 1</a:t>
+            </a:r>
+            <a:r>
+              <a:rPr lang="zh-CN" altLang="en-US" dirty="0"/>
+              <a:t>和任意一个自然数是都是互质关系</a:t>
+            </a:r>
+            <a:r>
+              <a:rPr lang="en-US" altLang="zh-CN" dirty="0"/>
+              <a:t>(1,99)</a:t>
+            </a:r>
+          </a:p>
+          <a:p>
+            <a:pPr lvl="1"/>
+            <a:r>
+              <a:rPr lang="en-US" altLang="zh-CN" dirty="0"/>
+              <a:t>5 p</a:t>
+            </a:r>
+            <a:r>
+              <a:rPr lang="zh-CN" altLang="en-US" dirty="0"/>
+              <a:t>是大于</a:t>
+            </a:r>
+            <a:r>
+              <a:rPr lang="en-US" altLang="zh-CN" dirty="0"/>
+              <a:t>1</a:t>
+            </a:r>
+            <a:r>
+              <a:rPr lang="zh-CN" altLang="en-US" dirty="0"/>
+              <a:t>的整数，则</a:t>
+            </a:r>
+            <a:r>
+              <a:rPr lang="en-US" altLang="zh-CN" dirty="0"/>
+              <a:t>p</a:t>
+            </a:r>
+            <a:r>
+              <a:rPr lang="zh-CN" altLang="en-US" dirty="0"/>
+              <a:t>和</a:t>
+            </a:r>
+            <a:r>
+              <a:rPr lang="en-US" altLang="zh-CN" dirty="0"/>
+              <a:t>p-1</a:t>
+            </a:r>
+            <a:r>
+              <a:rPr lang="zh-CN" altLang="en-US" dirty="0"/>
+              <a:t>构成互质关系</a:t>
+            </a:r>
+            <a:r>
+              <a:rPr lang="en-US" altLang="zh-CN" dirty="0"/>
+              <a:t>(57,56)</a:t>
+            </a:r>
+          </a:p>
+          <a:p>
+            <a:pPr lvl="1"/>
+            <a:r>
+              <a:rPr lang="en-US" altLang="zh-CN" dirty="0"/>
+              <a:t>6 p</a:t>
+            </a:r>
+            <a:r>
+              <a:rPr lang="zh-CN" altLang="en-US" dirty="0"/>
+              <a:t>是大于</a:t>
+            </a:r>
+            <a:r>
+              <a:rPr lang="en-US" altLang="zh-CN" dirty="0"/>
+              <a:t>1</a:t>
+            </a:r>
+            <a:r>
+              <a:rPr lang="zh-CN" altLang="en-US" dirty="0"/>
+              <a:t>的奇数，则</a:t>
+            </a:r>
+            <a:r>
+              <a:rPr lang="en-US" altLang="zh-CN" dirty="0"/>
+              <a:t>p</a:t>
+            </a:r>
+            <a:r>
+              <a:rPr lang="zh-CN" altLang="en-US" dirty="0"/>
+              <a:t>和</a:t>
+            </a:r>
+            <a:r>
+              <a:rPr lang="en-US" altLang="zh-CN" dirty="0"/>
+              <a:t>p-2</a:t>
+            </a:r>
+            <a:r>
+              <a:rPr lang="zh-CN" altLang="en-US" dirty="0"/>
+              <a:t>构成互质关系</a:t>
+            </a:r>
+            <a:r>
+              <a:rPr lang="en-US" altLang="zh-CN" dirty="0"/>
+              <a:t>(17,15)</a:t>
+            </a:r>
+          </a:p>
+          <a:p>
+            <a:endParaRPr lang="en-US" altLang="zh-CN" dirty="0"/>
+          </a:p>
           <a:p>
             <a:endParaRPr lang="zh-CN" altLang="en-US" dirty="0"/>
+          </a:p>
+        </p:txBody>
+      </p:sp>
+      <p:sp>
+        <p:nvSpPr>
+          <p:cNvPr id="4" name="Rectangle 1">
+            <a:extLst>
+              <a:ext uri="{FF2B5EF4-FFF2-40B4-BE49-F238E27FC236}">
+                <a16:creationId xmlns:a16="http://schemas.microsoft.com/office/drawing/2014/main" id="{E135C562-1848-4F3E-8783-2FA8BCA3070A}"/>
+              </a:ext>
+            </a:extLst>
+          </p:cNvPr>
+          <p:cNvSpPr>
+            <a:spLocks noChangeArrowheads="1"/>
+          </p:cNvSpPr>
+          <p:nvPr/>
+        </p:nvSpPr>
+        <p:spPr bwMode="auto">
+          <a:xfrm>
+            <a:off x="0" y="0"/>
+            <a:ext cx="12192000" cy="0"/>
+          </a:xfrm>
+          <a:prstGeom prst="rect">
+            <a:avLst/>
+          </a:prstGeom>
+          <a:noFill/>
+          <a:ln>
+            <a:noFill/>
+          </a:ln>
+          <a:effectLst/>
+          <a:extLst>
+            <a:ext uri="{909E8E84-426E-40DD-AFC4-6F175D3DCCD1}">
+              <a14:hiddenFill xmlns:a14="http://schemas.microsoft.com/office/drawing/2010/main">
+                <a:solidFill>
+                  <a:schemeClr val="accent1"/>
+                </a:solidFill>
+              </a14:hiddenFill>
+            </a:ext>
+            <a:ext uri="{91240B29-F687-4F45-9708-019B960494DF}">
+              <a14:hiddenLine xmlns:a14="http://schemas.microsoft.com/office/drawing/2010/main" w="9525">
+                <a:solidFill>
+                  <a:schemeClr val="tx1"/>
+                </a:solidFill>
+                <a:miter lim="800000"/>
+                <a:headEnd/>
+                <a:tailEnd/>
+              </a14:hiddenLine>
+            </a:ext>
+            <a:ext uri="{AF507438-7753-43E0-B8FC-AC1667EBCBE1}">
+              <a14:hiddenEffects xmlns:a14="http://schemas.microsoft.com/office/drawing/2010/main">
+                <a:effectLst>
+                  <a:outerShdw dist="35921" dir="2700000" algn="ctr" rotWithShape="0">
+                    <a:schemeClr val="bg2"/>
+                  </a:outerShdw>
+                </a:effectLst>
+              </a14:hiddenEffects>
+            </a:ext>
+          </a:extLst>
+        </p:spPr>
+        <p:txBody>
+          <a:bodyPr vert="horz" wrap="none" lIns="91440" tIns="45720" rIns="91440" bIns="45720" numCol="1" anchor="ctr" anchorCtr="0" compatLnSpc="1">
+            <a:prstTxWarp prst="textNoShape">
+              <a:avLst/>
+            </a:prstTxWarp>
+            <a:spAutoFit/>
+          </a:bodyPr>
+          <a:lstStyle>
+            <a:lvl1pPr indent="177800" eaLnBrk="0" fontAlgn="base" hangingPunct="0">
+              <a:spcBef>
+                <a:spcPct val="0"/>
+              </a:spcBef>
+              <a:spcAft>
+                <a:spcPct val="0"/>
+              </a:spcAft>
+              <a:defRPr>
+                <a:solidFill>
+                  <a:schemeClr val="tx1"/>
+                </a:solidFill>
+                <a:latin typeface="Arial" panose="020B0604020202020204" pitchFamily="34" charset="0"/>
+              </a:defRPr>
+            </a:lvl1pPr>
+            <a:lvl2pPr eaLnBrk="0" fontAlgn="base" hangingPunct="0">
+              <a:spcBef>
+                <a:spcPct val="0"/>
+              </a:spcBef>
+              <a:spcAft>
+                <a:spcPct val="0"/>
+              </a:spcAft>
+              <a:defRPr>
+                <a:solidFill>
+                  <a:schemeClr val="tx1"/>
+                </a:solidFill>
+                <a:latin typeface="Arial" panose="020B0604020202020204" pitchFamily="34" charset="0"/>
+              </a:defRPr>
+            </a:lvl2pPr>
+            <a:lvl3pPr eaLnBrk="0" fontAlgn="base" hangingPunct="0">
+              <a:spcBef>
+                <a:spcPct val="0"/>
+              </a:spcBef>
+              <a:spcAft>
+                <a:spcPct val="0"/>
+              </a:spcAft>
+              <a:defRPr>
+                <a:solidFill>
+                  <a:schemeClr val="tx1"/>
+                </a:solidFill>
+                <a:latin typeface="Arial" panose="020B0604020202020204" pitchFamily="34" charset="0"/>
+              </a:defRPr>
+            </a:lvl3pPr>
+            <a:lvl4pPr eaLnBrk="0" fontAlgn="base" hangingPunct="0">
+              <a:spcBef>
+                <a:spcPct val="0"/>
+              </a:spcBef>
+              <a:spcAft>
+                <a:spcPct val="0"/>
+              </a:spcAft>
+              <a:defRPr>
+                <a:solidFill>
+                  <a:schemeClr val="tx1"/>
+                </a:solidFill>
+                <a:latin typeface="Arial" panose="020B0604020202020204" pitchFamily="34" charset="0"/>
+              </a:defRPr>
+            </a:lvl4pPr>
+            <a:lvl5pPr eaLnBrk="0" fontAlgn="base" hangingPunct="0">
+              <a:spcBef>
+                <a:spcPct val="0"/>
+              </a:spcBef>
+              <a:spcAft>
+                <a:spcPct val="0"/>
+              </a:spcAft>
+              <a:defRPr>
+                <a:solidFill>
+                  <a:schemeClr val="tx1"/>
+                </a:solidFill>
+                <a:latin typeface="Arial" panose="020B0604020202020204" pitchFamily="34" charset="0"/>
+              </a:defRPr>
+            </a:lvl5pPr>
+            <a:lvl6pPr eaLnBrk="0" fontAlgn="base" hangingPunct="0">
+              <a:spcBef>
+                <a:spcPct val="0"/>
+              </a:spcBef>
+              <a:spcAft>
+                <a:spcPct val="0"/>
+              </a:spcAft>
+              <a:defRPr>
+                <a:solidFill>
+                  <a:schemeClr val="tx1"/>
+                </a:solidFill>
+                <a:latin typeface="Arial" panose="020B0604020202020204" pitchFamily="34" charset="0"/>
+              </a:defRPr>
+            </a:lvl6pPr>
+            <a:lvl7pPr eaLnBrk="0" fontAlgn="base" hangingPunct="0">
+              <a:spcBef>
+                <a:spcPct val="0"/>
+              </a:spcBef>
+              <a:spcAft>
+                <a:spcPct val="0"/>
+              </a:spcAft>
+              <a:defRPr>
+                <a:solidFill>
+                  <a:schemeClr val="tx1"/>
+                </a:solidFill>
+                <a:latin typeface="Arial" panose="020B0604020202020204" pitchFamily="34" charset="0"/>
+              </a:defRPr>
+            </a:lvl7pPr>
+            <a:lvl8pPr eaLnBrk="0" fontAlgn="base" hangingPunct="0">
+              <a:spcBef>
+                <a:spcPct val="0"/>
+              </a:spcBef>
+              <a:spcAft>
+                <a:spcPct val="0"/>
+              </a:spcAft>
+              <a:defRPr>
+                <a:solidFill>
+                  <a:schemeClr val="tx1"/>
+                </a:solidFill>
+                <a:latin typeface="Arial" panose="020B0604020202020204" pitchFamily="34" charset="0"/>
+              </a:defRPr>
+            </a:lvl8pPr>
+            <a:lvl9pPr eaLnBrk="0" fontAlgn="base" hangingPunct="0">
+              <a:spcBef>
+                <a:spcPct val="0"/>
+              </a:spcBef>
+              <a:spcAft>
+                <a:spcPct val="0"/>
+              </a:spcAft>
+              <a:defRPr>
+                <a:solidFill>
+                  <a:schemeClr val="tx1"/>
+                </a:solidFill>
+                <a:latin typeface="Arial" panose="020B0604020202020204" pitchFamily="34" charset="0"/>
+              </a:defRPr>
+            </a:lvl9pPr>
+          </a:lstStyle>
+          <a:p>
+            <a:pPr marL="0" marR="0" lvl="0" indent="177800" algn="l" defTabSz="914400" rtl="0" eaLnBrk="0" fontAlgn="base" latinLnBrk="0" hangingPunct="0">
+              <a:lnSpc>
+                <a:spcPct val="100000"/>
+              </a:lnSpc>
+              <a:spcBef>
+                <a:spcPct val="0"/>
+              </a:spcBef>
+              <a:spcAft>
+                <a:spcPct val="0"/>
+              </a:spcAft>
+              <a:buClrTx/>
+              <a:buSzTx/>
+              <a:buFontTx/>
+              <a:buNone/>
+              <a:tabLst/>
+            </a:pPr>
+            <a:r>
+              <a:rPr kumimoji="0" lang="zh-CN" altLang="zh-CN" sz="1000" b="0" i="0" u="none" strike="noStrike" cap="none" normalizeH="0" baseline="0">
+                <a:ln>
+                  <a:noFill/>
+                </a:ln>
+                <a:solidFill>
+                  <a:srgbClr val="333333"/>
+                </a:solidFill>
+                <a:effectLst/>
+                <a:latin typeface="Arial" panose="020B0604020202020204" pitchFamily="34" charset="0"/>
+                <a:cs typeface="Arial" panose="020B0604020202020204" pitchFamily="34" charset="0"/>
+              </a:rPr>
+              <a:t>通式：</a:t>
+            </a:r>
+            <a:endParaRPr kumimoji="0" lang="zh-CN" altLang="zh-CN" sz="800" b="0" i="0" u="none" strike="noStrike" cap="none" normalizeH="0" baseline="0">
+              <a:ln>
+                <a:noFill/>
+              </a:ln>
+              <a:solidFill>
+                <a:schemeClr val="tx1"/>
+              </a:solidFill>
+              <a:effectLst/>
+            </a:endParaRPr>
+          </a:p>
+          <a:p>
+            <a:pPr marL="0" marR="0" lvl="0" indent="177800" algn="l" defTabSz="914400" rtl="0" eaLnBrk="0" fontAlgn="base" latinLnBrk="0" hangingPunct="0">
+              <a:lnSpc>
+                <a:spcPct val="100000"/>
+              </a:lnSpc>
+              <a:spcBef>
+                <a:spcPct val="0"/>
+              </a:spcBef>
+              <a:spcAft>
+                <a:spcPct val="0"/>
+              </a:spcAft>
+              <a:buClrTx/>
+              <a:buSzTx/>
+              <a:buFontTx/>
+              <a:buNone/>
+              <a:tabLst/>
+            </a:pPr>
+            <a:r>
+              <a:rPr kumimoji="0" lang="zh-CN" altLang="zh-CN" sz="1000" b="0" i="0" u="none" strike="noStrike" cap="none" normalizeH="0" baseline="0">
+                <a:ln>
+                  <a:noFill/>
+                </a:ln>
+                <a:solidFill>
+                  <a:srgbClr val="333333"/>
+                </a:solidFill>
+                <a:effectLst/>
+                <a:latin typeface="Arial" panose="020B0604020202020204" pitchFamily="34" charset="0"/>
+                <a:cs typeface="Arial" panose="020B0604020202020204" pitchFamily="34" charset="0"/>
+              </a:rPr>
+              <a:t>   </a:t>
+            </a:r>
+            <a:r>
+              <a:rPr kumimoji="0" lang="zh-CN" altLang="zh-CN" sz="2800" b="0" i="0" u="none" strike="noStrike" cap="none" normalizeH="0" baseline="0">
+                <a:ln>
+                  <a:noFill/>
+                </a:ln>
+                <a:solidFill>
+                  <a:srgbClr val="333333"/>
+                </a:solidFill>
+                <a:effectLst/>
+                <a:latin typeface="Arial" panose="020B0604020202020204" pitchFamily="34" charset="0"/>
+                <a:cs typeface="Arial" panose="020B0604020202020204" pitchFamily="34" charset="0"/>
+              </a:rPr>
+              <a:t>               </a:t>
+            </a:r>
+            <a:endParaRPr kumimoji="0" lang="zh-CN" altLang="zh-CN" sz="1800" b="0" i="0" u="none" strike="noStrike" cap="none" normalizeH="0" baseline="0">
+              <a:ln>
+                <a:noFill/>
+              </a:ln>
+              <a:solidFill>
+                <a:schemeClr val="tx1"/>
+              </a:solidFill>
+              <a:effectLst/>
+              <a:latin typeface="Arial" panose="020B0604020202020204" pitchFamily="34" charset="0"/>
+            </a:endParaRPr>
           </a:p>
         </p:txBody>
       </p:sp>
     </p:spTree>
     <p:extLst>
       <p:ext uri="{BB962C8B-B14F-4D97-AF65-F5344CB8AC3E}">
-        <p14:creationId xmlns:p14="http://schemas.microsoft.com/office/powerpoint/2010/main" val="3006634874"/>
+        <p14:creationId xmlns:p14="http://schemas.microsoft.com/office/powerpoint/2010/main" val="1464683251"/>
       </p:ext>
     </p:extLst>
   </p:cSld>
@@ -6274,7 +7504,7 @@
           <p:cNvPr id="2" name="标题 1">
             <a:extLst>
               <a:ext uri="{FF2B5EF4-FFF2-40B4-BE49-F238E27FC236}">
-                <a16:creationId xmlns:a16="http://schemas.microsoft.com/office/drawing/2014/main" id="{3E37D89F-557C-4579-A6C2-7CFC2D550796}"/>
+                <a16:creationId xmlns:a16="http://schemas.microsoft.com/office/drawing/2014/main" id="{098DB851-A866-4B29-B1AA-58D988E83C64}"/>
               </a:ext>
             </a:extLst>
           </p:cNvPr>
@@ -6298,6 +7528,22 @@
               <a:rPr lang="zh-CN" altLang="en-US" dirty="0"/>
               <a:t>加解密算法数学基础</a:t>
             </a:r>
+            <a:r>
+              <a:rPr lang="en-US" altLang="zh-CN" dirty="0"/>
+              <a:t>2</a:t>
+            </a:r>
+            <a:r>
+              <a:rPr lang="zh-CN" altLang="en-US" dirty="0"/>
+              <a:t> </a:t>
+            </a:r>
+            <a:r>
+              <a:rPr lang="en-US" altLang="zh-CN" dirty="0"/>
+              <a:t>– </a:t>
+            </a:r>
+            <a:r>
+              <a:rPr lang="zh-CN" altLang="en-US" dirty="0"/>
+              <a:t>欧拉函数</a:t>
+            </a:r>
           </a:p>
         </p:txBody>
       </p:sp>
@@ -6306,7 +7552,7 @@
           <p:cNvPr id="3" name="内容占位符 2">
             <a:extLst>
               <a:ext uri="{FF2B5EF4-FFF2-40B4-BE49-F238E27FC236}">
-                <a16:creationId xmlns:a16="http://schemas.microsoft.com/office/drawing/2014/main" id="{278045E4-A8BA-4430-AC1D-633005025920}"/>
+                <a16:creationId xmlns:a16="http://schemas.microsoft.com/office/drawing/2014/main" id="{1351E304-B971-41ED-B16C-0DFC498A54C6}"/>
               </a:ext>
             </a:extLst>
           </p:cNvPr>
@@ -6317,146 +7563,240 @@
             <p:ph idx="1"/>
           </p:nvPr>
         </p:nvSpPr>
-        <p:spPr/>
+        <p:spPr>
+          <a:xfrm>
+            <a:off x="684212" y="685800"/>
+            <a:ext cx="8534400" cy="3615267"/>
+          </a:xfrm>
+        </p:spPr>
         <p:txBody>
           <a:bodyPr/>
           <a:lstStyle/>
           <a:p>
             <a:r>
               <a:rPr lang="zh-CN" altLang="en-US" dirty="0"/>
-              <a:t>质数（素数）：在大于</a:t>
-            </a:r>
-            <a:r>
-              <a:rPr lang="en-US" altLang="zh-CN" dirty="0"/>
-              <a:t>1</a:t>
-            </a:r>
+              <a:t>通式</a:t>
+            </a:r>
+            <a:r>
+              <a:rPr lang="en-US" altLang="zh-CN" dirty="0"/>
+              <a:t>					</a:t>
+            </a:r>
+          </a:p>
+          <a:p>
+            <a:pPr lvl="1"/>
             <a:r>
               <a:rPr lang="zh-CN" altLang="en-US" dirty="0"/>
-              <a:t>的自然数中除了</a:t>
-            </a:r>
-            <a:r>
-              <a:rPr lang="en-US" altLang="zh-CN" dirty="0"/>
-              <a:t>1</a:t>
+              <a:t>其中</a:t>
+            </a:r>
+            <a:r>
+              <a:rPr lang="en-US" altLang="zh-CN" dirty="0"/>
+              <a:t>p1, p2……</a:t>
+            </a:r>
+            <a:r>
+              <a:rPr lang="en-US" altLang="zh-CN" dirty="0" err="1"/>
+              <a:t>pn</a:t>
             </a:r>
             <a:r>
               <a:rPr lang="zh-CN" altLang="en-US" dirty="0"/>
-              <a:t>个它本身以外不再有其它因数</a:t>
+              <a:t>为</a:t>
+            </a:r>
+            <a:r>
+              <a:rPr lang="en-US" altLang="zh-CN" dirty="0"/>
+              <a:t>x</a:t>
+            </a:r>
+            <a:r>
+              <a:rPr lang="zh-CN" altLang="en-US" dirty="0"/>
+              <a:t>的所有质因数，</a:t>
+            </a:r>
+            <a:r>
+              <a:rPr lang="en-US" altLang="zh-CN" dirty="0"/>
+              <a:t>x</a:t>
+            </a:r>
+            <a:r>
+              <a:rPr lang="zh-CN" altLang="en-US" dirty="0"/>
+              <a:t>是不为</a:t>
+            </a:r>
+            <a:r>
+              <a:rPr lang="en-US" altLang="zh-CN" dirty="0"/>
+              <a:t>0</a:t>
+            </a:r>
+            <a:r>
+              <a:rPr lang="zh-CN" altLang="en-US" dirty="0"/>
+              <a:t>的整数。每个质因数只计算一次</a:t>
             </a:r>
             <a:endParaRPr lang="en-US" altLang="zh-CN" dirty="0"/>
           </a:p>
           <a:p>
+            <a:pPr lvl="1"/>
             <a:r>
               <a:rPr lang="zh-CN" altLang="en-US" dirty="0"/>
-              <a:t>合数：除了</a:t>
-            </a:r>
-            <a:r>
-              <a:rPr lang="en-US" altLang="zh-CN" dirty="0"/>
-              <a:t>1</a:t>
+              <a:t>举个例子：</a:t>
+            </a:r>
+            <a:r>
+              <a:rPr lang="en-US" altLang="zh-CN" dirty="0"/>
+              <a:t>12 = 2 </a:t>
             </a:r>
             <a:r>
               <a:rPr lang="zh-CN" altLang="en-US" dirty="0"/>
-              <a:t>和它本身、还能被其它数整除</a:t>
-            </a:r>
+              <a:t>* </a:t>
+            </a:r>
+            <a:r>
+              <a:rPr lang="en-US" altLang="zh-CN" dirty="0"/>
+              <a:t>2 </a:t>
+            </a:r>
+            <a:r>
+              <a:rPr lang="zh-CN" altLang="en-US" dirty="0"/>
+              <a:t>* </a:t>
+            </a:r>
+            <a:r>
+              <a:rPr lang="en-US" altLang="zh-CN" dirty="0"/>
+              <a:t>3   </a:t>
+            </a:r>
+            <a:r>
+              <a:rPr lang="zh-CN" altLang="en-US" dirty="0"/>
+              <a:t>则 </a:t>
+            </a:r>
+            <a:r>
+              <a:rPr lang="el-GR" altLang="zh-CN" dirty="0"/>
+              <a:t>φ</a:t>
+            </a:r>
+            <a:r>
+              <a:rPr lang="zh-CN" altLang="el-GR" dirty="0"/>
+              <a:t>（</a:t>
+            </a:r>
+            <a:r>
+              <a:rPr lang="el-GR" altLang="zh-CN" dirty="0"/>
+              <a:t>12</a:t>
+            </a:r>
+            <a:r>
+              <a:rPr lang="zh-CN" altLang="el-GR" dirty="0"/>
+              <a:t>）</a:t>
+            </a:r>
+            <a:r>
+              <a:rPr lang="en-US" altLang="zh-CN" dirty="0"/>
+              <a:t>=12*</a:t>
+            </a:r>
+            <a:r>
+              <a:rPr lang="zh-CN" altLang="en-US" dirty="0"/>
+              <a:t>（</a:t>
+            </a:r>
+            <a:r>
+              <a:rPr lang="en-US" altLang="zh-CN" dirty="0"/>
+              <a:t>1-1/2</a:t>
+            </a:r>
+            <a:r>
+              <a:rPr lang="zh-CN" altLang="en-US" dirty="0"/>
+              <a:t>）*</a:t>
+            </a:r>
+            <a:r>
+              <a:rPr lang="en-US" altLang="zh-CN" dirty="0"/>
+              <a:t>(1-1/3)=4</a:t>
+            </a:r>
+          </a:p>
+          <a:p>
+            <a:pPr marL="0" indent="0">
+              <a:buNone/>
+            </a:pPr>
             <a:endParaRPr lang="en-US" altLang="zh-CN" dirty="0"/>
           </a:p>
           <a:p>
             <a:r>
-              <a:rPr lang="en-US" altLang="zh-CN" dirty="0"/>
-              <a:t>a</a:t>
-            </a:r>
-            <a:r>
               <a:rPr lang="zh-CN" altLang="en-US" dirty="0"/>
-              <a:t>、</a:t>
-            </a:r>
-            <a:r>
-              <a:rPr lang="en-US" altLang="zh-CN" dirty="0"/>
-              <a:t>b </a:t>
-            </a:r>
-            <a:r>
-              <a:rPr lang="zh-CN" altLang="en-US" dirty="0"/>
-              <a:t>互质关系 ：公约数只有</a:t>
-            </a:r>
-            <a:r>
-              <a:rPr lang="en-US" altLang="zh-CN" dirty="0"/>
-              <a:t>1</a:t>
-            </a:r>
-          </a:p>
-          <a:p>
-            <a:r>
-              <a:rPr lang="zh-CN" altLang="en-US" dirty="0"/>
-              <a:t>欧拉函数：计算</a:t>
-            </a:r>
-            <a:r>
-              <a:rPr lang="en-US" altLang="zh-CN" dirty="0"/>
-              <a:t>[1,n]</a:t>
-            </a:r>
-            <a:r>
-              <a:rPr lang="zh-CN" altLang="en-US" dirty="0"/>
-              <a:t>之间有多少个数与</a:t>
-            </a:r>
-            <a:r>
-              <a:rPr lang="en-US" altLang="zh-CN" dirty="0"/>
-              <a:t>n</a:t>
-            </a:r>
-            <a:r>
-              <a:rPr lang="zh-CN" altLang="en-US" dirty="0"/>
-              <a:t>是互质关系</a:t>
+              <a:t>函数表</a:t>
             </a:r>
             <a:endParaRPr lang="en-US" altLang="zh-CN" dirty="0"/>
           </a:p>
           <a:p>
-            <a:pPr lvl="1"/>
-            <a:r>
-              <a:rPr lang="en-US" altLang="zh-CN" dirty="0"/>
-              <a:t>1 </a:t>
-            </a:r>
-            <a:r>
-              <a:rPr lang="zh-CN" altLang="en-US" dirty="0"/>
-              <a:t>任意两个质数互质</a:t>
-            </a:r>
             <a:endParaRPr lang="en-US" altLang="zh-CN" dirty="0"/>
           </a:p>
           <a:p>
-            <a:pPr lvl="1"/>
-            <a:r>
-              <a:rPr lang="en-US" altLang="zh-CN" dirty="0"/>
-              <a:t>2 </a:t>
-            </a:r>
-            <a:r>
-              <a:rPr lang="zh-CN" altLang="en-US" dirty="0"/>
-              <a:t>一个数是质数，另一个数只要不是前者的倍数，两数互质</a:t>
-            </a:r>
             <a:endParaRPr lang="en-US" altLang="zh-CN" dirty="0"/>
           </a:p>
-          <a:p>
-            <a:pPr lvl="1"/>
-            <a:r>
-              <a:rPr lang="en-US" altLang="zh-CN" dirty="0"/>
-              <a:t>3 </a:t>
-            </a:r>
-            <a:r>
-              <a:rPr lang="zh-CN" altLang="en-US" dirty="0"/>
-              <a:t>两个数中较大者是质数 两数互质</a:t>
-            </a:r>
-            <a:endParaRPr lang="en-US" altLang="zh-CN" dirty="0"/>
-          </a:p>
-          <a:p>
-            <a:pPr lvl="1"/>
-            <a:r>
-              <a:rPr lang="en-US" altLang="zh-CN"/>
-              <a:t>4 </a:t>
-            </a:r>
-            <a:endParaRPr lang="en-US" altLang="zh-CN" dirty="0"/>
-          </a:p>
-          <a:p>
-            <a:endParaRPr lang="zh-CN" altLang="en-US" dirty="0"/>
-          </a:p>
-        </p:txBody>
-      </p:sp>
+        </p:txBody>
+      </p:sp>
+      <p:pic>
+        <p:nvPicPr>
+          <p:cNvPr id="2054" name="Picture 6" descr="https://gss0.bdstatic.com/-4o3dSag_xI4khGkpoWK1HF6hhy/baike/s%3D146/sign=972114bf49a98226bcc12f23bc80b97a/f3d3572c11dfa9ecf6f6c0dd68d0f703908fc124.jpg">
+            <a:extLst>
+              <a:ext uri="{FF2B5EF4-FFF2-40B4-BE49-F238E27FC236}">
+                <a16:creationId xmlns:a16="http://schemas.microsoft.com/office/drawing/2014/main" id="{1AFA4BAD-4A26-4133-ACE7-1FBB93FFE149}"/>
+              </a:ext>
+            </a:extLst>
+          </p:cNvPr>
+          <p:cNvPicPr>
+            <a:picLocks noChangeAspect="1" noChangeArrowheads="1"/>
+          </p:cNvPicPr>
+          <p:nvPr/>
+        </p:nvPicPr>
+        <p:blipFill>
+          <a:blip r:embed="rId2">
+            <a:extLst>
+              <a:ext uri="{28A0092B-C50C-407E-A947-70E740481C1C}">
+                <a14:useLocalDpi xmlns:a14="http://schemas.microsoft.com/office/drawing/2010/main" val="0"/>
+              </a:ext>
+            </a:extLst>
+          </a:blip>
+          <a:srcRect/>
+          <a:stretch>
+            <a:fillRect/>
+          </a:stretch>
+        </p:blipFill>
+        <p:spPr bwMode="auto">
+          <a:xfrm>
+            <a:off x="1816967" y="685800"/>
+            <a:ext cx="1390650" cy="447675"/>
+          </a:xfrm>
+          <a:prstGeom prst="rect">
+            <a:avLst/>
+          </a:prstGeom>
+          <a:noFill/>
+          <a:extLst>
+            <a:ext uri="{909E8E84-426E-40DD-AFC4-6F175D3DCCD1}">
+              <a14:hiddenFill xmlns:a14="http://schemas.microsoft.com/office/drawing/2010/main">
+                <a:solidFill>
+                  <a:srgbClr val="FFFFFF"/>
+                </a:solidFill>
+              </a14:hiddenFill>
+            </a:ext>
+          </a:extLst>
+        </p:spPr>
+      </p:pic>
+      <p:pic>
+        <p:nvPicPr>
+          <p:cNvPr id="6" name="图片 5">
+            <a:extLst>
+              <a:ext uri="{FF2B5EF4-FFF2-40B4-BE49-F238E27FC236}">
+                <a16:creationId xmlns:a16="http://schemas.microsoft.com/office/drawing/2014/main" id="{D181BA82-FD67-4219-98C6-2481ED93CA91}"/>
+              </a:ext>
+            </a:extLst>
+          </p:cNvPr>
+          <p:cNvPicPr>
+            <a:picLocks noChangeAspect="1"/>
+          </p:cNvPicPr>
+          <p:nvPr/>
+        </p:nvPicPr>
+        <p:blipFill>
+          <a:blip r:embed="rId3">
+            <a:alphaModFix amt="36000"/>
+          </a:blip>
+          <a:stretch>
+            <a:fillRect/>
+          </a:stretch>
+        </p:blipFill>
+        <p:spPr>
+          <a:xfrm>
+            <a:off x="2628719" y="2752623"/>
+            <a:ext cx="6361905" cy="3761905"/>
+          </a:xfrm>
+          <a:prstGeom prst="rect">
+            <a:avLst/>
+          </a:prstGeom>
+        </p:spPr>
+      </p:pic>
     </p:spTree>
     <p:extLst>
       <p:ext uri="{BB962C8B-B14F-4D97-AF65-F5344CB8AC3E}">
-        <p14:creationId xmlns:p14="http://schemas.microsoft.com/office/powerpoint/2010/main" val="1464683251"/>
+        <p14:creationId xmlns:p14="http://schemas.microsoft.com/office/powerpoint/2010/main" val="3006634874"/>
       </p:ext>
     </p:extLst>
   </p:cSld>
@@ -6488,7 +7828,7 @@
           <p:cNvPr id="2" name="标题 1">
             <a:extLst>
               <a:ext uri="{FF2B5EF4-FFF2-40B4-BE49-F238E27FC236}">
-                <a16:creationId xmlns:a16="http://schemas.microsoft.com/office/drawing/2014/main" id="{3C344075-08E6-4974-A3D1-7E1E3ED5F58E}"/>
+                <a16:creationId xmlns:a16="http://schemas.microsoft.com/office/drawing/2014/main" id="{E630FA8B-69E3-445F-98AD-6C1CB101ED37}"/>
               </a:ext>
             </a:extLst>
           </p:cNvPr>
@@ -6499,32 +7839,27 @@
             <p:ph type="title"/>
           </p:nvPr>
         </p:nvSpPr>
-        <p:spPr>
-          <a:xfrm>
-            <a:off x="904877" y="2415322"/>
-            <a:ext cx="3451730" cy="2399869"/>
-          </a:xfrm>
-        </p:spPr>
-        <p:txBody>
-          <a:bodyPr>
-            <a:normAutofit/>
-          </a:bodyPr>
-          <a:lstStyle/>
-          <a:p>
-            <a:pPr algn="ctr"/>
-            <a:r>
-              <a:rPr lang="en-US" altLang="zh-CN" sz="4000" dirty="0">
-                <a:solidFill>
-                  <a:srgbClr val="FFFFFF"/>
-                </a:solidFill>
-              </a:rPr>
+        <p:spPr/>
+        <p:txBody>
+          <a:bodyPr/>
+          <a:lstStyle/>
+          <a:p>
+            <a:r>
+              <a:rPr lang="en-US" altLang="zh-CN" dirty="0"/>
               <a:t>RSA</a:t>
             </a:r>
-            <a:endParaRPr lang="zh-CN" altLang="en-US" sz="4000" dirty="0">
-              <a:solidFill>
-                <a:srgbClr val="FFFFFF"/>
-              </a:solidFill>
-            </a:endParaRPr>
+            <a:r>
+              <a:rPr lang="zh-CN" altLang="en-US" dirty="0"/>
+              <a:t>加解密算法数学基础</a:t>
+            </a:r>
+            <a:r>
+              <a:rPr lang="en-US" altLang="zh-CN" dirty="0"/>
+              <a:t>3 – </a:t>
+            </a:r>
+            <a:r>
+              <a:rPr lang="zh-CN" altLang="en-US" dirty="0"/>
+              <a:t>模反元素</a:t>
+            </a:r>
           </a:p>
         </p:txBody>
       </p:sp>
@@ -6533,7 +7868,7 @@
           <p:cNvPr id="3" name="内容占位符 2">
             <a:extLst>
               <a:ext uri="{FF2B5EF4-FFF2-40B4-BE49-F238E27FC236}">
-                <a16:creationId xmlns:a16="http://schemas.microsoft.com/office/drawing/2014/main" id="{172EF8B7-1CA3-472B-82C6-500602F00290}"/>
+                <a16:creationId xmlns:a16="http://schemas.microsoft.com/office/drawing/2014/main" id="{86ACB5E1-3405-4493-897D-64C50A662FFD}"/>
               </a:ext>
             </a:extLst>
           </p:cNvPr>
@@ -6544,245 +7879,65 @@
             <p:ph idx="1"/>
           </p:nvPr>
         </p:nvSpPr>
-        <p:spPr>
-          <a:xfrm>
-            <a:off x="5120640" y="804672"/>
-            <a:ext cx="6281928" cy="5248656"/>
-          </a:xfrm>
-          <a:noFill/>
-        </p:spPr>
-        <p:txBody>
-          <a:bodyPr anchor="ctr">
-            <a:normAutofit/>
-          </a:bodyPr>
-          <a:lstStyle/>
-          <a:p>
-            <a:r>
-              <a:rPr lang="en-US" altLang="zh-CN" sz="2000" dirty="0"/>
-              <a:t>RSA</a:t>
-            </a:r>
-            <a:r>
-              <a:rPr lang="zh-CN" altLang="en-US" sz="2000" dirty="0"/>
-              <a:t>的公钥、私钥的组成，以及加密、解密的公式</a:t>
-            </a:r>
-            <a:endParaRPr lang="en-US" altLang="zh-CN" sz="2000" dirty="0"/>
-          </a:p>
-          <a:p>
-            <a:pPr lvl="1"/>
-            <a:r>
-              <a:rPr lang="zh-CN" altLang="en-US" sz="2000" dirty="0"/>
-              <a:t>公钥</a:t>
-            </a:r>
-            <a:r>
-              <a:rPr lang="en-US" altLang="zh-CN" sz="2000" dirty="0"/>
-              <a:t>KU</a:t>
-            </a:r>
-          </a:p>
-          <a:p>
-            <a:pPr lvl="2"/>
-            <a:r>
-              <a:rPr lang="en-US" altLang="zh-CN" dirty="0"/>
-              <a:t>n : </a:t>
-            </a:r>
+        <p:spPr/>
+        <p:txBody>
+          <a:bodyPr/>
+          <a:lstStyle/>
+          <a:p>
             <a:r>
               <a:rPr lang="zh-CN" altLang="en-US" dirty="0"/>
-              <a:t>两个素数</a:t>
-            </a:r>
-            <a:r>
-              <a:rPr lang="en-US" altLang="zh-CN" dirty="0"/>
-              <a:t>p</a:t>
+              <a:t>模反元素：指有一个整数</a:t>
+            </a:r>
+            <a:r>
+              <a:rPr lang="en-US" altLang="zh-CN" dirty="0"/>
+              <a:t>d</a:t>
             </a:r>
             <a:r>
               <a:rPr lang="zh-CN" altLang="en-US" dirty="0"/>
-              <a:t>与</a:t>
-            </a:r>
-            <a:r>
-              <a:rPr lang="en-US" altLang="zh-CN" dirty="0"/>
-              <a:t>q</a:t>
+              <a:t>，可以使得</a:t>
+            </a:r>
+            <a:r>
+              <a:rPr lang="en-US" altLang="zh-CN" dirty="0"/>
+              <a:t>ed</a:t>
             </a:r>
             <a:r>
               <a:rPr lang="zh-CN" altLang="en-US" dirty="0"/>
-              <a:t>的乘积（</a:t>
-            </a:r>
-            <a:r>
-              <a:rPr lang="en-US" altLang="zh-CN" dirty="0"/>
-              <a:t>p</a:t>
+              <a:t>被</a:t>
+            </a:r>
+            <a:r>
+              <a:rPr lang="en-US" altLang="zh-CN" dirty="0"/>
+              <a:t>φ(n)</a:t>
             </a:r>
             <a:r>
               <a:rPr lang="zh-CN" altLang="en-US" dirty="0"/>
-              <a:t>与</a:t>
-            </a:r>
-            <a:r>
-              <a:rPr lang="en-US" altLang="zh-CN" dirty="0"/>
-              <a:t>q</a:t>
-            </a:r>
-            <a:r>
-              <a:rPr lang="zh-CN" altLang="en-US" dirty="0"/>
-              <a:t>需保密）</a:t>
-            </a:r>
-            <a:endParaRPr lang="en-US" altLang="zh-CN" dirty="0"/>
-          </a:p>
-          <a:p>
-            <a:pPr lvl="2"/>
-            <a:r>
-              <a:rPr lang="en-US" altLang="zh-CN" dirty="0"/>
-              <a:t>e : </a:t>
-            </a:r>
-            <a:r>
-              <a:rPr lang="zh-CN" altLang="en-US" dirty="0"/>
-              <a:t>与</a:t>
-            </a:r>
-            <a:r>
-              <a:rPr lang="en-US" altLang="zh-CN" dirty="0"/>
-              <a:t>(p-1)(q-1)</a:t>
-            </a:r>
-            <a:r>
-              <a:rPr lang="zh-CN" altLang="en-US" dirty="0"/>
-              <a:t>互质</a:t>
-            </a:r>
-            <a:endParaRPr lang="en-US" altLang="zh-CN" dirty="0"/>
-          </a:p>
-          <a:p>
-            <a:pPr lvl="1"/>
-            <a:r>
-              <a:rPr lang="zh-CN" altLang="en-US" sz="2000" dirty="0"/>
-              <a:t>私钥</a:t>
-            </a:r>
-            <a:r>
-              <a:rPr lang="en-US" altLang="zh-CN" sz="2000" dirty="0"/>
-              <a:t>KR</a:t>
-            </a:r>
-          </a:p>
-          <a:p>
-            <a:pPr lvl="2"/>
-            <a:r>
-              <a:rPr lang="en-US" altLang="zh-CN" sz="1800" dirty="0"/>
-              <a:t>d :  e</a:t>
-            </a:r>
-            <a:r>
-              <a:rPr lang="en-US" altLang="zh-CN" sz="1800" baseline="30000" dirty="0"/>
-              <a:t> -1 </a:t>
-            </a:r>
-            <a:r>
-              <a:rPr lang="zh-CN" altLang="en-US" sz="1800" dirty="0"/>
-              <a:t>（</a:t>
-            </a:r>
-            <a:r>
-              <a:rPr lang="en-US" altLang="zh-CN" sz="1800" dirty="0"/>
-              <a:t>mod</a:t>
-            </a:r>
-            <a:r>
-              <a:rPr lang="zh-CN" altLang="en-US" sz="1800" dirty="0"/>
-              <a:t>（</a:t>
-            </a:r>
-            <a:r>
-              <a:rPr lang="en-US" altLang="zh-CN" sz="1800" dirty="0"/>
-              <a:t>p-1</a:t>
-            </a:r>
-            <a:r>
-              <a:rPr lang="zh-CN" altLang="en-US" sz="1800" dirty="0"/>
-              <a:t>）（</a:t>
-            </a:r>
-            <a:r>
-              <a:rPr lang="en-US" altLang="zh-CN" sz="1800" dirty="0"/>
-              <a:t>q-1</a:t>
-            </a:r>
-            <a:r>
-              <a:rPr lang="zh-CN" altLang="en-US" sz="1800" dirty="0"/>
-              <a:t>））</a:t>
-            </a:r>
-            <a:endParaRPr lang="en-US" altLang="zh-CN" sz="1800" dirty="0"/>
-          </a:p>
-          <a:p>
-            <a:pPr lvl="1"/>
-            <a:r>
-              <a:rPr lang="zh-CN" altLang="en-US" sz="2000" dirty="0"/>
-              <a:t>加密</a:t>
-            </a:r>
-            <a:endParaRPr lang="en-US" altLang="zh-CN" sz="2000" dirty="0"/>
-          </a:p>
-          <a:p>
-            <a:pPr lvl="2"/>
-            <a:r>
-              <a:rPr lang="en-US" altLang="zh-CN" sz="1800" dirty="0"/>
-              <a:t>C </a:t>
-            </a:r>
-            <a:r>
-              <a:rPr lang="zh-CN" altLang="en-US" dirty="0"/>
-              <a:t>≡</a:t>
-            </a:r>
-            <a:r>
-              <a:rPr lang="en-US" altLang="zh-CN" sz="1800" dirty="0"/>
-              <a:t> m </a:t>
-            </a:r>
-            <a:r>
-              <a:rPr lang="en-US" altLang="zh-CN" sz="1800" baseline="30000" dirty="0"/>
-              <a:t>e</a:t>
-            </a:r>
-            <a:r>
-              <a:rPr lang="en-US" altLang="zh-CN" sz="1800" dirty="0"/>
-              <a:t> mod n</a:t>
-            </a:r>
-          </a:p>
-          <a:p>
-            <a:pPr lvl="1"/>
-            <a:r>
-              <a:rPr lang="zh-CN" altLang="en-US" sz="2000" dirty="0"/>
-              <a:t>解密</a:t>
-            </a:r>
-            <a:endParaRPr lang="en-US" altLang="zh-CN" sz="2000" dirty="0"/>
-          </a:p>
-          <a:p>
-            <a:pPr lvl="2"/>
-            <a:r>
-              <a:rPr lang="en-US" altLang="zh-CN" sz="1800" dirty="0"/>
-              <a:t>M </a:t>
-            </a:r>
-            <a:r>
-              <a:rPr lang="zh-CN" altLang="en-US" dirty="0"/>
-              <a:t>≡</a:t>
-            </a:r>
-            <a:r>
-              <a:rPr lang="en-US" altLang="zh-CN" sz="1800" dirty="0"/>
-              <a:t> c </a:t>
-            </a:r>
-            <a:r>
-              <a:rPr lang="en-US" altLang="zh-CN" sz="1800" baseline="30000" dirty="0"/>
-              <a:t>d</a:t>
-            </a:r>
-            <a:r>
-              <a:rPr lang="en-US" altLang="zh-CN" sz="1800" dirty="0"/>
-              <a:t> mod n</a:t>
-            </a:r>
-          </a:p>
-          <a:p>
-            <a:pPr lvl="1"/>
-            <a:endParaRPr lang="en-US" altLang="zh-CN" sz="2000" dirty="0"/>
-          </a:p>
-          <a:p>
-            <a:pPr lvl="1"/>
-            <a:endParaRPr lang="en-US" altLang="zh-CN" sz="2000" dirty="0"/>
-          </a:p>
-          <a:p>
-            <a:pPr lvl="1"/>
-            <a:endParaRPr lang="en-US" altLang="zh-CN" sz="2000" dirty="0"/>
-          </a:p>
-          <a:p>
-            <a:pPr lvl="1"/>
-            <a:endParaRPr lang="en-US" altLang="zh-CN" sz="2000" dirty="0"/>
-          </a:p>
-          <a:p>
-            <a:pPr marL="914400" lvl="2" indent="0">
-              <a:buNone/>
-            </a:pPr>
-            <a:endParaRPr lang="en-US" altLang="zh-CN" baseline="30000" dirty="0"/>
+              <a:t>除的余数为</a:t>
+            </a:r>
+            <a:r>
+              <a:rPr lang="en-US" altLang="zh-CN" dirty="0"/>
+              <a:t>1</a:t>
+            </a:r>
+          </a:p>
+          <a:p>
+            <a:r>
+              <a:rPr lang="en-US" altLang="zh-CN" dirty="0"/>
+              <a:t>ed ≡ 1 (mod </a:t>
+            </a:r>
+            <a:r>
+              <a:rPr lang="el-GR" altLang="zh-CN" dirty="0"/>
+              <a:t>φ(</a:t>
+            </a:r>
+            <a:r>
+              <a:rPr lang="en-US" altLang="zh-CN" dirty="0"/>
+              <a:t>n))</a:t>
+            </a:r>
+            <a:endParaRPr lang="zh-CN" altLang="en-US" dirty="0"/>
           </a:p>
         </p:txBody>
       </p:sp>
     </p:spTree>
     <p:extLst>
       <p:ext uri="{BB962C8B-B14F-4D97-AF65-F5344CB8AC3E}">
-        <p14:creationId xmlns:p14="http://schemas.microsoft.com/office/powerpoint/2010/main" val="1662885482"/>
+        <p14:creationId xmlns:p14="http://schemas.microsoft.com/office/powerpoint/2010/main" val="2255990305"/>
       </p:ext>
     </p:extLst>
   </p:cSld>
@@ -6814,7 +7969,7 @@
           <p:cNvPr id="2" name="标题 1">
             <a:extLst>
               <a:ext uri="{FF2B5EF4-FFF2-40B4-BE49-F238E27FC236}">
-                <a16:creationId xmlns:a16="http://schemas.microsoft.com/office/drawing/2014/main" id="{B969941D-A2A2-4823-8976-DE5EE3421694}"/>
+                <a16:creationId xmlns:a16="http://schemas.microsoft.com/office/drawing/2014/main" id="{3C344075-08E6-4974-A3D1-7E1E3ED5F58E}"/>
               </a:ext>
             </a:extLst>
           </p:cNvPr>
@@ -6825,58 +7980,365 @@
             <p:ph type="title"/>
           </p:nvPr>
         </p:nvSpPr>
-        <p:spPr/>
-        <p:txBody>
-          <a:bodyPr/>
-          <a:lstStyle/>
-          <a:p>
-            <a:r>
-              <a:rPr lang="en-US" altLang="zh-CN" dirty="0"/>
+        <p:spPr>
+          <a:xfrm>
+            <a:off x="904877" y="2415322"/>
+            <a:ext cx="3451730" cy="2399869"/>
+          </a:xfrm>
+        </p:spPr>
+        <p:txBody>
+          <a:bodyPr>
+            <a:normAutofit/>
+          </a:bodyPr>
+          <a:lstStyle/>
+          <a:p>
+            <a:pPr algn="ctr"/>
+            <a:r>
+              <a:rPr lang="en-US" altLang="zh-CN" sz="4000" dirty="0">
+                <a:solidFill>
+                  <a:srgbClr val="FFFFFF"/>
+                </a:solidFill>
+              </a:rPr>
               <a:t>RSA</a:t>
             </a:r>
-            <a:r>
-              <a:rPr lang="zh-CN" altLang="en-US" dirty="0"/>
-              <a:t>算法描述</a:t>
-            </a:r>
-          </a:p>
-        </p:txBody>
-      </p:sp>
-      <p:pic>
-        <p:nvPicPr>
-          <p:cNvPr id="4" name="内容占位符 3">
+            <a:endParaRPr lang="zh-CN" altLang="en-US" sz="4000" dirty="0">
+              <a:solidFill>
+                <a:srgbClr val="FFFFFF"/>
+              </a:solidFill>
+            </a:endParaRPr>
+          </a:p>
+        </p:txBody>
+      </p:sp>
+      <p:sp>
+        <p:nvSpPr>
+          <p:cNvPr id="3" name="内容占位符 2">
             <a:extLst>
               <a:ext uri="{FF2B5EF4-FFF2-40B4-BE49-F238E27FC236}">
-                <a16:creationId xmlns:a16="http://schemas.microsoft.com/office/drawing/2014/main" id="{1D5434A9-A114-42EE-A193-467155033D1C}"/>
+                <a16:creationId xmlns:a16="http://schemas.microsoft.com/office/drawing/2014/main" id="{172EF8B7-1CA3-472B-82C6-500602F00290}"/>
               </a:ext>
             </a:extLst>
           </p:cNvPr>
-          <p:cNvPicPr>
-            <a:picLocks noGrp="1" noChangeAspect="1"/>
-          </p:cNvPicPr>
+          <p:cNvSpPr>
+            <a:spLocks noGrp="1"/>
+          </p:cNvSpPr>
           <p:nvPr>
             <p:ph idx="1"/>
           </p:nvPr>
-        </p:nvPicPr>
-        <p:blipFill>
-          <a:blip r:embed="rId2"/>
-          <a:stretch>
-            <a:fillRect/>
-          </a:stretch>
-        </p:blipFill>
+        </p:nvSpPr>
         <p:spPr>
           <a:xfrm>
-            <a:off x="1110754" y="685800"/>
-            <a:ext cx="7681318" cy="3614738"/>
+            <a:off x="5120640" y="804672"/>
+            <a:ext cx="6281928" cy="5248656"/>
           </a:xfrm>
-          <a:prstGeom prst="rect">
-            <a:avLst/>
-          </a:prstGeom>
+          <a:noFill/>
         </p:spPr>
-      </p:pic>
+        <p:txBody>
+          <a:bodyPr anchor="ctr">
+            <a:normAutofit/>
+          </a:bodyPr>
+          <a:lstStyle/>
+          <a:p>
+            <a:r>
+              <a:rPr lang="en-US" altLang="zh-CN" sz="2000" dirty="0"/>
+              <a:t>RSA</a:t>
+            </a:r>
+            <a:r>
+              <a:rPr lang="zh-CN" altLang="en-US" sz="2000" dirty="0"/>
+              <a:t>的公钥、私钥的组成，以及加密、解密的公式</a:t>
+            </a:r>
+            <a:endParaRPr lang="en-US" altLang="zh-CN" sz="2000" dirty="0"/>
+          </a:p>
+          <a:p>
+            <a:pPr lvl="1"/>
+            <a:r>
+              <a:rPr lang="zh-CN" altLang="en-US" sz="2000" dirty="0"/>
+              <a:t>公钥</a:t>
+            </a:r>
+            <a:r>
+              <a:rPr lang="en-US" altLang="zh-CN" sz="2000" dirty="0"/>
+              <a:t>KU </a:t>
+            </a:r>
+            <a:r>
+              <a:rPr lang="zh-CN" altLang="en-US" sz="2000" dirty="0"/>
+              <a:t>（</a:t>
+            </a:r>
+            <a:r>
+              <a:rPr lang="en-US" altLang="zh-CN" sz="2000" dirty="0" err="1"/>
+              <a:t>n,e</a:t>
+            </a:r>
+            <a:r>
+              <a:rPr lang="zh-CN" altLang="en-US" sz="2000" dirty="0"/>
+              <a:t>）</a:t>
+            </a:r>
+            <a:endParaRPr lang="en-US" altLang="zh-CN" sz="2000" dirty="0"/>
+          </a:p>
+          <a:p>
+            <a:pPr lvl="2"/>
+            <a:r>
+              <a:rPr lang="en-US" altLang="zh-CN" dirty="0"/>
+              <a:t>n : </a:t>
+            </a:r>
+            <a:r>
+              <a:rPr lang="zh-CN" altLang="en-US" dirty="0"/>
+              <a:t>两个素数</a:t>
+            </a:r>
+            <a:r>
+              <a:rPr lang="en-US" altLang="zh-CN" dirty="0"/>
+              <a:t>p</a:t>
+            </a:r>
+            <a:r>
+              <a:rPr lang="zh-CN" altLang="en-US" dirty="0"/>
+              <a:t>与</a:t>
+            </a:r>
+            <a:r>
+              <a:rPr lang="en-US" altLang="zh-CN" dirty="0"/>
+              <a:t>q</a:t>
+            </a:r>
+            <a:r>
+              <a:rPr lang="zh-CN" altLang="en-US" dirty="0"/>
+              <a:t>的乘积（</a:t>
+            </a:r>
+            <a:r>
+              <a:rPr lang="en-US" altLang="zh-CN" dirty="0"/>
+              <a:t>p</a:t>
+            </a:r>
+            <a:r>
+              <a:rPr lang="zh-CN" altLang="en-US" dirty="0"/>
+              <a:t>与</a:t>
+            </a:r>
+            <a:r>
+              <a:rPr lang="en-US" altLang="zh-CN" dirty="0"/>
+              <a:t>q</a:t>
+            </a:r>
+            <a:r>
+              <a:rPr lang="zh-CN" altLang="en-US" dirty="0"/>
+              <a:t>需保密）</a:t>
+            </a:r>
+            <a:endParaRPr lang="en-US" altLang="zh-CN" dirty="0"/>
+          </a:p>
+          <a:p>
+            <a:pPr lvl="2"/>
+            <a:r>
+              <a:rPr lang="en-US" altLang="zh-CN" dirty="0"/>
+              <a:t>e : </a:t>
+            </a:r>
+            <a:r>
+              <a:rPr lang="zh-CN" altLang="en-US" dirty="0"/>
+              <a:t>随机取一个</a:t>
+            </a:r>
+            <a:r>
+              <a:rPr lang="en-US" altLang="zh-CN" dirty="0"/>
+              <a:t>1&lt;e&lt;</a:t>
+            </a:r>
+            <a:r>
+              <a:rPr lang="el-GR" altLang="zh-CN" dirty="0"/>
+              <a:t>φ</a:t>
+            </a:r>
+            <a:r>
+              <a:rPr lang="en-US" altLang="zh-CN" dirty="0"/>
+              <a:t>(n),</a:t>
+            </a:r>
+            <a:r>
+              <a:rPr lang="zh-CN" altLang="en-US" dirty="0"/>
+              <a:t>且</a:t>
+            </a:r>
+            <a:r>
+              <a:rPr lang="en-US" altLang="zh-CN" dirty="0"/>
+              <a:t>e</a:t>
+            </a:r>
+            <a:r>
+              <a:rPr lang="zh-CN" altLang="en-US" dirty="0"/>
+              <a:t>与</a:t>
+            </a:r>
+            <a:r>
+              <a:rPr lang="el-GR" altLang="zh-CN" dirty="0"/>
+              <a:t>φ</a:t>
+            </a:r>
+            <a:r>
+              <a:rPr lang="en-US" altLang="zh-CN" dirty="0"/>
+              <a:t>(n)=(p-1)(q-1)</a:t>
+            </a:r>
+            <a:r>
+              <a:rPr lang="zh-CN" altLang="en-US" dirty="0"/>
+              <a:t>互质</a:t>
+            </a:r>
+            <a:endParaRPr lang="en-US" altLang="zh-CN" dirty="0"/>
+          </a:p>
+          <a:p>
+            <a:pPr lvl="1"/>
+            <a:r>
+              <a:rPr lang="zh-CN" altLang="en-US" sz="2000" dirty="0"/>
+              <a:t>私钥</a:t>
+            </a:r>
+            <a:r>
+              <a:rPr lang="en-US" altLang="zh-CN" sz="2000" dirty="0"/>
+              <a:t>KR (</a:t>
+            </a:r>
+            <a:r>
+              <a:rPr lang="en-US" altLang="zh-CN" sz="2000" dirty="0" err="1"/>
+              <a:t>n,d</a:t>
+            </a:r>
+            <a:r>
+              <a:rPr lang="en-US" altLang="zh-CN" sz="2000" dirty="0"/>
+              <a:t>)</a:t>
+            </a:r>
+          </a:p>
+          <a:p>
+            <a:pPr lvl="1"/>
+            <a:endParaRPr lang="en-US" altLang="zh-CN" sz="2000" dirty="0"/>
+          </a:p>
+          <a:p>
+            <a:pPr lvl="2"/>
+            <a:r>
+              <a:rPr lang="en-US" altLang="zh-CN" sz="1800" dirty="0"/>
+              <a:t>d :  e</a:t>
+            </a:r>
+            <a:r>
+              <a:rPr lang="en-US" altLang="zh-CN" sz="1800" baseline="30000" dirty="0"/>
+              <a:t> -1 </a:t>
+            </a:r>
+            <a:r>
+              <a:rPr lang="zh-CN" altLang="en-US" sz="1800" dirty="0"/>
+              <a:t>（</a:t>
+            </a:r>
+            <a:r>
+              <a:rPr lang="en-US" altLang="zh-CN" sz="1800" dirty="0"/>
+              <a:t>mod</a:t>
+            </a:r>
+            <a:r>
+              <a:rPr lang="zh-CN" altLang="en-US" sz="1800" dirty="0"/>
+              <a:t>（</a:t>
+            </a:r>
+            <a:r>
+              <a:rPr lang="en-US" altLang="zh-CN" sz="1800" dirty="0"/>
+              <a:t>p-1</a:t>
+            </a:r>
+            <a:r>
+              <a:rPr lang="zh-CN" altLang="en-US" sz="1800" dirty="0"/>
+              <a:t>）（</a:t>
+            </a:r>
+            <a:r>
+              <a:rPr lang="en-US" altLang="zh-CN" sz="1800" dirty="0"/>
+              <a:t>q-1</a:t>
+            </a:r>
+            <a:r>
+              <a:rPr lang="zh-CN" altLang="en-US" sz="1800" dirty="0"/>
+              <a:t>））</a:t>
+            </a:r>
+            <a:endParaRPr lang="en-US" altLang="zh-CN" sz="1800" dirty="0"/>
+          </a:p>
+          <a:p>
+            <a:pPr lvl="1"/>
+            <a:r>
+              <a:rPr lang="zh-CN" altLang="en-US" sz="2000" dirty="0"/>
+              <a:t>加密</a:t>
+            </a:r>
+            <a:endParaRPr lang="en-US" altLang="zh-CN" sz="2000" dirty="0"/>
+          </a:p>
+          <a:p>
+            <a:pPr lvl="2"/>
+            <a:r>
+              <a:rPr lang="en-US" altLang="zh-CN" sz="1800" dirty="0"/>
+              <a:t>m </a:t>
+            </a:r>
+            <a:r>
+              <a:rPr lang="en-US" altLang="zh-CN" sz="1800" baseline="30000" dirty="0"/>
+              <a:t>e</a:t>
+            </a:r>
+            <a:r>
+              <a:rPr lang="en-US" altLang="zh-CN" sz="1800" dirty="0"/>
+              <a:t> </a:t>
+            </a:r>
+            <a:r>
+              <a:rPr lang="zh-CN" altLang="en-US" dirty="0"/>
+              <a:t>≡ </a:t>
+            </a:r>
+            <a:r>
+              <a:rPr lang="en-US" altLang="zh-CN" dirty="0"/>
+              <a:t>C</a:t>
+            </a:r>
+            <a:r>
+              <a:rPr lang="zh-CN" altLang="en-US" dirty="0"/>
+              <a:t>（</a:t>
+            </a:r>
+            <a:r>
+              <a:rPr lang="en-US" altLang="zh-CN" dirty="0"/>
+              <a:t>mod n</a:t>
+            </a:r>
+            <a:r>
+              <a:rPr lang="zh-CN" altLang="en-US" dirty="0"/>
+              <a:t>）</a:t>
+            </a:r>
+            <a:endParaRPr lang="en-US" altLang="zh-CN" dirty="0"/>
+          </a:p>
+          <a:p>
+            <a:pPr lvl="1"/>
+            <a:r>
+              <a:rPr lang="en-US" altLang="zh-CN" sz="2000" dirty="0"/>
+              <a:t> </a:t>
+            </a:r>
+            <a:r>
+              <a:rPr lang="zh-CN" altLang="en-US" sz="2200" dirty="0"/>
+              <a:t>解密</a:t>
+            </a:r>
+            <a:r>
+              <a:rPr lang="en-US" altLang="zh-CN" sz="2000" dirty="0"/>
+              <a:t>c </a:t>
+            </a:r>
+            <a:r>
+              <a:rPr lang="en-US" altLang="zh-CN" sz="2000" baseline="30000" dirty="0"/>
+              <a:t>d</a:t>
+            </a:r>
+            <a:r>
+              <a:rPr lang="en-US" altLang="zh-CN" sz="2000" dirty="0"/>
+              <a:t> </a:t>
+            </a:r>
+            <a:r>
+              <a:rPr lang="zh-CN" altLang="en-US" dirty="0"/>
+              <a:t>≡</a:t>
+            </a:r>
+            <a:r>
+              <a:rPr lang="en-US" altLang="zh-CN" sz="2000" dirty="0"/>
+              <a:t> M </a:t>
+            </a:r>
+            <a:r>
+              <a:rPr lang="zh-CN" altLang="en-US" sz="2000" dirty="0"/>
+              <a:t>（</a:t>
+            </a:r>
+            <a:r>
+              <a:rPr lang="en-US" altLang="zh-CN" sz="2000" dirty="0"/>
+              <a:t>mod n</a:t>
+            </a:r>
+            <a:r>
+              <a:rPr lang="zh-CN" altLang="en-US" sz="2000" dirty="0"/>
+              <a:t>）</a:t>
+            </a:r>
+            <a:endParaRPr lang="en-US" altLang="zh-CN" sz="2000" dirty="0"/>
+          </a:p>
+          <a:p>
+            <a:pPr lvl="1"/>
+            <a:endParaRPr lang="en-US" altLang="zh-CN" sz="2000" dirty="0"/>
+          </a:p>
+          <a:p>
+            <a:pPr lvl="1"/>
+            <a:endParaRPr lang="en-US" altLang="zh-CN" sz="2000" dirty="0"/>
+          </a:p>
+          <a:p>
+            <a:pPr lvl="1"/>
+            <a:endParaRPr lang="en-US" altLang="zh-CN" sz="2000" dirty="0"/>
+          </a:p>
+          <a:p>
+            <a:pPr marL="914400" lvl="2" indent="0">
+              <a:buNone/>
+            </a:pPr>
+            <a:endParaRPr lang="en-US" altLang="zh-CN" baseline="30000" dirty="0"/>
+          </a:p>
+        </p:txBody>
+      </p:sp>
     </p:spTree>
     <p:extLst>
       <p:ext uri="{BB962C8B-B14F-4D97-AF65-F5344CB8AC3E}">
-        <p14:creationId xmlns:p14="http://schemas.microsoft.com/office/powerpoint/2010/main" val="1412268664"/>
+        <p14:creationId xmlns:p14="http://schemas.microsoft.com/office/powerpoint/2010/main" val="1662885482"/>
       </p:ext>
     </p:extLst>
   </p:cSld>

--- a/document/limq.pptx
+++ b/document/limq.pptx
@@ -19,6 +19,7 @@
     <p:sldId id="267" r:id="rId13"/>
     <p:sldId id="268" r:id="rId14"/>
     <p:sldId id="269" r:id="rId15"/>
+    <p:sldId id="270" r:id="rId16"/>
   </p:sldIdLst>
   <p:sldSz cx="12192000" cy="6858000"/>
   <p:notesSz cx="6858000" cy="9144000"/>
@@ -316,7 +317,7 @@
           <a:p>
             <a:fld id="{50DEE4A7-083E-42B9-8E0C-9729A3893272}" type="datetimeFigureOut">
               <a:rPr lang="zh-CN" altLang="en-US" smtClean="0"/>
-              <a:t>2018/12/22</a:t>
+              <a:t>2018/12/25</a:t>
             </a:fld>
             <a:endParaRPr lang="zh-CN" altLang="en-US"/>
           </a:p>
@@ -752,7 +753,7 @@
           <a:p>
             <a:fld id="{50DEE4A7-083E-42B9-8E0C-9729A3893272}" type="datetimeFigureOut">
               <a:rPr lang="zh-CN" altLang="en-US" smtClean="0"/>
-              <a:t>2018/12/22</a:t>
+              <a:t>2018/12/25</a:t>
             </a:fld>
             <a:endParaRPr lang="zh-CN" altLang="en-US"/>
           </a:p>
@@ -1002,7 +1003,7 @@
           <a:p>
             <a:fld id="{50DEE4A7-083E-42B9-8E0C-9729A3893272}" type="datetimeFigureOut">
               <a:rPr lang="zh-CN" altLang="en-US" smtClean="0"/>
-              <a:t>2018/12/22</a:t>
+              <a:t>2018/12/25</a:t>
             </a:fld>
             <a:endParaRPr lang="zh-CN" altLang="en-US"/>
           </a:p>
@@ -1310,7 +1311,7 @@
           <a:p>
             <a:fld id="{50DEE4A7-083E-42B9-8E0C-9729A3893272}" type="datetimeFigureOut">
               <a:rPr lang="zh-CN" altLang="en-US" smtClean="0"/>
-              <a:t>2018/12/22</a:t>
+              <a:t>2018/12/25</a:t>
             </a:fld>
             <a:endParaRPr lang="zh-CN" altLang="en-US"/>
           </a:p>
@@ -1628,7 +1629,7 @@
           <a:p>
             <a:fld id="{50DEE4A7-083E-42B9-8E0C-9729A3893272}" type="datetimeFigureOut">
               <a:rPr lang="zh-CN" altLang="en-US" smtClean="0"/>
-              <a:t>2018/12/22</a:t>
+              <a:t>2018/12/25</a:t>
             </a:fld>
             <a:endParaRPr lang="zh-CN" altLang="en-US"/>
           </a:p>
@@ -1930,7 +1931,7 @@
           <a:p>
             <a:fld id="{50DEE4A7-083E-42B9-8E0C-9729A3893272}" type="datetimeFigureOut">
               <a:rPr lang="zh-CN" altLang="en-US" smtClean="0"/>
-              <a:t>2018/12/22</a:t>
+              <a:t>2018/12/25</a:t>
             </a:fld>
             <a:endParaRPr lang="zh-CN" altLang="en-US"/>
           </a:p>
@@ -2297,7 +2298,7 @@
           <a:p>
             <a:fld id="{50DEE4A7-083E-42B9-8E0C-9729A3893272}" type="datetimeFigureOut">
               <a:rPr lang="zh-CN" altLang="en-US" smtClean="0"/>
-              <a:t>2018/12/22</a:t>
+              <a:t>2018/12/25</a:t>
             </a:fld>
             <a:endParaRPr lang="zh-CN" altLang="en-US"/>
           </a:p>
@@ -2471,7 +2472,7 @@
           <a:p>
             <a:fld id="{50DEE4A7-083E-42B9-8E0C-9729A3893272}" type="datetimeFigureOut">
               <a:rPr lang="zh-CN" altLang="en-US" smtClean="0"/>
-              <a:t>2018/12/22</a:t>
+              <a:t>2018/12/25</a:t>
             </a:fld>
             <a:endParaRPr lang="zh-CN" altLang="en-US"/>
           </a:p>
@@ -2651,7 +2652,7 @@
           <a:p>
             <a:fld id="{50DEE4A7-083E-42B9-8E0C-9729A3893272}" type="datetimeFigureOut">
               <a:rPr lang="zh-CN" altLang="en-US" smtClean="0"/>
-              <a:t>2018/12/22</a:t>
+              <a:t>2018/12/25</a:t>
             </a:fld>
             <a:endParaRPr lang="zh-CN" altLang="en-US"/>
           </a:p>
@@ -2821,7 +2822,7 @@
           <a:p>
             <a:fld id="{50DEE4A7-083E-42B9-8E0C-9729A3893272}" type="datetimeFigureOut">
               <a:rPr lang="zh-CN" altLang="en-US" smtClean="0"/>
-              <a:t>2018/12/22</a:t>
+              <a:t>2018/12/25</a:t>
             </a:fld>
             <a:endParaRPr lang="zh-CN" altLang="en-US"/>
           </a:p>
@@ -3071,7 +3072,7 @@
           <a:p>
             <a:fld id="{50DEE4A7-083E-42B9-8E0C-9729A3893272}" type="datetimeFigureOut">
               <a:rPr lang="zh-CN" altLang="en-US" smtClean="0"/>
-              <a:t>2018/12/22</a:t>
+              <a:t>2018/12/25</a:t>
             </a:fld>
             <a:endParaRPr lang="zh-CN" altLang="en-US"/>
           </a:p>
@@ -3307,7 +3308,7 @@
           <a:p>
             <a:fld id="{50DEE4A7-083E-42B9-8E0C-9729A3893272}" type="datetimeFigureOut">
               <a:rPr lang="zh-CN" altLang="en-US" smtClean="0"/>
-              <a:t>2018/12/22</a:t>
+              <a:t>2018/12/25</a:t>
             </a:fld>
             <a:endParaRPr lang="zh-CN" altLang="en-US"/>
           </a:p>
@@ -3689,7 +3690,7 @@
           <a:p>
             <a:fld id="{50DEE4A7-083E-42B9-8E0C-9729A3893272}" type="datetimeFigureOut">
               <a:rPr lang="zh-CN" altLang="en-US" smtClean="0"/>
-              <a:t>2018/12/22</a:t>
+              <a:t>2018/12/25</a:t>
             </a:fld>
             <a:endParaRPr lang="zh-CN" altLang="en-US"/>
           </a:p>
@@ -3807,7 +3808,7 @@
           <a:p>
             <a:fld id="{50DEE4A7-083E-42B9-8E0C-9729A3893272}" type="datetimeFigureOut">
               <a:rPr lang="zh-CN" altLang="en-US" smtClean="0"/>
-              <a:t>2018/12/22</a:t>
+              <a:t>2018/12/25</a:t>
             </a:fld>
             <a:endParaRPr lang="zh-CN" altLang="en-US"/>
           </a:p>
@@ -3902,7 +3903,7 @@
           <a:p>
             <a:fld id="{50DEE4A7-083E-42B9-8E0C-9729A3893272}" type="datetimeFigureOut">
               <a:rPr lang="zh-CN" altLang="en-US" smtClean="0"/>
-              <a:t>2018/12/22</a:t>
+              <a:t>2018/12/25</a:t>
             </a:fld>
             <a:endParaRPr lang="zh-CN" altLang="en-US"/>
           </a:p>
@@ -4157,7 +4158,7 @@
           <a:p>
             <a:fld id="{50DEE4A7-083E-42B9-8E0C-9729A3893272}" type="datetimeFigureOut">
               <a:rPr lang="zh-CN" altLang="en-US" smtClean="0"/>
-              <a:t>2018/12/22</a:t>
+              <a:t>2018/12/25</a:t>
             </a:fld>
             <a:endParaRPr lang="zh-CN" altLang="en-US"/>
           </a:p>
@@ -4440,7 +4441,7 @@
           <a:p>
             <a:fld id="{50DEE4A7-083E-42B9-8E0C-9729A3893272}" type="datetimeFigureOut">
               <a:rPr lang="zh-CN" altLang="en-US" smtClean="0"/>
-              <a:t>2018/12/22</a:t>
+              <a:t>2018/12/25</a:t>
             </a:fld>
             <a:endParaRPr lang="zh-CN" altLang="en-US"/>
           </a:p>
@@ -4846,7 +4847,7 @@
           <a:p>
             <a:fld id="{50DEE4A7-083E-42B9-8E0C-9729A3893272}" type="datetimeFigureOut">
               <a:rPr lang="zh-CN" altLang="en-US" smtClean="0"/>
-              <a:t>2018/12/22</a:t>
+              <a:t>2018/12/25</a:t>
             </a:fld>
             <a:endParaRPr lang="zh-CN" altLang="en-US"/>
           </a:p>
@@ -6228,6 +6229,93 @@
 </p:sld>
 </file>
 
+<file path=ppt/slides/slide15.xml><?xml version="1.0" encoding="utf-8"?>
+<p:sld xmlns:a="http://schemas.openxmlformats.org/drawingml/2006/main" xmlns:r="http://schemas.openxmlformats.org/officeDocument/2006/relationships" xmlns:p="http://schemas.openxmlformats.org/presentationml/2006/main">
+  <p:cSld>
+    <p:spTree>
+      <p:nvGrpSpPr>
+        <p:cNvPr id="1" name=""/>
+        <p:cNvGrpSpPr/>
+        <p:nvPr/>
+      </p:nvGrpSpPr>
+      <p:grpSpPr>
+        <a:xfrm>
+          <a:off x="0" y="0"/>
+          <a:ext cx="0" cy="0"/>
+          <a:chOff x="0" y="0"/>
+          <a:chExt cx="0" cy="0"/>
+        </a:xfrm>
+      </p:grpSpPr>
+      <p:sp>
+        <p:nvSpPr>
+          <p:cNvPr id="2" name="标题 1">
+            <a:extLst>
+              <a:ext uri="{FF2B5EF4-FFF2-40B4-BE49-F238E27FC236}">
+                <a16:creationId xmlns:a16="http://schemas.microsoft.com/office/drawing/2014/main" id="{2A8C7A7D-26A7-4A8F-980D-3D77A842CCC5}"/>
+              </a:ext>
+            </a:extLst>
+          </p:cNvPr>
+          <p:cNvSpPr>
+            <a:spLocks noGrp="1"/>
+          </p:cNvSpPr>
+          <p:nvPr>
+            <p:ph type="title"/>
+          </p:nvPr>
+        </p:nvSpPr>
+        <p:spPr/>
+        <p:txBody>
+          <a:bodyPr/>
+          <a:lstStyle/>
+          <a:p>
+            <a:r>
+              <a:rPr lang="en-US" altLang="zh-CN" dirty="0"/>
+              <a:t>BASE64</a:t>
+            </a:r>
+            <a:r>
+              <a:rPr lang="zh-CN" altLang="en-US" dirty="0"/>
+              <a:t>编码表</a:t>
+            </a:r>
+          </a:p>
+        </p:txBody>
+      </p:sp>
+      <p:sp>
+        <p:nvSpPr>
+          <p:cNvPr id="3" name="内容占位符 2">
+            <a:extLst>
+              <a:ext uri="{FF2B5EF4-FFF2-40B4-BE49-F238E27FC236}">
+                <a16:creationId xmlns:a16="http://schemas.microsoft.com/office/drawing/2014/main" id="{C3B2A48C-C1E7-497B-BAF8-C546DD0D2D7C}"/>
+              </a:ext>
+            </a:extLst>
+          </p:cNvPr>
+          <p:cNvSpPr>
+            <a:spLocks noGrp="1"/>
+          </p:cNvSpPr>
+          <p:nvPr>
+            <p:ph idx="1"/>
+          </p:nvPr>
+        </p:nvSpPr>
+        <p:spPr/>
+        <p:txBody>
+          <a:bodyPr/>
+          <a:lstStyle/>
+          <a:p>
+            <a:endParaRPr lang="zh-CN" altLang="en-US" dirty="0"/>
+          </a:p>
+        </p:txBody>
+      </p:sp>
+    </p:spTree>
+    <p:extLst>
+      <p:ext uri="{BB962C8B-B14F-4D97-AF65-F5344CB8AC3E}">
+        <p14:creationId xmlns:p14="http://schemas.microsoft.com/office/powerpoint/2010/main" val="1671585727"/>
+      </p:ext>
+    </p:extLst>
+  </p:cSld>
+  <p:clrMapOvr>
+    <a:masterClrMapping/>
+  </p:clrMapOvr>
+</p:sld>
+</file>
+
 <file path=ppt/slides/slide2.xml><?xml version="1.0" encoding="utf-8"?>
 <p:sld xmlns:a="http://schemas.openxmlformats.org/drawingml/2006/main" xmlns:r="http://schemas.openxmlformats.org/officeDocument/2006/relationships" xmlns:p="http://schemas.openxmlformats.org/presentationml/2006/main">
   <p:cSld>

--- a/document/limq.pptx
+++ b/document/limq.pptx
@@ -5,21 +5,22 @@
     <p:sldMasterId id="2147483672" r:id="rId1"/>
   </p:sldMasterIdLst>
   <p:sldIdLst>
-    <p:sldId id="256" r:id="rId2"/>
-    <p:sldId id="258" r:id="rId3"/>
-    <p:sldId id="257" r:id="rId4"/>
-    <p:sldId id="262" r:id="rId5"/>
-    <p:sldId id="259" r:id="rId6"/>
-    <p:sldId id="265" r:id="rId7"/>
-    <p:sldId id="260" r:id="rId8"/>
-    <p:sldId id="266" r:id="rId9"/>
-    <p:sldId id="261" r:id="rId10"/>
-    <p:sldId id="263" r:id="rId11"/>
-    <p:sldId id="264" r:id="rId12"/>
-    <p:sldId id="267" r:id="rId13"/>
-    <p:sldId id="268" r:id="rId14"/>
-    <p:sldId id="269" r:id="rId15"/>
-    <p:sldId id="270" r:id="rId16"/>
+    <p:sldId id="257" r:id="rId2"/>
+    <p:sldId id="265" r:id="rId3"/>
+    <p:sldId id="260" r:id="rId4"/>
+    <p:sldId id="266" r:id="rId5"/>
+    <p:sldId id="271" r:id="rId6"/>
+    <p:sldId id="261" r:id="rId7"/>
+    <p:sldId id="263" r:id="rId8"/>
+    <p:sldId id="264" r:id="rId9"/>
+    <p:sldId id="267" r:id="rId10"/>
+    <p:sldId id="268" r:id="rId11"/>
+    <p:sldId id="269" r:id="rId12"/>
+    <p:sldId id="270" r:id="rId13"/>
+    <p:sldId id="273" r:id="rId14"/>
+    <p:sldId id="274" r:id="rId15"/>
+    <p:sldId id="272" r:id="rId16"/>
+    <p:sldId id="275" r:id="rId17"/>
   </p:sldIdLst>
   <p:sldSz cx="12192000" cy="6858000"/>
   <p:notesSz cx="6858000" cy="9144000"/>
@@ -317,7 +318,7 @@
           <a:p>
             <a:fld id="{50DEE4A7-083E-42B9-8E0C-9729A3893272}" type="datetimeFigureOut">
               <a:rPr lang="zh-CN" altLang="en-US" smtClean="0"/>
-              <a:t>2018/12/25</a:t>
+              <a:t>2018/12/26</a:t>
             </a:fld>
             <a:endParaRPr lang="zh-CN" altLang="en-US"/>
           </a:p>
@@ -753,7 +754,7 @@
           <a:p>
             <a:fld id="{50DEE4A7-083E-42B9-8E0C-9729A3893272}" type="datetimeFigureOut">
               <a:rPr lang="zh-CN" altLang="en-US" smtClean="0"/>
-              <a:t>2018/12/25</a:t>
+              <a:t>2018/12/26</a:t>
             </a:fld>
             <a:endParaRPr lang="zh-CN" altLang="en-US"/>
           </a:p>
@@ -1003,7 +1004,7 @@
           <a:p>
             <a:fld id="{50DEE4A7-083E-42B9-8E0C-9729A3893272}" type="datetimeFigureOut">
               <a:rPr lang="zh-CN" altLang="en-US" smtClean="0"/>
-              <a:t>2018/12/25</a:t>
+              <a:t>2018/12/26</a:t>
             </a:fld>
             <a:endParaRPr lang="zh-CN" altLang="en-US"/>
           </a:p>
@@ -1311,7 +1312,7 @@
           <a:p>
             <a:fld id="{50DEE4A7-083E-42B9-8E0C-9729A3893272}" type="datetimeFigureOut">
               <a:rPr lang="zh-CN" altLang="en-US" smtClean="0"/>
-              <a:t>2018/12/25</a:t>
+              <a:t>2018/12/26</a:t>
             </a:fld>
             <a:endParaRPr lang="zh-CN" altLang="en-US"/>
           </a:p>
@@ -1629,7 +1630,7 @@
           <a:p>
             <a:fld id="{50DEE4A7-083E-42B9-8E0C-9729A3893272}" type="datetimeFigureOut">
               <a:rPr lang="zh-CN" altLang="en-US" smtClean="0"/>
-              <a:t>2018/12/25</a:t>
+              <a:t>2018/12/26</a:t>
             </a:fld>
             <a:endParaRPr lang="zh-CN" altLang="en-US"/>
           </a:p>
@@ -1931,7 +1932,7 @@
           <a:p>
             <a:fld id="{50DEE4A7-083E-42B9-8E0C-9729A3893272}" type="datetimeFigureOut">
               <a:rPr lang="zh-CN" altLang="en-US" smtClean="0"/>
-              <a:t>2018/12/25</a:t>
+              <a:t>2018/12/26</a:t>
             </a:fld>
             <a:endParaRPr lang="zh-CN" altLang="en-US"/>
           </a:p>
@@ -2298,7 +2299,7 @@
           <a:p>
             <a:fld id="{50DEE4A7-083E-42B9-8E0C-9729A3893272}" type="datetimeFigureOut">
               <a:rPr lang="zh-CN" altLang="en-US" smtClean="0"/>
-              <a:t>2018/12/25</a:t>
+              <a:t>2018/12/26</a:t>
             </a:fld>
             <a:endParaRPr lang="zh-CN" altLang="en-US"/>
           </a:p>
@@ -2472,7 +2473,7 @@
           <a:p>
             <a:fld id="{50DEE4A7-083E-42B9-8E0C-9729A3893272}" type="datetimeFigureOut">
               <a:rPr lang="zh-CN" altLang="en-US" smtClean="0"/>
-              <a:t>2018/12/25</a:t>
+              <a:t>2018/12/26</a:t>
             </a:fld>
             <a:endParaRPr lang="zh-CN" altLang="en-US"/>
           </a:p>
@@ -2652,7 +2653,7 @@
           <a:p>
             <a:fld id="{50DEE4A7-083E-42B9-8E0C-9729A3893272}" type="datetimeFigureOut">
               <a:rPr lang="zh-CN" altLang="en-US" smtClean="0"/>
-              <a:t>2018/12/25</a:t>
+              <a:t>2018/12/26</a:t>
             </a:fld>
             <a:endParaRPr lang="zh-CN" altLang="en-US"/>
           </a:p>
@@ -2822,7 +2823,7 @@
           <a:p>
             <a:fld id="{50DEE4A7-083E-42B9-8E0C-9729A3893272}" type="datetimeFigureOut">
               <a:rPr lang="zh-CN" altLang="en-US" smtClean="0"/>
-              <a:t>2018/12/25</a:t>
+              <a:t>2018/12/26</a:t>
             </a:fld>
             <a:endParaRPr lang="zh-CN" altLang="en-US"/>
           </a:p>
@@ -3072,7 +3073,7 @@
           <a:p>
             <a:fld id="{50DEE4A7-083E-42B9-8E0C-9729A3893272}" type="datetimeFigureOut">
               <a:rPr lang="zh-CN" altLang="en-US" smtClean="0"/>
-              <a:t>2018/12/25</a:t>
+              <a:t>2018/12/26</a:t>
             </a:fld>
             <a:endParaRPr lang="zh-CN" altLang="en-US"/>
           </a:p>
@@ -3308,7 +3309,7 @@
           <a:p>
             <a:fld id="{50DEE4A7-083E-42B9-8E0C-9729A3893272}" type="datetimeFigureOut">
               <a:rPr lang="zh-CN" altLang="en-US" smtClean="0"/>
-              <a:t>2018/12/25</a:t>
+              <a:t>2018/12/26</a:t>
             </a:fld>
             <a:endParaRPr lang="zh-CN" altLang="en-US"/>
           </a:p>
@@ -3690,7 +3691,7 @@
           <a:p>
             <a:fld id="{50DEE4A7-083E-42B9-8E0C-9729A3893272}" type="datetimeFigureOut">
               <a:rPr lang="zh-CN" altLang="en-US" smtClean="0"/>
-              <a:t>2018/12/25</a:t>
+              <a:t>2018/12/26</a:t>
             </a:fld>
             <a:endParaRPr lang="zh-CN" altLang="en-US"/>
           </a:p>
@@ -3808,7 +3809,7 @@
           <a:p>
             <a:fld id="{50DEE4A7-083E-42B9-8E0C-9729A3893272}" type="datetimeFigureOut">
               <a:rPr lang="zh-CN" altLang="en-US" smtClean="0"/>
-              <a:t>2018/12/25</a:t>
+              <a:t>2018/12/26</a:t>
             </a:fld>
             <a:endParaRPr lang="zh-CN" altLang="en-US"/>
           </a:p>
@@ -3903,7 +3904,7 @@
           <a:p>
             <a:fld id="{50DEE4A7-083E-42B9-8E0C-9729A3893272}" type="datetimeFigureOut">
               <a:rPr lang="zh-CN" altLang="en-US" smtClean="0"/>
-              <a:t>2018/12/25</a:t>
+              <a:t>2018/12/26</a:t>
             </a:fld>
             <a:endParaRPr lang="zh-CN" altLang="en-US"/>
           </a:p>
@@ -4158,7 +4159,7 @@
           <a:p>
             <a:fld id="{50DEE4A7-083E-42B9-8E0C-9729A3893272}" type="datetimeFigureOut">
               <a:rPr lang="zh-CN" altLang="en-US" smtClean="0"/>
-              <a:t>2018/12/25</a:t>
+              <a:t>2018/12/26</a:t>
             </a:fld>
             <a:endParaRPr lang="zh-CN" altLang="en-US"/>
           </a:p>
@@ -4441,7 +4442,7 @@
           <a:p>
             <a:fld id="{50DEE4A7-083E-42B9-8E0C-9729A3893272}" type="datetimeFigureOut">
               <a:rPr lang="zh-CN" altLang="en-US" smtClean="0"/>
-              <a:t>2018/12/25</a:t>
+              <a:t>2018/12/26</a:t>
             </a:fld>
             <a:endParaRPr lang="zh-CN" altLang="en-US"/>
           </a:p>
@@ -4847,7 +4848,7 @@
           <a:p>
             <a:fld id="{50DEE4A7-083E-42B9-8E0C-9729A3893272}" type="datetimeFigureOut">
               <a:rPr lang="zh-CN" altLang="en-US" smtClean="0"/>
-              <a:t>2018/12/25</a:t>
+              <a:t>2018/12/26</a:t>
             </a:fld>
             <a:endParaRPr lang="zh-CN" altLang="en-US"/>
           </a:p>
@@ -5368,1058 +5369,6 @@
 <file path=ppt/slides/slide1.xml><?xml version="1.0" encoding="utf-8"?>
 <p:sld xmlns:a="http://schemas.openxmlformats.org/drawingml/2006/main" xmlns:r="http://schemas.openxmlformats.org/officeDocument/2006/relationships" xmlns:p="http://schemas.openxmlformats.org/presentationml/2006/main">
   <p:cSld>
-    <p:spTree>
-      <p:nvGrpSpPr>
-        <p:cNvPr id="1" name=""/>
-        <p:cNvGrpSpPr/>
-        <p:nvPr/>
-      </p:nvGrpSpPr>
-      <p:grpSpPr>
-        <a:xfrm>
-          <a:off x="0" y="0"/>
-          <a:ext cx="0" cy="0"/>
-          <a:chOff x="0" y="0"/>
-          <a:chExt cx="0" cy="0"/>
-        </a:xfrm>
-      </p:grpSpPr>
-      <p:sp>
-        <p:nvSpPr>
-          <p:cNvPr id="2" name="标题 1">
-            <a:extLst>
-              <a:ext uri="{FF2B5EF4-FFF2-40B4-BE49-F238E27FC236}">
-                <a16:creationId xmlns:a16="http://schemas.microsoft.com/office/drawing/2014/main" id="{12DC58D8-A44E-487D-9786-56E2409375BA}"/>
-              </a:ext>
-            </a:extLst>
-          </p:cNvPr>
-          <p:cNvSpPr>
-            <a:spLocks noGrp="1"/>
-          </p:cNvSpPr>
-          <p:nvPr>
-            <p:ph type="ctrTitle"/>
-          </p:nvPr>
-        </p:nvSpPr>
-        <p:spPr/>
-        <p:txBody>
-          <a:bodyPr/>
-          <a:lstStyle/>
-          <a:p>
-            <a:r>
-              <a:rPr lang="zh-CN" altLang="en-US" dirty="0"/>
-              <a:t>常见加密算法及其应用</a:t>
-            </a:r>
-          </a:p>
-        </p:txBody>
-      </p:sp>
-      <p:sp>
-        <p:nvSpPr>
-          <p:cNvPr id="3" name="副标题 2">
-            <a:extLst>
-              <a:ext uri="{FF2B5EF4-FFF2-40B4-BE49-F238E27FC236}">
-                <a16:creationId xmlns:a16="http://schemas.microsoft.com/office/drawing/2014/main" id="{F1B4B9D5-332B-4C20-97B8-F65073B40E2E}"/>
-              </a:ext>
-            </a:extLst>
-          </p:cNvPr>
-          <p:cNvSpPr>
-            <a:spLocks noGrp="1"/>
-          </p:cNvSpPr>
-          <p:nvPr>
-            <p:ph type="subTitle" idx="1"/>
-          </p:nvPr>
-        </p:nvSpPr>
-        <p:spPr/>
-        <p:txBody>
-          <a:bodyPr/>
-          <a:lstStyle/>
-          <a:p>
-            <a:r>
-              <a:rPr lang="zh-CN" altLang="en-US" dirty="0"/>
-              <a:t>李明权</a:t>
-            </a:r>
-            <a:endParaRPr lang="en-US" altLang="zh-CN" dirty="0"/>
-          </a:p>
-          <a:p>
-            <a:r>
-              <a:rPr lang="zh-CN" altLang="en-US" dirty="0"/>
-              <a:t> </a:t>
-            </a:r>
-            <a:r>
-              <a:rPr lang="en-US" altLang="zh-CN" dirty="0"/>
-              <a:t>2018-12</a:t>
-            </a:r>
-            <a:endParaRPr lang="zh-CN" altLang="en-US" dirty="0"/>
-          </a:p>
-        </p:txBody>
-      </p:sp>
-    </p:spTree>
-    <p:extLst>
-      <p:ext uri="{BB962C8B-B14F-4D97-AF65-F5344CB8AC3E}">
-        <p14:creationId xmlns:p14="http://schemas.microsoft.com/office/powerpoint/2010/main" val="2904760272"/>
-      </p:ext>
-    </p:extLst>
-  </p:cSld>
-  <p:clrMapOvr>
-    <a:masterClrMapping/>
-  </p:clrMapOvr>
-</p:sld>
-</file>
-
-<file path=ppt/slides/slide10.xml><?xml version="1.0" encoding="utf-8"?>
-<p:sld xmlns:a="http://schemas.openxmlformats.org/drawingml/2006/main" xmlns:r="http://schemas.openxmlformats.org/officeDocument/2006/relationships" xmlns:p="http://schemas.openxmlformats.org/presentationml/2006/main">
-  <p:cSld>
-    <p:spTree>
-      <p:nvGrpSpPr>
-        <p:cNvPr id="1" name=""/>
-        <p:cNvGrpSpPr/>
-        <p:nvPr/>
-      </p:nvGrpSpPr>
-      <p:grpSpPr>
-        <a:xfrm>
-          <a:off x="0" y="0"/>
-          <a:ext cx="0" cy="0"/>
-          <a:chOff x="0" y="0"/>
-          <a:chExt cx="0" cy="0"/>
-        </a:xfrm>
-      </p:grpSpPr>
-      <p:sp>
-        <p:nvSpPr>
-          <p:cNvPr id="2" name="标题 1">
-            <a:extLst>
-              <a:ext uri="{FF2B5EF4-FFF2-40B4-BE49-F238E27FC236}">
-                <a16:creationId xmlns:a16="http://schemas.microsoft.com/office/drawing/2014/main" id="{B969941D-A2A2-4823-8976-DE5EE3421694}"/>
-              </a:ext>
-            </a:extLst>
-          </p:cNvPr>
-          <p:cNvSpPr>
-            <a:spLocks noGrp="1"/>
-          </p:cNvSpPr>
-          <p:nvPr>
-            <p:ph type="title"/>
-          </p:nvPr>
-        </p:nvSpPr>
-        <p:spPr/>
-        <p:txBody>
-          <a:bodyPr/>
-          <a:lstStyle/>
-          <a:p>
-            <a:r>
-              <a:rPr lang="en-US" altLang="zh-CN" dirty="0"/>
-              <a:t>RSA</a:t>
-            </a:r>
-            <a:r>
-              <a:rPr lang="zh-CN" altLang="en-US" dirty="0"/>
-              <a:t>算法描述</a:t>
-            </a:r>
-          </a:p>
-        </p:txBody>
-      </p:sp>
-      <p:pic>
-        <p:nvPicPr>
-          <p:cNvPr id="4" name="内容占位符 3">
-            <a:extLst>
-              <a:ext uri="{FF2B5EF4-FFF2-40B4-BE49-F238E27FC236}">
-                <a16:creationId xmlns:a16="http://schemas.microsoft.com/office/drawing/2014/main" id="{1D5434A9-A114-42EE-A193-467155033D1C}"/>
-              </a:ext>
-            </a:extLst>
-          </p:cNvPr>
-          <p:cNvPicPr>
-            <a:picLocks noGrp="1" noChangeAspect="1"/>
-          </p:cNvPicPr>
-          <p:nvPr>
-            <p:ph idx="1"/>
-          </p:nvPr>
-        </p:nvPicPr>
-        <p:blipFill>
-          <a:blip r:embed="rId2"/>
-          <a:stretch>
-            <a:fillRect/>
-          </a:stretch>
-        </p:blipFill>
-        <p:spPr>
-          <a:xfrm>
-            <a:off x="1110754" y="685800"/>
-            <a:ext cx="7681318" cy="3614738"/>
-          </a:xfrm>
-          <a:prstGeom prst="rect">
-            <a:avLst/>
-          </a:prstGeom>
-        </p:spPr>
-      </p:pic>
-    </p:spTree>
-    <p:extLst>
-      <p:ext uri="{BB962C8B-B14F-4D97-AF65-F5344CB8AC3E}">
-        <p14:creationId xmlns:p14="http://schemas.microsoft.com/office/powerpoint/2010/main" val="1412268664"/>
-      </p:ext>
-    </p:extLst>
-  </p:cSld>
-  <p:clrMapOvr>
-    <a:masterClrMapping/>
-  </p:clrMapOvr>
-</p:sld>
-</file>
-
-<file path=ppt/slides/slide11.xml><?xml version="1.0" encoding="utf-8"?>
-<p:sld xmlns:a="http://schemas.openxmlformats.org/drawingml/2006/main" xmlns:r="http://schemas.openxmlformats.org/officeDocument/2006/relationships" xmlns:p="http://schemas.openxmlformats.org/presentationml/2006/main">
-  <p:cSld>
-    <p:spTree>
-      <p:nvGrpSpPr>
-        <p:cNvPr id="1" name=""/>
-        <p:cNvGrpSpPr/>
-        <p:nvPr/>
-      </p:nvGrpSpPr>
-      <p:grpSpPr>
-        <a:xfrm>
-          <a:off x="0" y="0"/>
-          <a:ext cx="0" cy="0"/>
-          <a:chOff x="0" y="0"/>
-          <a:chExt cx="0" cy="0"/>
-        </a:xfrm>
-      </p:grpSpPr>
-      <p:sp>
-        <p:nvSpPr>
-          <p:cNvPr id="2" name="标题 1">
-            <a:extLst>
-              <a:ext uri="{FF2B5EF4-FFF2-40B4-BE49-F238E27FC236}">
-                <a16:creationId xmlns:a16="http://schemas.microsoft.com/office/drawing/2014/main" id="{E477F882-017E-4577-A879-BDEB5D2953CE}"/>
-              </a:ext>
-            </a:extLst>
-          </p:cNvPr>
-          <p:cNvSpPr>
-            <a:spLocks noGrp="1"/>
-          </p:cNvSpPr>
-          <p:nvPr>
-            <p:ph type="title"/>
-          </p:nvPr>
-        </p:nvSpPr>
-        <p:spPr/>
-        <p:txBody>
-          <a:bodyPr/>
-          <a:lstStyle/>
-          <a:p>
-            <a:r>
-              <a:rPr lang="en-US" altLang="zh-CN" dirty="0"/>
-              <a:t>RSA</a:t>
-            </a:r>
-            <a:r>
-              <a:rPr lang="zh-CN" altLang="en-US" dirty="0"/>
-              <a:t>算法实例描述</a:t>
-            </a:r>
-          </a:p>
-        </p:txBody>
-      </p:sp>
-      <p:sp>
-        <p:nvSpPr>
-          <p:cNvPr id="3" name="内容占位符 2">
-            <a:extLst>
-              <a:ext uri="{FF2B5EF4-FFF2-40B4-BE49-F238E27FC236}">
-                <a16:creationId xmlns:a16="http://schemas.microsoft.com/office/drawing/2014/main" id="{FB3F4904-CC22-451F-ABA2-2829D19C1C56}"/>
-              </a:ext>
-            </a:extLst>
-          </p:cNvPr>
-          <p:cNvSpPr>
-            <a:spLocks noGrp="1"/>
-          </p:cNvSpPr>
-          <p:nvPr>
-            <p:ph idx="1"/>
-          </p:nvPr>
-        </p:nvSpPr>
-        <p:spPr/>
-        <p:txBody>
-          <a:bodyPr/>
-          <a:lstStyle/>
-          <a:p>
-            <a:endParaRPr lang="zh-CN" altLang="en-US" dirty="0"/>
-          </a:p>
-        </p:txBody>
-      </p:sp>
-    </p:spTree>
-    <p:extLst>
-      <p:ext uri="{BB962C8B-B14F-4D97-AF65-F5344CB8AC3E}">
-        <p14:creationId xmlns:p14="http://schemas.microsoft.com/office/powerpoint/2010/main" val="1784914169"/>
-      </p:ext>
-    </p:extLst>
-  </p:cSld>
-  <p:clrMapOvr>
-    <a:masterClrMapping/>
-  </p:clrMapOvr>
-</p:sld>
-</file>
-
-<file path=ppt/slides/slide12.xml><?xml version="1.0" encoding="utf-8"?>
-<p:sld xmlns:a="http://schemas.openxmlformats.org/drawingml/2006/main" xmlns:r="http://schemas.openxmlformats.org/officeDocument/2006/relationships" xmlns:p="http://schemas.openxmlformats.org/presentationml/2006/main">
-  <p:cSld>
-    <p:spTree>
-      <p:nvGrpSpPr>
-        <p:cNvPr id="1" name=""/>
-        <p:cNvGrpSpPr/>
-        <p:nvPr/>
-      </p:nvGrpSpPr>
-      <p:grpSpPr>
-        <a:xfrm>
-          <a:off x="0" y="0"/>
-          <a:ext cx="0" cy="0"/>
-          <a:chOff x="0" y="0"/>
-          <a:chExt cx="0" cy="0"/>
-        </a:xfrm>
-      </p:grpSpPr>
-      <p:sp>
-        <p:nvSpPr>
-          <p:cNvPr id="2" name="标题 1">
-            <a:extLst>
-              <a:ext uri="{FF2B5EF4-FFF2-40B4-BE49-F238E27FC236}">
-                <a16:creationId xmlns:a16="http://schemas.microsoft.com/office/drawing/2014/main" id="{78727472-335B-46A3-AEAD-BB82958DE674}"/>
-              </a:ext>
-            </a:extLst>
-          </p:cNvPr>
-          <p:cNvSpPr>
-            <a:spLocks noGrp="1"/>
-          </p:cNvSpPr>
-          <p:nvPr>
-            <p:ph type="title"/>
-          </p:nvPr>
-        </p:nvSpPr>
-        <p:spPr>
-          <a:xfrm>
-            <a:off x="684212" y="4487332"/>
-            <a:ext cx="8534400" cy="1507067"/>
-          </a:xfrm>
-        </p:spPr>
-        <p:txBody>
-          <a:bodyPr/>
-          <a:lstStyle/>
-          <a:p>
-            <a:r>
-              <a:rPr lang="en-US" altLang="zh-CN" dirty="0"/>
-              <a:t>Openssl</a:t>
-            </a:r>
-            <a:r>
-              <a:rPr lang="zh-CN" altLang="en-US" dirty="0"/>
-              <a:t>命令生成</a:t>
-            </a:r>
-            <a:r>
-              <a:rPr lang="en-US" altLang="zh-CN" dirty="0"/>
-              <a:t>RSA</a:t>
-            </a:r>
-            <a:r>
-              <a:rPr lang="zh-CN" altLang="en-US" dirty="0"/>
-              <a:t>公私钥</a:t>
-            </a:r>
-          </a:p>
-        </p:txBody>
-      </p:sp>
-      <p:sp>
-        <p:nvSpPr>
-          <p:cNvPr id="3" name="内容占位符 2">
-            <a:extLst>
-              <a:ext uri="{FF2B5EF4-FFF2-40B4-BE49-F238E27FC236}">
-                <a16:creationId xmlns:a16="http://schemas.microsoft.com/office/drawing/2014/main" id="{F6CD1E31-EF3B-4CBE-A849-33274D44EEB2}"/>
-              </a:ext>
-            </a:extLst>
-          </p:cNvPr>
-          <p:cNvSpPr>
-            <a:spLocks noGrp="1"/>
-          </p:cNvSpPr>
-          <p:nvPr>
-            <p:ph idx="1"/>
-          </p:nvPr>
-        </p:nvSpPr>
-        <p:spPr/>
-        <p:txBody>
-          <a:bodyPr>
-            <a:normAutofit fontScale="92500" lnSpcReduction="10000"/>
-          </a:bodyPr>
-          <a:lstStyle/>
-          <a:p>
-            <a:r>
-              <a:rPr lang="en-US" altLang="zh-CN" dirty="0"/>
-              <a:t># </a:t>
-            </a:r>
-            <a:r>
-              <a:rPr lang="zh-CN" altLang="en-US" dirty="0"/>
-              <a:t>生成私钥文件，</a:t>
-            </a:r>
-            <a:r>
-              <a:rPr lang="en-US" altLang="zh-CN" dirty="0"/>
-              <a:t>pkcs#1</a:t>
-            </a:r>
-            <a:r>
-              <a:rPr lang="zh-CN" altLang="en-US" dirty="0"/>
-              <a:t>格式</a:t>
-            </a:r>
-          </a:p>
-          <a:p>
-            <a:pPr lvl="1"/>
-            <a:r>
-              <a:rPr lang="en-US" altLang="zh-CN" dirty="0"/>
-              <a:t>openssl </a:t>
-            </a:r>
-            <a:r>
-              <a:rPr lang="en-US" altLang="zh-CN" dirty="0" err="1"/>
-              <a:t>genrsa</a:t>
-            </a:r>
-            <a:r>
-              <a:rPr lang="en-US" altLang="zh-CN" dirty="0"/>
-              <a:t> -out </a:t>
-            </a:r>
-            <a:r>
-              <a:rPr lang="en-US" altLang="zh-CN" dirty="0" err="1"/>
-              <a:t>private_key.pem</a:t>
-            </a:r>
-            <a:r>
-              <a:rPr lang="en-US" altLang="zh-CN" dirty="0"/>
-              <a:t> 1024</a:t>
-            </a:r>
-          </a:p>
-          <a:p>
-            <a:r>
-              <a:rPr lang="en-US" altLang="zh-CN" dirty="0"/>
-              <a:t># </a:t>
-            </a:r>
-            <a:r>
-              <a:rPr lang="zh-CN" altLang="en-US" dirty="0"/>
-              <a:t>生成私钥文件，</a:t>
-            </a:r>
-            <a:r>
-              <a:rPr lang="en-US" altLang="zh-CN" dirty="0"/>
-              <a:t>pkcs#8</a:t>
-            </a:r>
-            <a:r>
-              <a:rPr lang="zh-CN" altLang="en-US" dirty="0"/>
-              <a:t>格式</a:t>
-            </a:r>
-            <a:endParaRPr lang="en-US" altLang="zh-CN" dirty="0"/>
-          </a:p>
-          <a:p>
-            <a:pPr lvl="1"/>
-            <a:r>
-              <a:rPr lang="en-US" altLang="zh-CN" dirty="0"/>
-              <a:t>openssl pkcs8 -topk8 -inform PEM -in </a:t>
-            </a:r>
-            <a:r>
-              <a:rPr lang="en-US" altLang="zh-CN" dirty="0" err="1"/>
-              <a:t>private_key.pem</a:t>
-            </a:r>
-            <a:r>
-              <a:rPr lang="en-US" altLang="zh-CN" dirty="0"/>
-              <a:t> -</a:t>
-            </a:r>
-            <a:r>
-              <a:rPr lang="en-US" altLang="zh-CN" dirty="0" err="1"/>
-              <a:t>outform</a:t>
-            </a:r>
-            <a:r>
-              <a:rPr lang="en-US" altLang="zh-CN" dirty="0"/>
-              <a:t> PEM -</a:t>
-            </a:r>
-            <a:r>
-              <a:rPr lang="en-US" altLang="zh-CN" dirty="0" err="1"/>
-              <a:t>nocrypt</a:t>
-            </a:r>
-            <a:r>
-              <a:rPr lang="en-US" altLang="zh-CN" dirty="0"/>
-              <a:t>&gt;pkcs8_private_key.pem</a:t>
-            </a:r>
-          </a:p>
-          <a:p>
-            <a:r>
-              <a:rPr lang="en-US" altLang="zh-CN" dirty="0"/>
-              <a:t># </a:t>
-            </a:r>
-            <a:r>
-              <a:rPr lang="zh-CN" altLang="en-US" dirty="0"/>
-              <a:t>从私钥导出公钥，</a:t>
-            </a:r>
-            <a:r>
-              <a:rPr lang="en-US" altLang="zh-CN" dirty="0"/>
-              <a:t>pkcs#8</a:t>
-            </a:r>
-            <a:r>
-              <a:rPr lang="zh-CN" altLang="en-US" dirty="0"/>
-              <a:t>格式</a:t>
-            </a:r>
-          </a:p>
-          <a:p>
-            <a:pPr lvl="1"/>
-            <a:r>
-              <a:rPr lang="en-US" altLang="zh-CN" dirty="0"/>
-              <a:t>openssl </a:t>
-            </a:r>
-            <a:r>
-              <a:rPr lang="en-US" altLang="zh-CN" dirty="0" err="1"/>
-              <a:t>rsa</a:t>
-            </a:r>
-            <a:r>
-              <a:rPr lang="en-US" altLang="zh-CN" dirty="0"/>
-              <a:t> -in </a:t>
-            </a:r>
-            <a:r>
-              <a:rPr lang="en-US" altLang="zh-CN" dirty="0" err="1"/>
-              <a:t>private_key.pem</a:t>
-            </a:r>
-            <a:r>
-              <a:rPr lang="en-US" altLang="zh-CN" dirty="0"/>
-              <a:t> -</a:t>
-            </a:r>
-            <a:r>
-              <a:rPr lang="en-US" altLang="zh-CN" dirty="0" err="1"/>
-              <a:t>pubout</a:t>
-            </a:r>
-            <a:r>
-              <a:rPr lang="en-US" altLang="zh-CN" dirty="0"/>
-              <a:t> -out </a:t>
-            </a:r>
-            <a:r>
-              <a:rPr lang="en-US" altLang="zh-CN" dirty="0" err="1"/>
-              <a:t>public_key.pem</a:t>
-            </a:r>
-            <a:endParaRPr lang="en-US" altLang="zh-CN" dirty="0"/>
-          </a:p>
-          <a:p>
-            <a:r>
-              <a:rPr lang="en-US" altLang="zh-CN" dirty="0"/>
-              <a:t>#</a:t>
-            </a:r>
-            <a:r>
-              <a:rPr lang="zh-CN" altLang="en-US" dirty="0"/>
-              <a:t>生成</a:t>
-            </a:r>
-            <a:r>
-              <a:rPr lang="en-US" altLang="zh-CN" dirty="0"/>
-              <a:t>pkcs#1</a:t>
-            </a:r>
-            <a:r>
-              <a:rPr lang="zh-CN" altLang="en-US" dirty="0"/>
-              <a:t>格式的公钥文件</a:t>
-            </a:r>
-            <a:endParaRPr lang="en-US" altLang="zh-CN" dirty="0"/>
-          </a:p>
-          <a:p>
-            <a:pPr lvl="1"/>
-            <a:r>
-              <a:rPr lang="en-US" altLang="zh-CN" dirty="0"/>
-              <a:t>openssl </a:t>
-            </a:r>
-            <a:r>
-              <a:rPr lang="en-US" altLang="zh-CN" dirty="0" err="1"/>
-              <a:t>rsa</a:t>
-            </a:r>
-            <a:r>
-              <a:rPr lang="en-US" altLang="zh-CN" dirty="0"/>
-              <a:t> -</a:t>
-            </a:r>
-            <a:r>
-              <a:rPr lang="en-US" altLang="zh-CN" dirty="0" err="1"/>
-              <a:t>pubin</a:t>
-            </a:r>
-            <a:r>
-              <a:rPr lang="en-US" altLang="zh-CN" dirty="0"/>
-              <a:t> -in </a:t>
-            </a:r>
-            <a:r>
-              <a:rPr lang="en-US" altLang="zh-CN" dirty="0" err="1"/>
-              <a:t>public_key.pem</a:t>
-            </a:r>
-            <a:r>
-              <a:rPr lang="en-US" altLang="zh-CN" dirty="0"/>
-              <a:t> -</a:t>
-            </a:r>
-            <a:r>
-              <a:rPr lang="en-US" altLang="zh-CN" dirty="0" err="1"/>
-              <a:t>RSAPublicKey_out</a:t>
-            </a:r>
-            <a:r>
-              <a:rPr lang="en-US" altLang="zh-CN" dirty="0"/>
-              <a:t> -out pkcs1_public_key.pem</a:t>
-            </a:r>
-            <a:endParaRPr lang="zh-CN" altLang="en-US" dirty="0"/>
-          </a:p>
-        </p:txBody>
-      </p:sp>
-    </p:spTree>
-    <p:extLst>
-      <p:ext uri="{BB962C8B-B14F-4D97-AF65-F5344CB8AC3E}">
-        <p14:creationId xmlns:p14="http://schemas.microsoft.com/office/powerpoint/2010/main" val="2568730184"/>
-      </p:ext>
-    </p:extLst>
-  </p:cSld>
-  <p:clrMapOvr>
-    <a:masterClrMapping/>
-  </p:clrMapOvr>
-</p:sld>
-</file>
-
-<file path=ppt/slides/slide13.xml><?xml version="1.0" encoding="utf-8"?>
-<p:sld xmlns:a="http://schemas.openxmlformats.org/drawingml/2006/main" xmlns:r="http://schemas.openxmlformats.org/officeDocument/2006/relationships" xmlns:p="http://schemas.openxmlformats.org/presentationml/2006/main">
-  <p:cSld>
-    <p:spTree>
-      <p:nvGrpSpPr>
-        <p:cNvPr id="1" name=""/>
-        <p:cNvGrpSpPr/>
-        <p:nvPr/>
-      </p:nvGrpSpPr>
-      <p:grpSpPr>
-        <a:xfrm>
-          <a:off x="0" y="0"/>
-          <a:ext cx="0" cy="0"/>
-          <a:chOff x="0" y="0"/>
-          <a:chExt cx="0" cy="0"/>
-        </a:xfrm>
-      </p:grpSpPr>
-      <p:sp>
-        <p:nvSpPr>
-          <p:cNvPr id="2" name="标题 1">
-            <a:extLst>
-              <a:ext uri="{FF2B5EF4-FFF2-40B4-BE49-F238E27FC236}">
-                <a16:creationId xmlns:a16="http://schemas.microsoft.com/office/drawing/2014/main" id="{4CAA4358-635D-4E8D-9D5C-2309C83A9349}"/>
-              </a:ext>
-            </a:extLst>
-          </p:cNvPr>
-          <p:cNvSpPr>
-            <a:spLocks noGrp="1"/>
-          </p:cNvSpPr>
-          <p:nvPr>
-            <p:ph type="title"/>
-          </p:nvPr>
-        </p:nvSpPr>
-        <p:spPr>
-          <a:xfrm>
-            <a:off x="665018" y="4488873"/>
-            <a:ext cx="8553594" cy="1505526"/>
-          </a:xfrm>
-        </p:spPr>
-        <p:txBody>
-          <a:bodyPr/>
-          <a:lstStyle/>
-          <a:p>
-            <a:r>
-              <a:rPr lang="zh-CN" altLang="en-US" dirty="0"/>
-              <a:t>把秘钥文件的首行和末行去除并转化成十六进制格式</a:t>
-            </a:r>
-          </a:p>
-        </p:txBody>
-      </p:sp>
-      <p:sp>
-        <p:nvSpPr>
-          <p:cNvPr id="3" name="内容占位符 2">
-            <a:extLst>
-              <a:ext uri="{FF2B5EF4-FFF2-40B4-BE49-F238E27FC236}">
-                <a16:creationId xmlns:a16="http://schemas.microsoft.com/office/drawing/2014/main" id="{D81E58D1-3320-4C97-9B3D-DB608B8EBC64}"/>
-              </a:ext>
-            </a:extLst>
-          </p:cNvPr>
-          <p:cNvSpPr>
-            <a:spLocks noGrp="1"/>
-          </p:cNvSpPr>
-          <p:nvPr>
-            <p:ph idx="1"/>
-          </p:nvPr>
-        </p:nvSpPr>
-        <p:spPr/>
-        <p:txBody>
-          <a:bodyPr>
-            <a:normAutofit/>
-          </a:bodyPr>
-          <a:lstStyle/>
-          <a:p>
-            <a:r>
-              <a:rPr lang="en-US" altLang="zh-CN" dirty="0"/>
-              <a:t>cat </a:t>
-            </a:r>
-            <a:r>
-              <a:rPr lang="en-US" altLang="zh-CN" dirty="0" err="1"/>
-              <a:t>private_key.pem|sed</a:t>
-            </a:r>
-            <a:r>
-              <a:rPr lang="en-US" altLang="zh-CN" dirty="0"/>
-              <a:t> '1d'|sed '$</a:t>
-            </a:r>
-            <a:r>
-              <a:rPr lang="en-US" altLang="zh-CN" dirty="0" err="1"/>
-              <a:t>d'|openssl</a:t>
-            </a:r>
-            <a:r>
-              <a:rPr lang="en-US" altLang="zh-CN" dirty="0"/>
-              <a:t> base64 -</a:t>
-            </a:r>
-            <a:r>
-              <a:rPr lang="en-US" altLang="zh-CN" dirty="0" err="1"/>
-              <a:t>d|xxd|cut</a:t>
-            </a:r>
-            <a:r>
-              <a:rPr lang="en-US" altLang="zh-CN" dirty="0"/>
-              <a:t> -d' ' -f1-9&gt;private_key.txt </a:t>
-            </a:r>
-          </a:p>
-          <a:p>
-            <a:r>
-              <a:rPr lang="en-US" altLang="zh-CN" dirty="0"/>
-              <a:t>cat </a:t>
-            </a:r>
-            <a:r>
-              <a:rPr lang="en-US" altLang="zh-CN" dirty="0" err="1"/>
-              <a:t>public_key.pem|sed</a:t>
-            </a:r>
-            <a:r>
-              <a:rPr lang="en-US" altLang="zh-CN" dirty="0"/>
-              <a:t> '1d'|sed '$</a:t>
-            </a:r>
-            <a:r>
-              <a:rPr lang="en-US" altLang="zh-CN" dirty="0" err="1"/>
-              <a:t>d'|openssl</a:t>
-            </a:r>
-            <a:r>
-              <a:rPr lang="en-US" altLang="zh-CN" dirty="0"/>
-              <a:t> base64 -</a:t>
-            </a:r>
-            <a:r>
-              <a:rPr lang="en-US" altLang="zh-CN" dirty="0" err="1"/>
-              <a:t>d|xxd|cut</a:t>
-            </a:r>
-            <a:r>
-              <a:rPr lang="en-US" altLang="zh-CN" dirty="0"/>
-              <a:t> -d' ' -f1-9&gt;public_key.txt </a:t>
-            </a:r>
-          </a:p>
-          <a:p>
-            <a:r>
-              <a:rPr lang="en-US" altLang="zh-CN" dirty="0"/>
-              <a:t>cat pkcs1_public_key.pem|sed '1d'|sed '$</a:t>
-            </a:r>
-            <a:r>
-              <a:rPr lang="en-US" altLang="zh-CN" dirty="0" err="1"/>
-              <a:t>d'|openssl</a:t>
-            </a:r>
-            <a:r>
-              <a:rPr lang="en-US" altLang="zh-CN" dirty="0"/>
-              <a:t> base64 -</a:t>
-            </a:r>
-            <a:r>
-              <a:rPr lang="en-US" altLang="zh-CN" dirty="0" err="1"/>
-              <a:t>d|xxd|cut</a:t>
-            </a:r>
-            <a:r>
-              <a:rPr lang="en-US" altLang="zh-CN" dirty="0"/>
-              <a:t> -d' ' -f1-9&gt;pkcs1_public_key.txt</a:t>
-            </a:r>
-          </a:p>
-        </p:txBody>
-      </p:sp>
-    </p:spTree>
-    <p:extLst>
-      <p:ext uri="{BB962C8B-B14F-4D97-AF65-F5344CB8AC3E}">
-        <p14:creationId xmlns:p14="http://schemas.microsoft.com/office/powerpoint/2010/main" val="438976715"/>
-      </p:ext>
-    </p:extLst>
-  </p:cSld>
-  <p:clrMapOvr>
-    <a:masterClrMapping/>
-  </p:clrMapOvr>
-</p:sld>
-</file>
-
-<file path=ppt/slides/slide14.xml><?xml version="1.0" encoding="utf-8"?>
-<p:sld xmlns:a="http://schemas.openxmlformats.org/drawingml/2006/main" xmlns:r="http://schemas.openxmlformats.org/officeDocument/2006/relationships" xmlns:p="http://schemas.openxmlformats.org/presentationml/2006/main">
-  <p:cSld>
-    <p:spTree>
-      <p:nvGrpSpPr>
-        <p:cNvPr id="1" name=""/>
-        <p:cNvGrpSpPr/>
-        <p:nvPr/>
-      </p:nvGrpSpPr>
-      <p:grpSpPr>
-        <a:xfrm>
-          <a:off x="0" y="0"/>
-          <a:ext cx="0" cy="0"/>
-          <a:chOff x="0" y="0"/>
-          <a:chExt cx="0" cy="0"/>
-        </a:xfrm>
-      </p:grpSpPr>
-      <p:sp>
-        <p:nvSpPr>
-          <p:cNvPr id="2" name="标题 1">
-            <a:extLst>
-              <a:ext uri="{FF2B5EF4-FFF2-40B4-BE49-F238E27FC236}">
-                <a16:creationId xmlns:a16="http://schemas.microsoft.com/office/drawing/2014/main" id="{581ED96A-6349-4ABF-8691-20ACB82B5BDA}"/>
-              </a:ext>
-            </a:extLst>
-          </p:cNvPr>
-          <p:cNvSpPr>
-            <a:spLocks noGrp="1"/>
-          </p:cNvSpPr>
-          <p:nvPr>
-            <p:ph type="title"/>
-          </p:nvPr>
-        </p:nvSpPr>
-        <p:spPr/>
-        <p:txBody>
-          <a:bodyPr/>
-          <a:lstStyle/>
-          <a:p>
-            <a:endParaRPr lang="zh-CN" altLang="en-US"/>
-          </a:p>
-        </p:txBody>
-      </p:sp>
-      <p:sp>
-        <p:nvSpPr>
-          <p:cNvPr id="3" name="内容占位符 2">
-            <a:extLst>
-              <a:ext uri="{FF2B5EF4-FFF2-40B4-BE49-F238E27FC236}">
-                <a16:creationId xmlns:a16="http://schemas.microsoft.com/office/drawing/2014/main" id="{53BF4286-E5A2-4679-B5E9-7F39CFAE65CC}"/>
-              </a:ext>
-            </a:extLst>
-          </p:cNvPr>
-          <p:cNvSpPr>
-            <a:spLocks noGrp="1"/>
-          </p:cNvSpPr>
-          <p:nvPr>
-            <p:ph idx="1"/>
-          </p:nvPr>
-        </p:nvSpPr>
-        <p:spPr>
-          <a:xfrm>
-            <a:off x="684212" y="676564"/>
-            <a:ext cx="8534400" cy="3615267"/>
-          </a:xfrm>
-        </p:spPr>
-        <p:txBody>
-          <a:bodyPr/>
-          <a:lstStyle/>
-          <a:p>
-            <a:r>
-              <a:rPr lang="en-US" altLang="zh-CN" dirty="0"/>
-              <a:t>openssl </a:t>
-            </a:r>
-            <a:r>
-              <a:rPr lang="en-US" altLang="zh-CN" dirty="0" err="1"/>
-              <a:t>rsautl</a:t>
-            </a:r>
-            <a:r>
-              <a:rPr lang="en-US" altLang="zh-CN" dirty="0"/>
-              <a:t> -encrypt -in aa.txt -</a:t>
-            </a:r>
-            <a:r>
-              <a:rPr lang="en-US" altLang="zh-CN" dirty="0" err="1"/>
-              <a:t>inkey</a:t>
-            </a:r>
-            <a:r>
-              <a:rPr lang="en-US" altLang="zh-CN" dirty="0"/>
-              <a:t> </a:t>
-            </a:r>
-            <a:r>
-              <a:rPr lang="en-US" altLang="zh-CN" dirty="0" err="1"/>
-              <a:t>public_key.pem</a:t>
-            </a:r>
-            <a:r>
-              <a:rPr lang="en-US" altLang="zh-CN" dirty="0"/>
-              <a:t> -out enc.txt</a:t>
-            </a:r>
-            <a:endParaRPr lang="zh-CN" altLang="en-US" dirty="0"/>
-          </a:p>
-        </p:txBody>
-      </p:sp>
-    </p:spTree>
-    <p:extLst>
-      <p:ext uri="{BB962C8B-B14F-4D97-AF65-F5344CB8AC3E}">
-        <p14:creationId xmlns:p14="http://schemas.microsoft.com/office/powerpoint/2010/main" val="2596375783"/>
-      </p:ext>
-    </p:extLst>
-  </p:cSld>
-  <p:clrMapOvr>
-    <a:masterClrMapping/>
-  </p:clrMapOvr>
-</p:sld>
-</file>
-
-<file path=ppt/slides/slide15.xml><?xml version="1.0" encoding="utf-8"?>
-<p:sld xmlns:a="http://schemas.openxmlformats.org/drawingml/2006/main" xmlns:r="http://schemas.openxmlformats.org/officeDocument/2006/relationships" xmlns:p="http://schemas.openxmlformats.org/presentationml/2006/main">
-  <p:cSld>
-    <p:spTree>
-      <p:nvGrpSpPr>
-        <p:cNvPr id="1" name=""/>
-        <p:cNvGrpSpPr/>
-        <p:nvPr/>
-      </p:nvGrpSpPr>
-      <p:grpSpPr>
-        <a:xfrm>
-          <a:off x="0" y="0"/>
-          <a:ext cx="0" cy="0"/>
-          <a:chOff x="0" y="0"/>
-          <a:chExt cx="0" cy="0"/>
-        </a:xfrm>
-      </p:grpSpPr>
-      <p:sp>
-        <p:nvSpPr>
-          <p:cNvPr id="2" name="标题 1">
-            <a:extLst>
-              <a:ext uri="{FF2B5EF4-FFF2-40B4-BE49-F238E27FC236}">
-                <a16:creationId xmlns:a16="http://schemas.microsoft.com/office/drawing/2014/main" id="{2A8C7A7D-26A7-4A8F-980D-3D77A842CCC5}"/>
-              </a:ext>
-            </a:extLst>
-          </p:cNvPr>
-          <p:cNvSpPr>
-            <a:spLocks noGrp="1"/>
-          </p:cNvSpPr>
-          <p:nvPr>
-            <p:ph type="title"/>
-          </p:nvPr>
-        </p:nvSpPr>
-        <p:spPr/>
-        <p:txBody>
-          <a:bodyPr/>
-          <a:lstStyle/>
-          <a:p>
-            <a:r>
-              <a:rPr lang="en-US" altLang="zh-CN" dirty="0"/>
-              <a:t>BASE64</a:t>
-            </a:r>
-            <a:r>
-              <a:rPr lang="zh-CN" altLang="en-US" dirty="0"/>
-              <a:t>编码表</a:t>
-            </a:r>
-          </a:p>
-        </p:txBody>
-      </p:sp>
-      <p:sp>
-        <p:nvSpPr>
-          <p:cNvPr id="3" name="内容占位符 2">
-            <a:extLst>
-              <a:ext uri="{FF2B5EF4-FFF2-40B4-BE49-F238E27FC236}">
-                <a16:creationId xmlns:a16="http://schemas.microsoft.com/office/drawing/2014/main" id="{C3B2A48C-C1E7-497B-BAF8-C546DD0D2D7C}"/>
-              </a:ext>
-            </a:extLst>
-          </p:cNvPr>
-          <p:cNvSpPr>
-            <a:spLocks noGrp="1"/>
-          </p:cNvSpPr>
-          <p:nvPr>
-            <p:ph idx="1"/>
-          </p:nvPr>
-        </p:nvSpPr>
-        <p:spPr/>
-        <p:txBody>
-          <a:bodyPr/>
-          <a:lstStyle/>
-          <a:p>
-            <a:endParaRPr lang="zh-CN" altLang="en-US" dirty="0"/>
-          </a:p>
-        </p:txBody>
-      </p:sp>
-    </p:spTree>
-    <p:extLst>
-      <p:ext uri="{BB962C8B-B14F-4D97-AF65-F5344CB8AC3E}">
-        <p14:creationId xmlns:p14="http://schemas.microsoft.com/office/powerpoint/2010/main" val="1671585727"/>
-      </p:ext>
-    </p:extLst>
-  </p:cSld>
-  <p:clrMapOvr>
-    <a:masterClrMapping/>
-  </p:clrMapOvr>
-</p:sld>
-</file>
-
-<file path=ppt/slides/slide2.xml><?xml version="1.0" encoding="utf-8"?>
-<p:sld xmlns:a="http://schemas.openxmlformats.org/drawingml/2006/main" xmlns:r="http://schemas.openxmlformats.org/officeDocument/2006/relationships" xmlns:p="http://schemas.openxmlformats.org/presentationml/2006/main">
-  <p:cSld>
-    <p:spTree>
-      <p:nvGrpSpPr>
-        <p:cNvPr id="1" name=""/>
-        <p:cNvGrpSpPr/>
-        <p:nvPr/>
-      </p:nvGrpSpPr>
-      <p:grpSpPr>
-        <a:xfrm>
-          <a:off x="0" y="0"/>
-          <a:ext cx="0" cy="0"/>
-          <a:chOff x="0" y="0"/>
-          <a:chExt cx="0" cy="0"/>
-        </a:xfrm>
-      </p:grpSpPr>
-      <p:sp>
-        <p:nvSpPr>
-          <p:cNvPr id="2" name="标题 1">
-            <a:extLst>
-              <a:ext uri="{FF2B5EF4-FFF2-40B4-BE49-F238E27FC236}">
-                <a16:creationId xmlns:a16="http://schemas.microsoft.com/office/drawing/2014/main" id="{87054DBD-165A-4AA1-A380-CE82DA72F87B}"/>
-              </a:ext>
-            </a:extLst>
-          </p:cNvPr>
-          <p:cNvSpPr>
-            <a:spLocks noGrp="1"/>
-          </p:cNvSpPr>
-          <p:nvPr>
-            <p:ph type="title"/>
-          </p:nvPr>
-        </p:nvSpPr>
-        <p:spPr/>
-        <p:txBody>
-          <a:bodyPr/>
-          <a:lstStyle/>
-          <a:p>
-            <a:r>
-              <a:rPr lang="zh-CN" altLang="en-US" dirty="0"/>
-              <a:t>加密算法</a:t>
-            </a:r>
-            <a:r>
-              <a:rPr lang="en-US" altLang="zh-CN" dirty="0"/>
-              <a:t>-</a:t>
-            </a:r>
-            <a:r>
-              <a:rPr lang="zh-CN" altLang="en-US" dirty="0"/>
-              <a:t>不可逆加密算法</a:t>
-            </a:r>
-          </a:p>
-        </p:txBody>
-      </p:sp>
-      <p:sp>
-        <p:nvSpPr>
-          <p:cNvPr id="3" name="内容占位符 2">
-            <a:extLst>
-              <a:ext uri="{FF2B5EF4-FFF2-40B4-BE49-F238E27FC236}">
-                <a16:creationId xmlns:a16="http://schemas.microsoft.com/office/drawing/2014/main" id="{DB4DC70D-FF38-49B9-96AE-13CFF37D13E2}"/>
-              </a:ext>
-            </a:extLst>
-          </p:cNvPr>
-          <p:cNvSpPr>
-            <a:spLocks noGrp="1"/>
-          </p:cNvSpPr>
-          <p:nvPr>
-            <p:ph idx="1"/>
-          </p:nvPr>
-        </p:nvSpPr>
-        <p:spPr/>
-        <p:txBody>
-          <a:bodyPr/>
-          <a:lstStyle/>
-          <a:p>
-            <a:r>
-              <a:rPr lang="en-US" altLang="zh-CN" dirty="0"/>
-              <a:t>MD5(2,4)</a:t>
-            </a:r>
-          </a:p>
-          <a:p>
-            <a:r>
-              <a:rPr lang="en-US" altLang="zh-CN" dirty="0"/>
-              <a:t>SHA1</a:t>
-            </a:r>
-            <a:endParaRPr lang="zh-CN" altLang="en-US" dirty="0"/>
-          </a:p>
-        </p:txBody>
-      </p:sp>
-    </p:spTree>
-    <p:extLst>
-      <p:ext uri="{BB962C8B-B14F-4D97-AF65-F5344CB8AC3E}">
-        <p14:creationId xmlns:p14="http://schemas.microsoft.com/office/powerpoint/2010/main" val="39834040"/>
-      </p:ext>
-    </p:extLst>
-  </p:cSld>
-  <p:clrMapOvr>
-    <a:masterClrMapping/>
-  </p:clrMapOvr>
-</p:sld>
-</file>
-
-<file path=ppt/slides/slide3.xml><?xml version="1.0" encoding="utf-8"?>
-<p:sld xmlns:a="http://schemas.openxmlformats.org/drawingml/2006/main" xmlns:r="http://schemas.openxmlformats.org/officeDocument/2006/relationships" xmlns:p="http://schemas.openxmlformats.org/presentationml/2006/main">
-  <p:cSld>
     <p:bg>
       <p:bgPr>
         <a:solidFill>
@@ -6775,7 +5724,7 @@
 </p:sld>
 </file>
 
-<file path=ppt/slides/slide4.xml><?xml version="1.0" encoding="utf-8"?>
+<file path=ppt/slides/slide10.xml><?xml version="1.0" encoding="utf-8"?>
 <p:sld xmlns:a="http://schemas.openxmlformats.org/drawingml/2006/main" xmlns:r="http://schemas.openxmlformats.org/officeDocument/2006/relationships" xmlns:p="http://schemas.openxmlformats.org/presentationml/2006/main">
   <p:cSld>
     <p:spTree>
@@ -6797,7 +5746,7 @@
           <p:cNvPr id="2" name="标题 1">
             <a:extLst>
               <a:ext uri="{FF2B5EF4-FFF2-40B4-BE49-F238E27FC236}">
-                <a16:creationId xmlns:a16="http://schemas.microsoft.com/office/drawing/2014/main" id="{A30531B7-98C1-44DA-9A56-C29F1EDF64F5}"/>
+                <a16:creationId xmlns:a16="http://schemas.microsoft.com/office/drawing/2014/main" id="{4CAA4358-635D-4E8D-9D5C-2309C83A9349}"/>
               </a:ext>
             </a:extLst>
           </p:cNvPr>
@@ -6808,20 +5757,28 @@
             <p:ph type="title"/>
           </p:nvPr>
         </p:nvSpPr>
-        <p:spPr/>
+        <p:spPr>
+          <a:xfrm>
+            <a:off x="665018" y="4488873"/>
+            <a:ext cx="8553594" cy="1505526"/>
+          </a:xfrm>
+        </p:spPr>
         <p:txBody>
           <a:bodyPr/>
           <a:lstStyle/>
           <a:p>
             <a:r>
               <a:rPr lang="zh-CN" altLang="en-US" dirty="0"/>
-              <a:t>对称加密算法</a:t>
-            </a:r>
-            <a:r>
-              <a:rPr lang="en-US" altLang="zh-CN" dirty="0"/>
-              <a:t>AES</a:t>
-            </a:r>
-            <a:endParaRPr lang="zh-CN" altLang="en-US" dirty="0"/>
+              <a:t>密钥探究</a:t>
+            </a:r>
+            <a:r>
+              <a:rPr lang="en-US" altLang="zh-CN" dirty="0"/>
+              <a:t>2 - </a:t>
+            </a:r>
+            <a:r>
+              <a:rPr lang="zh-CN" altLang="en-US" dirty="0"/>
+              <a:t>把秘钥文件的首行和末行去除并转化成十六进制格式</a:t>
+            </a:r>
           </a:p>
         </p:txBody>
       </p:sp>
@@ -6830,7 +5787,7 @@
           <p:cNvPr id="3" name="内容占位符 2">
             <a:extLst>
               <a:ext uri="{FF2B5EF4-FFF2-40B4-BE49-F238E27FC236}">
-                <a16:creationId xmlns:a16="http://schemas.microsoft.com/office/drawing/2014/main" id="{51D3EFD0-D460-403D-95E3-CEF22BF10949}"/>
+                <a16:creationId xmlns:a16="http://schemas.microsoft.com/office/drawing/2014/main" id="{D81E58D1-3320-4C97-9B3D-DB608B8EBC64}"/>
               </a:ext>
             </a:extLst>
           </p:cNvPr>
@@ -6843,17 +5800,98 @@
         </p:nvSpPr>
         <p:spPr/>
         <p:txBody>
-          <a:bodyPr/>
-          <a:lstStyle/>
-          <a:p>
-            <a:endParaRPr lang="zh-CN" altLang="en-US"/>
+          <a:bodyPr>
+            <a:normAutofit/>
+          </a:bodyPr>
+          <a:lstStyle/>
+          <a:p>
+            <a:r>
+              <a:rPr lang="en-US" altLang="zh-CN" dirty="0"/>
+              <a:t>cat </a:t>
+            </a:r>
+            <a:r>
+              <a:rPr lang="en-US" altLang="zh-CN" dirty="0" err="1"/>
+              <a:t>private_key.pem|sed</a:t>
+            </a:r>
+            <a:r>
+              <a:rPr lang="en-US" altLang="zh-CN" dirty="0"/>
+              <a:t> '1d'|sed '$</a:t>
+            </a:r>
+            <a:r>
+              <a:rPr lang="en-US" altLang="zh-CN" dirty="0" err="1"/>
+              <a:t>d'|openssl</a:t>
+            </a:r>
+            <a:r>
+              <a:rPr lang="en-US" altLang="zh-CN" dirty="0"/>
+              <a:t> base64 -</a:t>
+            </a:r>
+            <a:r>
+              <a:rPr lang="en-US" altLang="zh-CN" dirty="0" err="1"/>
+              <a:t>d|xxd|cut</a:t>
+            </a:r>
+            <a:r>
+              <a:rPr lang="en-US" altLang="zh-CN" dirty="0"/>
+              <a:t> -d' ' -f1-9&gt;private_key.txt </a:t>
+            </a:r>
+          </a:p>
+          <a:p>
+            <a:r>
+              <a:rPr lang="en-US" altLang="zh-CN" dirty="0"/>
+              <a:t>cat </a:t>
+            </a:r>
+            <a:r>
+              <a:rPr lang="en-US" altLang="zh-CN" dirty="0" err="1"/>
+              <a:t>public_key.pem|sed</a:t>
+            </a:r>
+            <a:r>
+              <a:rPr lang="en-US" altLang="zh-CN" dirty="0"/>
+              <a:t> '1d'|sed '$</a:t>
+            </a:r>
+            <a:r>
+              <a:rPr lang="en-US" altLang="zh-CN" dirty="0" err="1"/>
+              <a:t>d'|openssl</a:t>
+            </a:r>
+            <a:r>
+              <a:rPr lang="en-US" altLang="zh-CN" dirty="0"/>
+              <a:t> base64 -</a:t>
+            </a:r>
+            <a:r>
+              <a:rPr lang="en-US" altLang="zh-CN" dirty="0" err="1"/>
+              <a:t>d|xxd|cut</a:t>
+            </a:r>
+            <a:r>
+              <a:rPr lang="en-US" altLang="zh-CN" dirty="0"/>
+              <a:t> -d' ' -f1-9&gt;public_key.txt </a:t>
+            </a:r>
+          </a:p>
+          <a:p>
+            <a:r>
+              <a:rPr lang="en-US" altLang="zh-CN" dirty="0"/>
+              <a:t>cat pkcs1_public_key.pem|sed '1d'|sed '$</a:t>
+            </a:r>
+            <a:r>
+              <a:rPr lang="en-US" altLang="zh-CN" dirty="0" err="1"/>
+              <a:t>d'|openssl</a:t>
+            </a:r>
+            <a:r>
+              <a:rPr lang="en-US" altLang="zh-CN" dirty="0"/>
+              <a:t> base64 -</a:t>
+            </a:r>
+            <a:r>
+              <a:rPr lang="en-US" altLang="zh-CN" dirty="0" err="1"/>
+              <a:t>d|xxd|cut</a:t>
+            </a:r>
+            <a:r>
+              <a:rPr lang="en-US" altLang="zh-CN" dirty="0"/>
+              <a:t> -d' ' -f1-9&gt;pkcs1_public_key.txt</a:t>
+            </a:r>
           </a:p>
         </p:txBody>
       </p:sp>
     </p:spTree>
     <p:extLst>
       <p:ext uri="{BB962C8B-B14F-4D97-AF65-F5344CB8AC3E}">
-        <p14:creationId xmlns:p14="http://schemas.microsoft.com/office/powerpoint/2010/main" val="4051067173"/>
+        <p14:creationId xmlns:p14="http://schemas.microsoft.com/office/powerpoint/2010/main" val="438976715"/>
       </p:ext>
     </p:extLst>
   </p:cSld>
@@ -6863,7 +5901,7 @@
 </p:sld>
 </file>
 
-<file path=ppt/slides/slide5.xml><?xml version="1.0" encoding="utf-8"?>
+<file path=ppt/slides/slide11.xml><?xml version="1.0" encoding="utf-8"?>
 <p:sld xmlns:a="http://schemas.openxmlformats.org/drawingml/2006/main" xmlns:r="http://schemas.openxmlformats.org/officeDocument/2006/relationships" xmlns:p="http://schemas.openxmlformats.org/presentationml/2006/main">
   <p:cSld>
     <p:spTree>
@@ -6885,7 +5923,7 @@
           <p:cNvPr id="2" name="标题 1">
             <a:extLst>
               <a:ext uri="{FF2B5EF4-FFF2-40B4-BE49-F238E27FC236}">
-                <a16:creationId xmlns:a16="http://schemas.microsoft.com/office/drawing/2014/main" id="{00087748-F068-47EF-A2A1-BAC06F29A57C}"/>
+                <a16:creationId xmlns:a16="http://schemas.microsoft.com/office/drawing/2014/main" id="{581ED96A-6349-4ABF-8691-20ACB82B5BDA}"/>
               </a:ext>
             </a:extLst>
           </p:cNvPr>
@@ -6901,10 +5939,6 @@
           <a:bodyPr/>
           <a:lstStyle/>
           <a:p>
-            <a:r>
-              <a:rPr lang="en-US" altLang="zh-CN" dirty="0"/>
-              <a:t>DES 3DES</a:t>
-            </a:r>
             <a:endParaRPr lang="zh-CN" altLang="en-US" dirty="0"/>
           </a:p>
         </p:txBody>
@@ -6914,7 +5948,7 @@
           <p:cNvPr id="3" name="内容占位符 2">
             <a:extLst>
               <a:ext uri="{FF2B5EF4-FFF2-40B4-BE49-F238E27FC236}">
-                <a16:creationId xmlns:a16="http://schemas.microsoft.com/office/drawing/2014/main" id="{C5149929-B328-421D-A52B-40CDFA7C4523}"/>
+                <a16:creationId xmlns:a16="http://schemas.microsoft.com/office/drawing/2014/main" id="{53BF4286-E5A2-4679-B5E9-7F39CFAE65CC}"/>
               </a:ext>
             </a:extLst>
           </p:cNvPr>
@@ -6925,11 +5959,44 @@
             <p:ph idx="1"/>
           </p:nvPr>
         </p:nvSpPr>
-        <p:spPr/>
+        <p:spPr>
+          <a:xfrm>
+            <a:off x="684212" y="676564"/>
+            <a:ext cx="8534400" cy="3615267"/>
+          </a:xfrm>
+        </p:spPr>
         <p:txBody>
           <a:bodyPr/>
           <a:lstStyle/>
           <a:p>
+            <a:r>
+              <a:rPr lang="en-US" altLang="zh-CN" dirty="0"/>
+              <a:t>openssl </a:t>
+            </a:r>
+            <a:r>
+              <a:rPr lang="en-US" altLang="zh-CN" dirty="0" err="1"/>
+              <a:t>rsautl</a:t>
+            </a:r>
+            <a:r>
+              <a:rPr lang="en-US" altLang="zh-CN" dirty="0"/>
+              <a:t> -encrypt -in aa.txt -</a:t>
+            </a:r>
+            <a:r>
+              <a:rPr lang="en-US" altLang="zh-CN" dirty="0" err="1"/>
+              <a:t>inkey</a:t>
+            </a:r>
+            <a:r>
+              <a:rPr lang="en-US" altLang="zh-CN" dirty="0"/>
+              <a:t> </a:t>
+            </a:r>
+            <a:r>
+              <a:rPr lang="en-US" altLang="zh-CN" dirty="0" err="1"/>
+              <a:t>public_key.pem</a:t>
+            </a:r>
+            <a:r>
+              <a:rPr lang="en-US" altLang="zh-CN" dirty="0"/>
+              <a:t> -out enc.txt</a:t>
+            </a:r>
             <a:endParaRPr lang="zh-CN" altLang="en-US" dirty="0"/>
           </a:p>
         </p:txBody>
@@ -6937,7 +6004,7 @@
     </p:spTree>
     <p:extLst>
       <p:ext uri="{BB962C8B-B14F-4D97-AF65-F5344CB8AC3E}">
-        <p14:creationId xmlns:p14="http://schemas.microsoft.com/office/powerpoint/2010/main" val="2348762421"/>
+        <p14:creationId xmlns:p14="http://schemas.microsoft.com/office/powerpoint/2010/main" val="2596375783"/>
       </p:ext>
     </p:extLst>
   </p:cSld>
@@ -6947,7 +6014,7 @@
 </p:sld>
 </file>
 
-<file path=ppt/slides/slide6.xml><?xml version="1.0" encoding="utf-8"?>
+<file path=ppt/slides/slide12.xml><?xml version="1.0" encoding="utf-8"?>
 <p:sld xmlns:a="http://schemas.openxmlformats.org/drawingml/2006/main" xmlns:r="http://schemas.openxmlformats.org/officeDocument/2006/relationships" xmlns:p="http://schemas.openxmlformats.org/presentationml/2006/main">
   <p:cSld>
     <p:spTree>
@@ -6969,6 +6036,467 @@
           <p:cNvPr id="2" name="标题 1">
             <a:extLst>
               <a:ext uri="{FF2B5EF4-FFF2-40B4-BE49-F238E27FC236}">
+                <a16:creationId xmlns:a16="http://schemas.microsoft.com/office/drawing/2014/main" id="{2A8C7A7D-26A7-4A8F-980D-3D77A842CCC5}"/>
+              </a:ext>
+            </a:extLst>
+          </p:cNvPr>
+          <p:cNvSpPr>
+            <a:spLocks noGrp="1"/>
+          </p:cNvSpPr>
+          <p:nvPr>
+            <p:ph type="title"/>
+          </p:nvPr>
+        </p:nvSpPr>
+        <p:spPr/>
+        <p:txBody>
+          <a:bodyPr/>
+          <a:lstStyle/>
+          <a:p>
+            <a:r>
+              <a:rPr lang="zh-CN" altLang="en-US" dirty="0"/>
+              <a:t>密钥探究</a:t>
+            </a:r>
+            <a:r>
+              <a:rPr lang="en-US" altLang="zh-CN" dirty="0"/>
+              <a:t>3 - </a:t>
+            </a:r>
+            <a:r>
+              <a:rPr lang="zh-CN" altLang="en-US" dirty="0"/>
+              <a:t>十六进制格式私钥解析</a:t>
+            </a:r>
+          </a:p>
+        </p:txBody>
+      </p:sp>
+      <p:sp>
+        <p:nvSpPr>
+          <p:cNvPr id="3" name="内容占位符 2">
+            <a:extLst>
+              <a:ext uri="{FF2B5EF4-FFF2-40B4-BE49-F238E27FC236}">
+                <a16:creationId xmlns:a16="http://schemas.microsoft.com/office/drawing/2014/main" id="{C3B2A48C-C1E7-497B-BAF8-C546DD0D2D7C}"/>
+              </a:ext>
+            </a:extLst>
+          </p:cNvPr>
+          <p:cNvSpPr>
+            <a:spLocks noGrp="1"/>
+          </p:cNvSpPr>
+          <p:nvPr>
+            <p:ph idx="1"/>
+          </p:nvPr>
+        </p:nvSpPr>
+        <p:spPr/>
+        <p:txBody>
+          <a:bodyPr/>
+          <a:lstStyle/>
+          <a:p>
+            <a:endParaRPr lang="zh-CN" altLang="en-US" dirty="0"/>
+          </a:p>
+        </p:txBody>
+      </p:sp>
+    </p:spTree>
+    <p:extLst>
+      <p:ext uri="{BB962C8B-B14F-4D97-AF65-F5344CB8AC3E}">
+        <p14:creationId xmlns:p14="http://schemas.microsoft.com/office/powerpoint/2010/main" val="1671585727"/>
+      </p:ext>
+    </p:extLst>
+  </p:cSld>
+  <p:clrMapOvr>
+    <a:masterClrMapping/>
+  </p:clrMapOvr>
+</p:sld>
+</file>
+
+<file path=ppt/slides/slide13.xml><?xml version="1.0" encoding="utf-8"?>
+<p:sld xmlns:a="http://schemas.openxmlformats.org/drawingml/2006/main" xmlns:r="http://schemas.openxmlformats.org/officeDocument/2006/relationships" xmlns:p="http://schemas.openxmlformats.org/presentationml/2006/main">
+  <p:cSld>
+    <p:spTree>
+      <p:nvGrpSpPr>
+        <p:cNvPr id="1" name=""/>
+        <p:cNvGrpSpPr/>
+        <p:nvPr/>
+      </p:nvGrpSpPr>
+      <p:grpSpPr>
+        <a:xfrm>
+          <a:off x="0" y="0"/>
+          <a:ext cx="0" cy="0"/>
+          <a:chOff x="0" y="0"/>
+          <a:chExt cx="0" cy="0"/>
+        </a:xfrm>
+      </p:grpSpPr>
+      <p:sp>
+        <p:nvSpPr>
+          <p:cNvPr id="2" name="标题 1">
+            <a:extLst>
+              <a:ext uri="{FF2B5EF4-FFF2-40B4-BE49-F238E27FC236}">
+                <a16:creationId xmlns:a16="http://schemas.microsoft.com/office/drawing/2014/main" id="{3DB46A94-2485-41D0-B80E-7B5EB97F8C2D}"/>
+              </a:ext>
+            </a:extLst>
+          </p:cNvPr>
+          <p:cNvSpPr>
+            <a:spLocks noGrp="1"/>
+          </p:cNvSpPr>
+          <p:nvPr>
+            <p:ph type="title"/>
+          </p:nvPr>
+        </p:nvSpPr>
+        <p:spPr/>
+        <p:txBody>
+          <a:bodyPr/>
+          <a:lstStyle/>
+          <a:p>
+            <a:r>
+              <a:rPr lang="en-US" altLang="zh-CN" dirty="0"/>
+              <a:t>RSA</a:t>
+            </a:r>
+            <a:r>
+              <a:rPr lang="zh-CN" altLang="en-US" dirty="0"/>
+              <a:t>加密过程</a:t>
+            </a:r>
+          </a:p>
+        </p:txBody>
+      </p:sp>
+      <p:sp>
+        <p:nvSpPr>
+          <p:cNvPr id="3" name="内容占位符 2">
+            <a:extLst>
+              <a:ext uri="{FF2B5EF4-FFF2-40B4-BE49-F238E27FC236}">
+                <a16:creationId xmlns:a16="http://schemas.microsoft.com/office/drawing/2014/main" id="{7C0ECCA3-CA7E-42EA-903C-39573ABE95E5}"/>
+              </a:ext>
+            </a:extLst>
+          </p:cNvPr>
+          <p:cNvSpPr>
+            <a:spLocks noGrp="1"/>
+          </p:cNvSpPr>
+          <p:nvPr>
+            <p:ph idx="1"/>
+          </p:nvPr>
+        </p:nvSpPr>
+        <p:spPr/>
+        <p:txBody>
+          <a:bodyPr/>
+          <a:lstStyle/>
+          <a:p>
+            <a:endParaRPr lang="zh-CN" altLang="en-US"/>
+          </a:p>
+        </p:txBody>
+      </p:sp>
+    </p:spTree>
+    <p:extLst>
+      <p:ext uri="{BB962C8B-B14F-4D97-AF65-F5344CB8AC3E}">
+        <p14:creationId xmlns:p14="http://schemas.microsoft.com/office/powerpoint/2010/main" val="1192788248"/>
+      </p:ext>
+    </p:extLst>
+  </p:cSld>
+  <p:clrMapOvr>
+    <a:masterClrMapping/>
+  </p:clrMapOvr>
+</p:sld>
+</file>
+
+<file path=ppt/slides/slide14.xml><?xml version="1.0" encoding="utf-8"?>
+<p:sld xmlns:a="http://schemas.openxmlformats.org/drawingml/2006/main" xmlns:r="http://schemas.openxmlformats.org/officeDocument/2006/relationships" xmlns:p="http://schemas.openxmlformats.org/presentationml/2006/main">
+  <p:cSld>
+    <p:spTree>
+      <p:nvGrpSpPr>
+        <p:cNvPr id="1" name=""/>
+        <p:cNvGrpSpPr/>
+        <p:nvPr/>
+      </p:nvGrpSpPr>
+      <p:grpSpPr>
+        <a:xfrm>
+          <a:off x="0" y="0"/>
+          <a:ext cx="0" cy="0"/>
+          <a:chOff x="0" y="0"/>
+          <a:chExt cx="0" cy="0"/>
+        </a:xfrm>
+      </p:grpSpPr>
+      <p:sp>
+        <p:nvSpPr>
+          <p:cNvPr id="2" name="标题 1">
+            <a:extLst>
+              <a:ext uri="{FF2B5EF4-FFF2-40B4-BE49-F238E27FC236}">
+                <a16:creationId xmlns:a16="http://schemas.microsoft.com/office/drawing/2014/main" id="{7DF2AEDB-D71E-444A-BCBF-8CCE3CDB75CB}"/>
+              </a:ext>
+            </a:extLst>
+          </p:cNvPr>
+          <p:cNvSpPr>
+            <a:spLocks noGrp="1"/>
+          </p:cNvSpPr>
+          <p:nvPr>
+            <p:ph type="title"/>
+          </p:nvPr>
+        </p:nvSpPr>
+        <p:spPr/>
+        <p:txBody>
+          <a:bodyPr/>
+          <a:lstStyle/>
+          <a:p>
+            <a:r>
+              <a:rPr lang="en-US" altLang="zh-CN" dirty="0"/>
+              <a:t>RSA</a:t>
+            </a:r>
+            <a:r>
+              <a:rPr lang="zh-CN" altLang="en-US" dirty="0"/>
+              <a:t>解密过程</a:t>
+            </a:r>
+          </a:p>
+        </p:txBody>
+      </p:sp>
+      <p:sp>
+        <p:nvSpPr>
+          <p:cNvPr id="3" name="内容占位符 2">
+            <a:extLst>
+              <a:ext uri="{FF2B5EF4-FFF2-40B4-BE49-F238E27FC236}">
+                <a16:creationId xmlns:a16="http://schemas.microsoft.com/office/drawing/2014/main" id="{658485E9-80D9-4F3B-80FE-28837A74741E}"/>
+              </a:ext>
+            </a:extLst>
+          </p:cNvPr>
+          <p:cNvSpPr>
+            <a:spLocks noGrp="1"/>
+          </p:cNvSpPr>
+          <p:nvPr>
+            <p:ph idx="1"/>
+          </p:nvPr>
+        </p:nvSpPr>
+        <p:spPr/>
+        <p:txBody>
+          <a:bodyPr/>
+          <a:lstStyle/>
+          <a:p>
+            <a:endParaRPr lang="zh-CN" altLang="en-US"/>
+          </a:p>
+        </p:txBody>
+      </p:sp>
+    </p:spTree>
+    <p:extLst>
+      <p:ext uri="{BB962C8B-B14F-4D97-AF65-F5344CB8AC3E}">
+        <p14:creationId xmlns:p14="http://schemas.microsoft.com/office/powerpoint/2010/main" val="522223174"/>
+      </p:ext>
+    </p:extLst>
+  </p:cSld>
+  <p:clrMapOvr>
+    <a:masterClrMapping/>
+  </p:clrMapOvr>
+</p:sld>
+</file>
+
+<file path=ppt/slides/slide15.xml><?xml version="1.0" encoding="utf-8"?>
+<p:sld xmlns:a="http://schemas.openxmlformats.org/drawingml/2006/main" xmlns:r="http://schemas.openxmlformats.org/officeDocument/2006/relationships" xmlns:p="http://schemas.openxmlformats.org/presentationml/2006/main">
+  <p:cSld>
+    <p:spTree>
+      <p:nvGrpSpPr>
+        <p:cNvPr id="1" name=""/>
+        <p:cNvGrpSpPr/>
+        <p:nvPr/>
+      </p:nvGrpSpPr>
+      <p:grpSpPr>
+        <a:xfrm>
+          <a:off x="0" y="0"/>
+          <a:ext cx="0" cy="0"/>
+          <a:chOff x="0" y="0"/>
+          <a:chExt cx="0" cy="0"/>
+        </a:xfrm>
+      </p:grpSpPr>
+      <p:sp>
+        <p:nvSpPr>
+          <p:cNvPr id="2" name="标题 1">
+            <a:extLst>
+              <a:ext uri="{FF2B5EF4-FFF2-40B4-BE49-F238E27FC236}">
+                <a16:creationId xmlns:a16="http://schemas.microsoft.com/office/drawing/2014/main" id="{0EDBC727-0C3B-4C7D-93B9-EE4D29204EFB}"/>
+              </a:ext>
+            </a:extLst>
+          </p:cNvPr>
+          <p:cNvSpPr>
+            <a:spLocks noGrp="1"/>
+          </p:cNvSpPr>
+          <p:nvPr>
+            <p:ph type="title"/>
+          </p:nvPr>
+        </p:nvSpPr>
+        <p:spPr/>
+        <p:txBody>
+          <a:bodyPr/>
+          <a:lstStyle/>
+          <a:p>
+            <a:r>
+              <a:rPr lang="en-US" altLang="zh-CN" dirty="0"/>
+              <a:t>Php 7.1</a:t>
+            </a:r>
+            <a:r>
+              <a:rPr lang="zh-CN" altLang="en-US" dirty="0"/>
+              <a:t>及以后 </a:t>
+            </a:r>
+            <a:r>
+              <a:rPr lang="en-US" altLang="zh-CN" dirty="0" err="1"/>
+              <a:t>openssl</a:t>
+            </a:r>
+            <a:r>
+              <a:rPr lang="zh-CN" altLang="en-US" dirty="0"/>
+              <a:t>加密解密</a:t>
+            </a:r>
+          </a:p>
+        </p:txBody>
+      </p:sp>
+      <p:sp>
+        <p:nvSpPr>
+          <p:cNvPr id="3" name="内容占位符 2">
+            <a:extLst>
+              <a:ext uri="{FF2B5EF4-FFF2-40B4-BE49-F238E27FC236}">
+                <a16:creationId xmlns:a16="http://schemas.microsoft.com/office/drawing/2014/main" id="{F6C71CE3-E938-4A5E-A780-6143DD2D09B7}"/>
+              </a:ext>
+            </a:extLst>
+          </p:cNvPr>
+          <p:cNvSpPr>
+            <a:spLocks noGrp="1"/>
+          </p:cNvSpPr>
+          <p:nvPr>
+            <p:ph idx="1"/>
+          </p:nvPr>
+        </p:nvSpPr>
+        <p:spPr/>
+        <p:txBody>
+          <a:bodyPr/>
+          <a:lstStyle/>
+          <a:p>
+            <a:endParaRPr lang="en-US" altLang="zh-CN" dirty="0"/>
+          </a:p>
+          <a:p>
+            <a:endParaRPr lang="zh-CN" altLang="en-US" dirty="0"/>
+          </a:p>
+        </p:txBody>
+      </p:sp>
+    </p:spTree>
+    <p:extLst>
+      <p:ext uri="{BB962C8B-B14F-4D97-AF65-F5344CB8AC3E}">
+        <p14:creationId xmlns:p14="http://schemas.microsoft.com/office/powerpoint/2010/main" val="1868583"/>
+      </p:ext>
+    </p:extLst>
+  </p:cSld>
+  <p:clrMapOvr>
+    <a:masterClrMapping/>
+  </p:clrMapOvr>
+</p:sld>
+</file>
+
+<file path=ppt/slides/slide16.xml><?xml version="1.0" encoding="utf-8"?>
+<p:sld xmlns:a="http://schemas.openxmlformats.org/drawingml/2006/main" xmlns:r="http://schemas.openxmlformats.org/officeDocument/2006/relationships" xmlns:p="http://schemas.openxmlformats.org/presentationml/2006/main">
+  <p:cSld>
+    <p:spTree>
+      <p:nvGrpSpPr>
+        <p:cNvPr id="1" name=""/>
+        <p:cNvGrpSpPr/>
+        <p:nvPr/>
+      </p:nvGrpSpPr>
+      <p:grpSpPr>
+        <a:xfrm>
+          <a:off x="0" y="0"/>
+          <a:ext cx="0" cy="0"/>
+          <a:chOff x="0" y="0"/>
+          <a:chExt cx="0" cy="0"/>
+        </a:xfrm>
+      </p:grpSpPr>
+      <p:sp>
+        <p:nvSpPr>
+          <p:cNvPr id="2" name="标题 1">
+            <a:extLst>
+              <a:ext uri="{FF2B5EF4-FFF2-40B4-BE49-F238E27FC236}">
+                <a16:creationId xmlns:a16="http://schemas.microsoft.com/office/drawing/2014/main" id="{33536363-DEE7-4A9C-AFB9-C6D984D94FB6}"/>
+              </a:ext>
+            </a:extLst>
+          </p:cNvPr>
+          <p:cNvSpPr>
+            <a:spLocks noGrp="1"/>
+          </p:cNvSpPr>
+          <p:nvPr>
+            <p:ph type="title"/>
+          </p:nvPr>
+        </p:nvSpPr>
+        <p:spPr/>
+        <p:txBody>
+          <a:bodyPr/>
+          <a:lstStyle/>
+          <a:p>
+            <a:r>
+              <a:rPr lang="zh-CN" altLang="en-US" dirty="0"/>
+              <a:t>填充方式</a:t>
+            </a:r>
+          </a:p>
+        </p:txBody>
+      </p:sp>
+      <p:sp>
+        <p:nvSpPr>
+          <p:cNvPr id="3" name="内容占位符 2">
+            <a:extLst>
+              <a:ext uri="{FF2B5EF4-FFF2-40B4-BE49-F238E27FC236}">
+                <a16:creationId xmlns:a16="http://schemas.microsoft.com/office/drawing/2014/main" id="{61534AB0-03EA-451F-AC1A-BFD89068442C}"/>
+              </a:ext>
+            </a:extLst>
+          </p:cNvPr>
+          <p:cNvSpPr>
+            <a:spLocks noGrp="1"/>
+          </p:cNvSpPr>
+          <p:nvPr>
+            <p:ph idx="1"/>
+          </p:nvPr>
+        </p:nvSpPr>
+        <p:spPr/>
+        <p:txBody>
+          <a:bodyPr/>
+          <a:lstStyle/>
+          <a:p>
+            <a:r>
+              <a:rPr lang="en-US" altLang="zh-CN" dirty="0"/>
+              <a:t>NOPADDING</a:t>
+            </a:r>
+          </a:p>
+          <a:p>
+            <a:r>
+              <a:rPr lang="en-US" altLang="zh-CN" dirty="0"/>
+              <a:t>PKCS5</a:t>
+            </a:r>
+          </a:p>
+          <a:p>
+            <a:r>
+              <a:rPr lang="en-US" altLang="zh-CN" dirty="0"/>
+              <a:t>PKCS7</a:t>
+            </a:r>
+          </a:p>
+        </p:txBody>
+      </p:sp>
+    </p:spTree>
+    <p:extLst>
+      <p:ext uri="{BB962C8B-B14F-4D97-AF65-F5344CB8AC3E}">
+        <p14:creationId xmlns:p14="http://schemas.microsoft.com/office/powerpoint/2010/main" val="2233621875"/>
+      </p:ext>
+    </p:extLst>
+  </p:cSld>
+  <p:clrMapOvr>
+    <a:masterClrMapping/>
+  </p:clrMapOvr>
+</p:sld>
+</file>
+
+<file path=ppt/slides/slide2.xml><?xml version="1.0" encoding="utf-8"?>
+<p:sld xmlns:a="http://schemas.openxmlformats.org/drawingml/2006/main" xmlns:r="http://schemas.openxmlformats.org/officeDocument/2006/relationships" xmlns:p="http://schemas.openxmlformats.org/presentationml/2006/main">
+  <p:cSld>
+    <p:spTree>
+      <p:nvGrpSpPr>
+        <p:cNvPr id="1" name=""/>
+        <p:cNvGrpSpPr/>
+        <p:nvPr/>
+      </p:nvGrpSpPr>
+      <p:grpSpPr>
+        <a:xfrm>
+          <a:off x="0" y="0"/>
+          <a:ext cx="0" cy="0"/>
+          <a:chOff x="0" y="0"/>
+          <a:chExt cx="0" cy="0"/>
+        </a:xfrm>
+      </p:grpSpPr>
+      <p:sp>
+        <p:nvSpPr>
+          <p:cNvPr id="2" name="标题 1">
+            <a:extLst>
+              <a:ext uri="{FF2B5EF4-FFF2-40B4-BE49-F238E27FC236}">
                 <a16:creationId xmlns:a16="http://schemas.microsoft.com/office/drawing/2014/main" id="{3E37D89F-557C-4579-A6C2-7CFC2D550796}"/>
               </a:ext>
             </a:extLst>
@@ -7570,7 +7098,7 @@
 </p:sld>
 </file>
 
-<file path=ppt/slides/slide7.xml><?xml version="1.0" encoding="utf-8"?>
+<file path=ppt/slides/slide3.xml><?xml version="1.0" encoding="utf-8"?>
 <p:sld xmlns:a="http://schemas.openxmlformats.org/drawingml/2006/main" xmlns:r="http://schemas.openxmlformats.org/officeDocument/2006/relationships" xmlns:p="http://schemas.openxmlformats.org/presentationml/2006/main">
   <p:cSld>
     <p:spTree>
@@ -7894,6 +7422,901 @@
 </p:sld>
 </file>
 
+<file path=ppt/slides/slide4.xml><?xml version="1.0" encoding="utf-8"?>
+<p:sld xmlns:a="http://schemas.openxmlformats.org/drawingml/2006/main" xmlns:r="http://schemas.openxmlformats.org/officeDocument/2006/relationships" xmlns:p="http://schemas.openxmlformats.org/presentationml/2006/main">
+  <p:cSld>
+    <p:spTree>
+      <p:nvGrpSpPr>
+        <p:cNvPr id="1" name=""/>
+        <p:cNvGrpSpPr/>
+        <p:nvPr/>
+      </p:nvGrpSpPr>
+      <p:grpSpPr>
+        <a:xfrm>
+          <a:off x="0" y="0"/>
+          <a:ext cx="0" cy="0"/>
+          <a:chOff x="0" y="0"/>
+          <a:chExt cx="0" cy="0"/>
+        </a:xfrm>
+      </p:grpSpPr>
+      <p:sp>
+        <p:nvSpPr>
+          <p:cNvPr id="2" name="标题 1">
+            <a:extLst>
+              <a:ext uri="{FF2B5EF4-FFF2-40B4-BE49-F238E27FC236}">
+                <a16:creationId xmlns:a16="http://schemas.microsoft.com/office/drawing/2014/main" id="{E630FA8B-69E3-445F-98AD-6C1CB101ED37}"/>
+              </a:ext>
+            </a:extLst>
+          </p:cNvPr>
+          <p:cNvSpPr>
+            <a:spLocks noGrp="1"/>
+          </p:cNvSpPr>
+          <p:nvPr>
+            <p:ph type="title"/>
+          </p:nvPr>
+        </p:nvSpPr>
+        <p:spPr/>
+        <p:txBody>
+          <a:bodyPr/>
+          <a:lstStyle/>
+          <a:p>
+            <a:r>
+              <a:rPr lang="en-US" altLang="zh-CN" dirty="0"/>
+              <a:t>RSA</a:t>
+            </a:r>
+            <a:r>
+              <a:rPr lang="zh-CN" altLang="en-US" dirty="0"/>
+              <a:t>加解密算法数学基础</a:t>
+            </a:r>
+            <a:r>
+              <a:rPr lang="en-US" altLang="zh-CN" dirty="0"/>
+              <a:t>3 – </a:t>
+            </a:r>
+            <a:r>
+              <a:rPr lang="zh-CN" altLang="en-US" dirty="0"/>
+              <a:t>模反元素</a:t>
+            </a:r>
+          </a:p>
+        </p:txBody>
+      </p:sp>
+      <p:sp>
+        <p:nvSpPr>
+          <p:cNvPr id="3" name="内容占位符 2">
+            <a:extLst>
+              <a:ext uri="{FF2B5EF4-FFF2-40B4-BE49-F238E27FC236}">
+                <a16:creationId xmlns:a16="http://schemas.microsoft.com/office/drawing/2014/main" id="{86ACB5E1-3405-4493-897D-64C50A662FFD}"/>
+              </a:ext>
+            </a:extLst>
+          </p:cNvPr>
+          <p:cNvSpPr>
+            <a:spLocks noGrp="1"/>
+          </p:cNvSpPr>
+          <p:nvPr>
+            <p:ph idx="1"/>
+          </p:nvPr>
+        </p:nvSpPr>
+        <p:spPr/>
+        <p:txBody>
+          <a:bodyPr/>
+          <a:lstStyle/>
+          <a:p>
+            <a:r>
+              <a:rPr lang="zh-CN" altLang="en-US" dirty="0"/>
+              <a:t>模反元素：指有一个整数</a:t>
+            </a:r>
+            <a:r>
+              <a:rPr lang="en-US" altLang="zh-CN" dirty="0"/>
+              <a:t>d</a:t>
+            </a:r>
+            <a:r>
+              <a:rPr lang="zh-CN" altLang="en-US" dirty="0"/>
+              <a:t>，可以使得</a:t>
+            </a:r>
+            <a:r>
+              <a:rPr lang="en-US" altLang="zh-CN" dirty="0"/>
+              <a:t>ed</a:t>
+            </a:r>
+            <a:r>
+              <a:rPr lang="zh-CN" altLang="en-US" dirty="0"/>
+              <a:t>被</a:t>
+            </a:r>
+            <a:r>
+              <a:rPr lang="en-US" altLang="zh-CN" dirty="0"/>
+              <a:t>φ(n)</a:t>
+            </a:r>
+            <a:r>
+              <a:rPr lang="zh-CN" altLang="en-US" dirty="0"/>
+              <a:t>除的余数为</a:t>
+            </a:r>
+            <a:r>
+              <a:rPr lang="en-US" altLang="zh-CN" dirty="0"/>
+              <a:t>1</a:t>
+            </a:r>
+          </a:p>
+          <a:p>
+            <a:r>
+              <a:rPr lang="en-US" altLang="zh-CN" dirty="0"/>
+              <a:t>ed ≡ 1 (mod </a:t>
+            </a:r>
+            <a:r>
+              <a:rPr lang="el-GR" altLang="zh-CN" dirty="0"/>
+              <a:t>φ(</a:t>
+            </a:r>
+            <a:r>
+              <a:rPr lang="en-US" altLang="zh-CN" dirty="0"/>
+              <a:t>n))</a:t>
+            </a:r>
+            <a:endParaRPr lang="zh-CN" altLang="en-US" dirty="0"/>
+          </a:p>
+        </p:txBody>
+      </p:sp>
+    </p:spTree>
+    <p:extLst>
+      <p:ext uri="{BB962C8B-B14F-4D97-AF65-F5344CB8AC3E}">
+        <p14:creationId xmlns:p14="http://schemas.microsoft.com/office/powerpoint/2010/main" val="2255990305"/>
+      </p:ext>
+    </p:extLst>
+  </p:cSld>
+  <p:clrMapOvr>
+    <a:masterClrMapping/>
+  </p:clrMapOvr>
+</p:sld>
+</file>
+
+<file path=ppt/slides/slide5.xml><?xml version="1.0" encoding="utf-8"?>
+<p:sld xmlns:a="http://schemas.openxmlformats.org/drawingml/2006/main" xmlns:r="http://schemas.openxmlformats.org/officeDocument/2006/relationships" xmlns:p="http://schemas.openxmlformats.org/presentationml/2006/main">
+  <p:cSld>
+    <p:spTree>
+      <p:nvGrpSpPr>
+        <p:cNvPr id="1" name=""/>
+        <p:cNvGrpSpPr/>
+        <p:nvPr/>
+      </p:nvGrpSpPr>
+      <p:grpSpPr>
+        <a:xfrm>
+          <a:off x="0" y="0"/>
+          <a:ext cx="0" cy="0"/>
+          <a:chOff x="0" y="0"/>
+          <a:chExt cx="0" cy="0"/>
+        </a:xfrm>
+      </p:grpSpPr>
+      <p:sp>
+        <p:nvSpPr>
+          <p:cNvPr id="2" name="标题 1">
+            <a:extLst>
+              <a:ext uri="{FF2B5EF4-FFF2-40B4-BE49-F238E27FC236}">
+                <a16:creationId xmlns:a16="http://schemas.microsoft.com/office/drawing/2014/main" id="{6A473F79-4152-4804-8D9F-A6F8EC2FB03C}"/>
+              </a:ext>
+            </a:extLst>
+          </p:cNvPr>
+          <p:cNvSpPr>
+            <a:spLocks noGrp="1"/>
+          </p:cNvSpPr>
+          <p:nvPr>
+            <p:ph type="title"/>
+          </p:nvPr>
+        </p:nvSpPr>
+        <p:spPr/>
+        <p:txBody>
+          <a:bodyPr/>
+          <a:lstStyle/>
+          <a:p>
+            <a:r>
+              <a:rPr lang="en-US" altLang="zh-CN" dirty="0"/>
+              <a:t>RSA</a:t>
+            </a:r>
+            <a:r>
+              <a:rPr lang="zh-CN" altLang="en-US" dirty="0"/>
+              <a:t>加解密算法数学基础</a:t>
+            </a:r>
+            <a:r>
+              <a:rPr lang="en-US" altLang="zh-CN" dirty="0"/>
+              <a:t>4 – A pow m % n </a:t>
+            </a:r>
+            <a:r>
+              <a:rPr lang="zh-CN" altLang="en-US" dirty="0"/>
+              <a:t>求解方法</a:t>
+            </a:r>
+          </a:p>
+        </p:txBody>
+      </p:sp>
+      <p:sp>
+        <p:nvSpPr>
+          <p:cNvPr id="3" name="内容占位符 2">
+            <a:extLst>
+              <a:ext uri="{FF2B5EF4-FFF2-40B4-BE49-F238E27FC236}">
+                <a16:creationId xmlns:a16="http://schemas.microsoft.com/office/drawing/2014/main" id="{5DA088B0-3281-4755-97D0-641D0F224EEE}"/>
+              </a:ext>
+            </a:extLst>
+          </p:cNvPr>
+          <p:cNvSpPr>
+            <a:spLocks noGrp="1"/>
+          </p:cNvSpPr>
+          <p:nvPr>
+            <p:ph idx="1"/>
+          </p:nvPr>
+        </p:nvSpPr>
+        <p:spPr/>
+        <p:txBody>
+          <a:bodyPr>
+            <a:normAutofit fontScale="92500" lnSpcReduction="10000"/>
+          </a:bodyPr>
+          <a:lstStyle/>
+          <a:p>
+            <a:r>
+              <a:rPr lang="zh-CN" altLang="en-US" dirty="0"/>
+              <a:t>方法一 直接计算</a:t>
+            </a:r>
+            <a:endParaRPr lang="en-US" altLang="zh-CN" dirty="0"/>
+          </a:p>
+          <a:p>
+            <a:pPr marL="0" indent="0">
+              <a:buNone/>
+            </a:pPr>
+            <a:r>
+              <a:rPr lang="en-US" altLang="zh-CN" dirty="0"/>
+              <a:t>	</a:t>
+            </a:r>
+            <a:r>
+              <a:rPr lang="zh-CN" altLang="en-US" dirty="0"/>
+              <a:t>运算量大 </a:t>
+            </a:r>
+            <a:r>
+              <a:rPr lang="en-US" altLang="zh-CN" dirty="0"/>
+              <a:t>&amp;</a:t>
+            </a:r>
+            <a:r>
+              <a:rPr lang="zh-CN" altLang="en-US" dirty="0"/>
+              <a:t> 超范围</a:t>
+            </a:r>
+            <a:endParaRPr lang="en-US" altLang="zh-CN" dirty="0"/>
+          </a:p>
+          <a:p>
+            <a:r>
+              <a:rPr lang="zh-CN" altLang="en-US" dirty="0"/>
+              <a:t>方法二 利用 模性质计算 快速指数算法</a:t>
+            </a:r>
+            <a:endParaRPr lang="en-US" altLang="zh-CN" dirty="0"/>
+          </a:p>
+          <a:p>
+            <a:pPr marL="0" indent="0">
+              <a:buNone/>
+            </a:pPr>
+            <a:r>
+              <a:rPr lang="en-US" altLang="zh-CN" dirty="0"/>
+              <a:t>	</a:t>
+            </a:r>
+            <a:r>
+              <a:rPr lang="zh-CN" altLang="en-US" dirty="0"/>
+              <a:t>（</a:t>
+            </a:r>
+            <a:r>
+              <a:rPr lang="en-US" altLang="zh-CN" dirty="0"/>
+              <a:t>A * B</a:t>
+            </a:r>
+            <a:r>
+              <a:rPr lang="zh-CN" altLang="en-US" dirty="0"/>
+              <a:t>）</a:t>
+            </a:r>
+            <a:r>
+              <a:rPr lang="en-US" altLang="zh-CN" dirty="0"/>
+              <a:t>mod N = </a:t>
+            </a:r>
+            <a:r>
+              <a:rPr lang="zh-CN" altLang="en-US" dirty="0"/>
+              <a:t>（</a:t>
+            </a:r>
+            <a:r>
+              <a:rPr lang="en-US" altLang="zh-CN" dirty="0"/>
+              <a:t>A mod N * B mod N</a:t>
+            </a:r>
+            <a:r>
+              <a:rPr lang="zh-CN" altLang="en-US" dirty="0"/>
+              <a:t>）</a:t>
+            </a:r>
+            <a:r>
+              <a:rPr lang="en-US" altLang="zh-CN" dirty="0"/>
+              <a:t>mod N</a:t>
+            </a:r>
+          </a:p>
+          <a:p>
+            <a:pPr marL="0" indent="0">
+              <a:buNone/>
+            </a:pPr>
+            <a:r>
+              <a:rPr lang="en-US" altLang="zh-CN" dirty="0"/>
+              <a:t>	for</a:t>
+            </a:r>
+            <a:r>
+              <a:rPr lang="zh-CN" altLang="en-US" dirty="0"/>
+              <a:t>（</a:t>
+            </a:r>
+            <a:r>
+              <a:rPr lang="en-US" altLang="zh-CN" dirty="0"/>
+              <a:t>$</a:t>
+            </a:r>
+            <a:r>
+              <a:rPr lang="en-US" altLang="zh-CN" dirty="0" err="1"/>
+              <a:t>i</a:t>
+            </a:r>
+            <a:r>
+              <a:rPr lang="en-US" altLang="zh-CN" dirty="0"/>
+              <a:t> = k;$</a:t>
+            </a:r>
+            <a:r>
+              <a:rPr lang="en-US" altLang="zh-CN" dirty="0" err="1"/>
+              <a:t>i</a:t>
+            </a:r>
+            <a:r>
+              <a:rPr lang="en-US" altLang="zh-CN" dirty="0"/>
+              <a:t>&gt;=0;$</a:t>
+            </a:r>
+            <a:r>
+              <a:rPr lang="en-US" altLang="zh-CN" dirty="0" err="1"/>
+              <a:t>i</a:t>
+            </a:r>
+            <a:r>
+              <a:rPr lang="en-US" altLang="zh-CN" dirty="0"/>
+              <a:t>--</a:t>
+            </a:r>
+            <a:r>
+              <a:rPr lang="zh-CN" altLang="en-US" dirty="0"/>
+              <a:t>）</a:t>
+            </a:r>
+            <a:endParaRPr lang="en-US" altLang="zh-CN" dirty="0"/>
+          </a:p>
+          <a:p>
+            <a:pPr marL="0" indent="0">
+              <a:buNone/>
+            </a:pPr>
+            <a:r>
+              <a:rPr lang="en-US" altLang="zh-CN" dirty="0"/>
+              <a:t>	{</a:t>
+            </a:r>
+          </a:p>
+          <a:p>
+            <a:pPr marL="0" indent="0">
+              <a:buNone/>
+            </a:pPr>
+            <a:r>
+              <a:rPr lang="en-US" altLang="zh-CN" dirty="0"/>
+              <a:t>		d = (d * d) mod n;</a:t>
+            </a:r>
+          </a:p>
+          <a:p>
+            <a:pPr marL="0" indent="0">
+              <a:buNone/>
+            </a:pPr>
+            <a:r>
+              <a:rPr lang="en-US" altLang="zh-CN" dirty="0"/>
+              <a:t>		if(bi == 0) d = (d * a) mod n;</a:t>
+            </a:r>
+          </a:p>
+          <a:p>
+            <a:pPr marL="0" indent="0">
+              <a:buNone/>
+            </a:pPr>
+            <a:r>
+              <a:rPr lang="en-US" altLang="zh-CN" dirty="0"/>
+              <a:t>	}</a:t>
+            </a:r>
+          </a:p>
+        </p:txBody>
+      </p:sp>
+    </p:spTree>
+    <p:extLst>
+      <p:ext uri="{BB962C8B-B14F-4D97-AF65-F5344CB8AC3E}">
+        <p14:creationId xmlns:p14="http://schemas.microsoft.com/office/powerpoint/2010/main" val="3680590292"/>
+      </p:ext>
+    </p:extLst>
+  </p:cSld>
+  <p:clrMapOvr>
+    <a:masterClrMapping/>
+  </p:clrMapOvr>
+</p:sld>
+</file>
+
+<file path=ppt/slides/slide6.xml><?xml version="1.0" encoding="utf-8"?>
+<p:sld xmlns:a="http://schemas.openxmlformats.org/drawingml/2006/main" xmlns:r="http://schemas.openxmlformats.org/officeDocument/2006/relationships" xmlns:p="http://schemas.openxmlformats.org/presentationml/2006/main">
+  <p:cSld>
+    <p:spTree>
+      <p:nvGrpSpPr>
+        <p:cNvPr id="1" name=""/>
+        <p:cNvGrpSpPr/>
+        <p:nvPr/>
+      </p:nvGrpSpPr>
+      <p:grpSpPr>
+        <a:xfrm>
+          <a:off x="0" y="0"/>
+          <a:ext cx="0" cy="0"/>
+          <a:chOff x="0" y="0"/>
+          <a:chExt cx="0" cy="0"/>
+        </a:xfrm>
+      </p:grpSpPr>
+      <p:sp>
+        <p:nvSpPr>
+          <p:cNvPr id="2" name="标题 1">
+            <a:extLst>
+              <a:ext uri="{FF2B5EF4-FFF2-40B4-BE49-F238E27FC236}">
+                <a16:creationId xmlns:a16="http://schemas.microsoft.com/office/drawing/2014/main" id="{3C344075-08E6-4974-A3D1-7E1E3ED5F58E}"/>
+              </a:ext>
+            </a:extLst>
+          </p:cNvPr>
+          <p:cNvSpPr>
+            <a:spLocks noGrp="1"/>
+          </p:cNvSpPr>
+          <p:nvPr>
+            <p:ph type="title"/>
+          </p:nvPr>
+        </p:nvSpPr>
+        <p:spPr>
+          <a:xfrm>
+            <a:off x="904877" y="2415322"/>
+            <a:ext cx="3451730" cy="2399869"/>
+          </a:xfrm>
+        </p:spPr>
+        <p:txBody>
+          <a:bodyPr>
+            <a:normAutofit/>
+          </a:bodyPr>
+          <a:lstStyle/>
+          <a:p>
+            <a:pPr algn="ctr"/>
+            <a:r>
+              <a:rPr lang="en-US" altLang="zh-CN" sz="4000" dirty="0">
+                <a:solidFill>
+                  <a:srgbClr val="FFFFFF"/>
+                </a:solidFill>
+              </a:rPr>
+              <a:t>RSA</a:t>
+            </a:r>
+            <a:endParaRPr lang="zh-CN" altLang="en-US" sz="4000" dirty="0">
+              <a:solidFill>
+                <a:srgbClr val="FFFFFF"/>
+              </a:solidFill>
+            </a:endParaRPr>
+          </a:p>
+        </p:txBody>
+      </p:sp>
+      <p:sp>
+        <p:nvSpPr>
+          <p:cNvPr id="3" name="内容占位符 2">
+            <a:extLst>
+              <a:ext uri="{FF2B5EF4-FFF2-40B4-BE49-F238E27FC236}">
+                <a16:creationId xmlns:a16="http://schemas.microsoft.com/office/drawing/2014/main" id="{172EF8B7-1CA3-472B-82C6-500602F00290}"/>
+              </a:ext>
+            </a:extLst>
+          </p:cNvPr>
+          <p:cNvSpPr>
+            <a:spLocks noGrp="1"/>
+          </p:cNvSpPr>
+          <p:nvPr>
+            <p:ph idx="1"/>
+          </p:nvPr>
+        </p:nvSpPr>
+        <p:spPr>
+          <a:xfrm>
+            <a:off x="5120640" y="804672"/>
+            <a:ext cx="6281928" cy="5248656"/>
+          </a:xfrm>
+          <a:noFill/>
+        </p:spPr>
+        <p:txBody>
+          <a:bodyPr anchor="ctr">
+            <a:normAutofit/>
+          </a:bodyPr>
+          <a:lstStyle/>
+          <a:p>
+            <a:r>
+              <a:rPr lang="en-US" altLang="zh-CN" sz="2000" dirty="0"/>
+              <a:t>RSA</a:t>
+            </a:r>
+            <a:r>
+              <a:rPr lang="zh-CN" altLang="en-US" sz="2000" dirty="0"/>
+              <a:t>的公钥、私钥的组成，以及加密、解密的公式</a:t>
+            </a:r>
+            <a:endParaRPr lang="en-US" altLang="zh-CN" sz="2000" dirty="0"/>
+          </a:p>
+          <a:p>
+            <a:pPr lvl="1"/>
+            <a:r>
+              <a:rPr lang="zh-CN" altLang="en-US" sz="2000" dirty="0"/>
+              <a:t>公钥</a:t>
+            </a:r>
+            <a:r>
+              <a:rPr lang="en-US" altLang="zh-CN" sz="2000" dirty="0"/>
+              <a:t>KU </a:t>
+            </a:r>
+            <a:r>
+              <a:rPr lang="zh-CN" altLang="en-US" sz="2000" dirty="0"/>
+              <a:t>（</a:t>
+            </a:r>
+            <a:r>
+              <a:rPr lang="en-US" altLang="zh-CN" sz="2000" dirty="0" err="1"/>
+              <a:t>n,e</a:t>
+            </a:r>
+            <a:r>
+              <a:rPr lang="zh-CN" altLang="en-US" sz="2000" dirty="0"/>
+              <a:t>）</a:t>
+            </a:r>
+            <a:endParaRPr lang="en-US" altLang="zh-CN" sz="2000" dirty="0"/>
+          </a:p>
+          <a:p>
+            <a:pPr lvl="2"/>
+            <a:r>
+              <a:rPr lang="en-US" altLang="zh-CN" dirty="0"/>
+              <a:t>n : </a:t>
+            </a:r>
+            <a:r>
+              <a:rPr lang="zh-CN" altLang="en-US" dirty="0"/>
+              <a:t>两个素数</a:t>
+            </a:r>
+            <a:r>
+              <a:rPr lang="en-US" altLang="zh-CN" dirty="0"/>
+              <a:t>p</a:t>
+            </a:r>
+            <a:r>
+              <a:rPr lang="zh-CN" altLang="en-US" dirty="0"/>
+              <a:t>与</a:t>
+            </a:r>
+            <a:r>
+              <a:rPr lang="en-US" altLang="zh-CN" dirty="0"/>
+              <a:t>q</a:t>
+            </a:r>
+            <a:r>
+              <a:rPr lang="zh-CN" altLang="en-US" dirty="0"/>
+              <a:t>的乘积（</a:t>
+            </a:r>
+            <a:r>
+              <a:rPr lang="en-US" altLang="zh-CN" dirty="0"/>
+              <a:t>p</a:t>
+            </a:r>
+            <a:r>
+              <a:rPr lang="zh-CN" altLang="en-US" dirty="0"/>
+              <a:t>与</a:t>
+            </a:r>
+            <a:r>
+              <a:rPr lang="en-US" altLang="zh-CN" dirty="0"/>
+              <a:t>q</a:t>
+            </a:r>
+            <a:r>
+              <a:rPr lang="zh-CN" altLang="en-US" dirty="0"/>
+              <a:t>需保密）</a:t>
+            </a:r>
+            <a:endParaRPr lang="en-US" altLang="zh-CN" dirty="0"/>
+          </a:p>
+          <a:p>
+            <a:pPr lvl="2"/>
+            <a:r>
+              <a:rPr lang="en-US" altLang="zh-CN" dirty="0"/>
+              <a:t>e : </a:t>
+            </a:r>
+            <a:r>
+              <a:rPr lang="zh-CN" altLang="en-US" dirty="0"/>
+              <a:t>随机取一个</a:t>
+            </a:r>
+            <a:r>
+              <a:rPr lang="en-US" altLang="zh-CN" dirty="0"/>
+              <a:t>1&lt;e&lt;</a:t>
+            </a:r>
+            <a:r>
+              <a:rPr lang="el-GR" altLang="zh-CN" dirty="0"/>
+              <a:t>φ</a:t>
+            </a:r>
+            <a:r>
+              <a:rPr lang="en-US" altLang="zh-CN" dirty="0"/>
+              <a:t>(n),</a:t>
+            </a:r>
+            <a:r>
+              <a:rPr lang="zh-CN" altLang="en-US" dirty="0"/>
+              <a:t>且</a:t>
+            </a:r>
+            <a:r>
+              <a:rPr lang="en-US" altLang="zh-CN" dirty="0"/>
+              <a:t>e</a:t>
+            </a:r>
+            <a:r>
+              <a:rPr lang="zh-CN" altLang="en-US" dirty="0"/>
+              <a:t>与</a:t>
+            </a:r>
+            <a:r>
+              <a:rPr lang="el-GR" altLang="zh-CN" dirty="0"/>
+              <a:t>φ</a:t>
+            </a:r>
+            <a:r>
+              <a:rPr lang="en-US" altLang="zh-CN" dirty="0"/>
+              <a:t>(n)=(p-1)(q-1)</a:t>
+            </a:r>
+            <a:r>
+              <a:rPr lang="zh-CN" altLang="en-US" dirty="0"/>
+              <a:t>互质</a:t>
+            </a:r>
+            <a:endParaRPr lang="en-US" altLang="zh-CN" dirty="0"/>
+          </a:p>
+          <a:p>
+            <a:pPr lvl="1"/>
+            <a:r>
+              <a:rPr lang="zh-CN" altLang="en-US" sz="2000" dirty="0"/>
+              <a:t>私钥</a:t>
+            </a:r>
+            <a:r>
+              <a:rPr lang="en-US" altLang="zh-CN" sz="2000" dirty="0"/>
+              <a:t>KR (</a:t>
+            </a:r>
+            <a:r>
+              <a:rPr lang="en-US" altLang="zh-CN" sz="2000" dirty="0" err="1"/>
+              <a:t>n,d</a:t>
+            </a:r>
+            <a:r>
+              <a:rPr lang="en-US" altLang="zh-CN" sz="2000" dirty="0"/>
+              <a:t>)</a:t>
+            </a:r>
+          </a:p>
+          <a:p>
+            <a:pPr marL="914400" lvl="2" indent="0">
+              <a:buNone/>
+            </a:pPr>
+            <a:r>
+              <a:rPr lang="en-US" altLang="zh-CN" sz="1800" dirty="0"/>
+              <a:t>ed </a:t>
+            </a:r>
+            <a:r>
+              <a:rPr lang="zh-CN" altLang="en-US" sz="1800" dirty="0"/>
+              <a:t>≡ </a:t>
+            </a:r>
+            <a:r>
+              <a:rPr lang="en-US" altLang="zh-CN" sz="1800" dirty="0"/>
+              <a:t>1</a:t>
+            </a:r>
+            <a:r>
+              <a:rPr lang="zh-CN" altLang="en-US" sz="1800" dirty="0"/>
+              <a:t>（</a:t>
+            </a:r>
+            <a:r>
+              <a:rPr lang="en-US" altLang="zh-CN" sz="1800" dirty="0"/>
+              <a:t>mod</a:t>
+            </a:r>
+            <a:r>
+              <a:rPr lang="zh-CN" altLang="en-US" sz="1800" dirty="0"/>
+              <a:t>（</a:t>
+            </a:r>
+            <a:r>
+              <a:rPr lang="en-US" altLang="zh-CN" sz="1800" dirty="0"/>
+              <a:t>p-1</a:t>
+            </a:r>
+            <a:r>
+              <a:rPr lang="zh-CN" altLang="en-US" sz="1800" dirty="0"/>
+              <a:t>）（</a:t>
+            </a:r>
+            <a:r>
+              <a:rPr lang="en-US" altLang="zh-CN" sz="1800" dirty="0"/>
+              <a:t>q-1</a:t>
+            </a:r>
+            <a:r>
+              <a:rPr lang="zh-CN" altLang="en-US" sz="1800" dirty="0"/>
+              <a:t>））</a:t>
+            </a:r>
+            <a:endParaRPr lang="en-US" altLang="zh-CN" sz="1800" dirty="0"/>
+          </a:p>
+          <a:p>
+            <a:pPr lvl="1"/>
+            <a:r>
+              <a:rPr lang="zh-CN" altLang="en-US" sz="2000" dirty="0"/>
+              <a:t>加密</a:t>
+            </a:r>
+            <a:endParaRPr lang="en-US" altLang="zh-CN" sz="2000" dirty="0"/>
+          </a:p>
+          <a:p>
+            <a:pPr lvl="2"/>
+            <a:r>
+              <a:rPr lang="en-US" altLang="zh-CN" sz="1800" dirty="0"/>
+              <a:t>m </a:t>
+            </a:r>
+            <a:r>
+              <a:rPr lang="en-US" altLang="zh-CN" sz="1800" baseline="30000" dirty="0"/>
+              <a:t>e</a:t>
+            </a:r>
+            <a:r>
+              <a:rPr lang="en-US" altLang="zh-CN" sz="1800" dirty="0"/>
+              <a:t> </a:t>
+            </a:r>
+            <a:r>
+              <a:rPr lang="zh-CN" altLang="en-US" dirty="0"/>
+              <a:t>≡ </a:t>
+            </a:r>
+            <a:r>
+              <a:rPr lang="en-US" altLang="zh-CN" dirty="0"/>
+              <a:t>C</a:t>
+            </a:r>
+            <a:r>
+              <a:rPr lang="zh-CN" altLang="en-US" dirty="0"/>
+              <a:t>（</a:t>
+            </a:r>
+            <a:r>
+              <a:rPr lang="en-US" altLang="zh-CN" dirty="0"/>
+              <a:t>mod n</a:t>
+            </a:r>
+            <a:r>
+              <a:rPr lang="zh-CN" altLang="en-US" dirty="0"/>
+              <a:t>）</a:t>
+            </a:r>
+            <a:endParaRPr lang="en-US" altLang="zh-CN" dirty="0"/>
+          </a:p>
+          <a:p>
+            <a:pPr lvl="1"/>
+            <a:r>
+              <a:rPr lang="en-US" altLang="zh-CN" sz="2000" dirty="0"/>
+              <a:t> </a:t>
+            </a:r>
+            <a:r>
+              <a:rPr lang="zh-CN" altLang="en-US" sz="2200" dirty="0"/>
+              <a:t>解密</a:t>
+            </a:r>
+            <a:endParaRPr lang="en-US" altLang="zh-CN" sz="2200" dirty="0"/>
+          </a:p>
+          <a:p>
+            <a:pPr lvl="2"/>
+            <a:r>
+              <a:rPr lang="en-US" altLang="zh-CN" sz="1800" dirty="0"/>
+              <a:t>c </a:t>
+            </a:r>
+            <a:r>
+              <a:rPr lang="en-US" altLang="zh-CN" sz="1800" baseline="30000" dirty="0"/>
+              <a:t>d</a:t>
+            </a:r>
+            <a:r>
+              <a:rPr lang="en-US" altLang="zh-CN" sz="1800" dirty="0"/>
+              <a:t> </a:t>
+            </a:r>
+            <a:r>
+              <a:rPr lang="zh-CN" altLang="en-US" dirty="0"/>
+              <a:t>≡</a:t>
+            </a:r>
+            <a:r>
+              <a:rPr lang="en-US" altLang="zh-CN" sz="1800" dirty="0"/>
+              <a:t> M </a:t>
+            </a:r>
+            <a:r>
+              <a:rPr lang="zh-CN" altLang="en-US" sz="1800" dirty="0"/>
+              <a:t>（</a:t>
+            </a:r>
+            <a:r>
+              <a:rPr lang="en-US" altLang="zh-CN" sz="1800" dirty="0"/>
+              <a:t>mod n</a:t>
+            </a:r>
+            <a:r>
+              <a:rPr lang="zh-CN" altLang="en-US" sz="1800" dirty="0"/>
+              <a:t>）</a:t>
+            </a:r>
+            <a:endParaRPr lang="en-US" altLang="zh-CN" sz="1800" dirty="0"/>
+          </a:p>
+          <a:p>
+            <a:pPr lvl="1"/>
+            <a:endParaRPr lang="en-US" altLang="zh-CN" sz="2000" dirty="0"/>
+          </a:p>
+          <a:p>
+            <a:pPr lvl="1"/>
+            <a:endParaRPr lang="en-US" altLang="zh-CN" sz="2000" dirty="0"/>
+          </a:p>
+          <a:p>
+            <a:pPr lvl="1"/>
+            <a:endParaRPr lang="en-US" altLang="zh-CN" sz="2000" dirty="0"/>
+          </a:p>
+          <a:p>
+            <a:pPr marL="914400" lvl="2" indent="0">
+              <a:buNone/>
+            </a:pPr>
+            <a:endParaRPr lang="en-US" altLang="zh-CN" baseline="30000" dirty="0"/>
+          </a:p>
+        </p:txBody>
+      </p:sp>
+    </p:spTree>
+    <p:extLst>
+      <p:ext uri="{BB962C8B-B14F-4D97-AF65-F5344CB8AC3E}">
+        <p14:creationId xmlns:p14="http://schemas.microsoft.com/office/powerpoint/2010/main" val="1662885482"/>
+      </p:ext>
+    </p:extLst>
+  </p:cSld>
+  <p:clrMapOvr>
+    <a:masterClrMapping/>
+  </p:clrMapOvr>
+</p:sld>
+</file>
+
+<file path=ppt/slides/slide7.xml><?xml version="1.0" encoding="utf-8"?>
+<p:sld xmlns:a="http://schemas.openxmlformats.org/drawingml/2006/main" xmlns:r="http://schemas.openxmlformats.org/officeDocument/2006/relationships" xmlns:p="http://schemas.openxmlformats.org/presentationml/2006/main">
+  <p:cSld>
+    <p:spTree>
+      <p:nvGrpSpPr>
+        <p:cNvPr id="1" name=""/>
+        <p:cNvGrpSpPr/>
+        <p:nvPr/>
+      </p:nvGrpSpPr>
+      <p:grpSpPr>
+        <a:xfrm>
+          <a:off x="0" y="0"/>
+          <a:ext cx="0" cy="0"/>
+          <a:chOff x="0" y="0"/>
+          <a:chExt cx="0" cy="0"/>
+        </a:xfrm>
+      </p:grpSpPr>
+      <p:sp>
+        <p:nvSpPr>
+          <p:cNvPr id="2" name="标题 1">
+            <a:extLst>
+              <a:ext uri="{FF2B5EF4-FFF2-40B4-BE49-F238E27FC236}">
+                <a16:creationId xmlns:a16="http://schemas.microsoft.com/office/drawing/2014/main" id="{B969941D-A2A2-4823-8976-DE5EE3421694}"/>
+              </a:ext>
+            </a:extLst>
+          </p:cNvPr>
+          <p:cNvSpPr>
+            <a:spLocks noGrp="1"/>
+          </p:cNvSpPr>
+          <p:nvPr>
+            <p:ph type="title"/>
+          </p:nvPr>
+        </p:nvSpPr>
+        <p:spPr/>
+        <p:txBody>
+          <a:bodyPr/>
+          <a:lstStyle/>
+          <a:p>
+            <a:r>
+              <a:rPr lang="en-US" altLang="zh-CN" dirty="0"/>
+              <a:t>RSA</a:t>
+            </a:r>
+            <a:r>
+              <a:rPr lang="zh-CN" altLang="en-US" dirty="0"/>
+              <a:t>算法描述</a:t>
+            </a:r>
+          </a:p>
+        </p:txBody>
+      </p:sp>
+      <p:pic>
+        <p:nvPicPr>
+          <p:cNvPr id="4" name="内容占位符 3">
+            <a:extLst>
+              <a:ext uri="{FF2B5EF4-FFF2-40B4-BE49-F238E27FC236}">
+                <a16:creationId xmlns:a16="http://schemas.microsoft.com/office/drawing/2014/main" id="{1D5434A9-A114-42EE-A193-467155033D1C}"/>
+              </a:ext>
+            </a:extLst>
+          </p:cNvPr>
+          <p:cNvPicPr>
+            <a:picLocks noGrp="1" noChangeAspect="1"/>
+          </p:cNvPicPr>
+          <p:nvPr>
+            <p:ph idx="1"/>
+          </p:nvPr>
+        </p:nvPicPr>
+        <p:blipFill>
+          <a:blip r:embed="rId2"/>
+          <a:stretch>
+            <a:fillRect/>
+          </a:stretch>
+        </p:blipFill>
+        <p:spPr>
+          <a:xfrm>
+            <a:off x="1110754" y="685800"/>
+            <a:ext cx="7681318" cy="3614738"/>
+          </a:xfrm>
+          <a:prstGeom prst="rect">
+            <a:avLst/>
+          </a:prstGeom>
+        </p:spPr>
+      </p:pic>
+    </p:spTree>
+    <p:extLst>
+      <p:ext uri="{BB962C8B-B14F-4D97-AF65-F5344CB8AC3E}">
+        <p14:creationId xmlns:p14="http://schemas.microsoft.com/office/powerpoint/2010/main" val="1412268664"/>
+      </p:ext>
+    </p:extLst>
+  </p:cSld>
+  <p:clrMapOvr>
+    <a:masterClrMapping/>
+  </p:clrMapOvr>
+</p:sld>
+</file>
+
 <file path=ppt/slides/slide8.xml><?xml version="1.0" encoding="utf-8"?>
 <p:sld xmlns:a="http://schemas.openxmlformats.org/drawingml/2006/main" xmlns:r="http://schemas.openxmlformats.org/officeDocument/2006/relationships" xmlns:p="http://schemas.openxmlformats.org/presentationml/2006/main">
   <p:cSld>
@@ -7916,7 +8339,7 @@
           <p:cNvPr id="2" name="标题 1">
             <a:extLst>
               <a:ext uri="{FF2B5EF4-FFF2-40B4-BE49-F238E27FC236}">
-                <a16:creationId xmlns:a16="http://schemas.microsoft.com/office/drawing/2014/main" id="{E630FA8B-69E3-445F-98AD-6C1CB101ED37}"/>
+                <a16:creationId xmlns:a16="http://schemas.microsoft.com/office/drawing/2014/main" id="{E477F882-017E-4577-A879-BDEB5D2953CE}"/>
               </a:ext>
             </a:extLst>
           </p:cNvPr>
@@ -7938,15 +8361,7 @@
             </a:r>
             <a:r>
               <a:rPr lang="zh-CN" altLang="en-US" dirty="0"/>
-              <a:t>加解密算法数学基础</a:t>
-            </a:r>
-            <a:r>
-              <a:rPr lang="en-US" altLang="zh-CN" dirty="0"/>
-              <a:t>3 – </a:t>
-            </a:r>
-            <a:r>
-              <a:rPr lang="zh-CN" altLang="en-US" dirty="0"/>
-              <a:t>模反元素</a:t>
+              <a:t>算法实例描述</a:t>
             </a:r>
           </a:p>
         </p:txBody>
@@ -7956,7 +8371,7 @@
           <p:cNvPr id="3" name="内容占位符 2">
             <a:extLst>
               <a:ext uri="{FF2B5EF4-FFF2-40B4-BE49-F238E27FC236}">
-                <a16:creationId xmlns:a16="http://schemas.microsoft.com/office/drawing/2014/main" id="{86ACB5E1-3405-4493-897D-64C50A662FFD}"/>
+                <a16:creationId xmlns:a16="http://schemas.microsoft.com/office/drawing/2014/main" id="{FB3F4904-CC22-451F-ABA2-2829D19C1C56}"/>
               </a:ext>
             </a:extLst>
           </p:cNvPr>
@@ -7972,52 +8387,6 @@
           <a:bodyPr/>
           <a:lstStyle/>
           <a:p>
-            <a:r>
-              <a:rPr lang="zh-CN" altLang="en-US" dirty="0"/>
-              <a:t>模反元素：指有一个整数</a:t>
-            </a:r>
-            <a:r>
-              <a:rPr lang="en-US" altLang="zh-CN" dirty="0"/>
-              <a:t>d</a:t>
-            </a:r>
-            <a:r>
-              <a:rPr lang="zh-CN" altLang="en-US" dirty="0"/>
-              <a:t>，可以使得</a:t>
-            </a:r>
-            <a:r>
-              <a:rPr lang="en-US" altLang="zh-CN" dirty="0"/>
-              <a:t>ed</a:t>
-            </a:r>
-            <a:r>
-              <a:rPr lang="zh-CN" altLang="en-US" dirty="0"/>
-              <a:t>被</a:t>
-            </a:r>
-            <a:r>
-              <a:rPr lang="en-US" altLang="zh-CN" dirty="0"/>
-              <a:t>φ(n)</a:t>
-            </a:r>
-            <a:r>
-              <a:rPr lang="zh-CN" altLang="en-US" dirty="0"/>
-              <a:t>除的余数为</a:t>
-            </a:r>
-            <a:r>
-              <a:rPr lang="en-US" altLang="zh-CN" dirty="0"/>
-              <a:t>1</a:t>
-            </a:r>
-          </a:p>
-          <a:p>
-            <a:r>
-              <a:rPr lang="en-US" altLang="zh-CN" dirty="0"/>
-              <a:t>ed ≡ 1 (mod </a:t>
-            </a:r>
-            <a:r>
-              <a:rPr lang="el-GR" altLang="zh-CN" dirty="0"/>
-              <a:t>φ(</a:t>
-            </a:r>
-            <a:r>
-              <a:rPr lang="en-US" altLang="zh-CN" dirty="0"/>
-              <a:t>n))</a:t>
-            </a:r>
             <a:endParaRPr lang="zh-CN" altLang="en-US" dirty="0"/>
           </a:p>
         </p:txBody>
@@ -8025,7 +8394,7 @@
     </p:spTree>
     <p:extLst>
       <p:ext uri="{BB962C8B-B14F-4D97-AF65-F5344CB8AC3E}">
-        <p14:creationId xmlns:p14="http://schemas.microsoft.com/office/powerpoint/2010/main" val="2255990305"/>
+        <p14:creationId xmlns:p14="http://schemas.microsoft.com/office/powerpoint/2010/main" val="1784914169"/>
       </p:ext>
     </p:extLst>
   </p:cSld>
@@ -8057,7 +8426,7 @@
           <p:cNvPr id="2" name="标题 1">
             <a:extLst>
               <a:ext uri="{FF2B5EF4-FFF2-40B4-BE49-F238E27FC236}">
-                <a16:creationId xmlns:a16="http://schemas.microsoft.com/office/drawing/2014/main" id="{3C344075-08E6-4974-A3D1-7E1E3ED5F58E}"/>
+                <a16:creationId xmlns:a16="http://schemas.microsoft.com/office/drawing/2014/main" id="{78727472-335B-46A3-AEAD-BB82958DE674}"/>
               </a:ext>
             </a:extLst>
           </p:cNvPr>
@@ -8070,30 +8439,38 @@
         </p:nvSpPr>
         <p:spPr>
           <a:xfrm>
-            <a:off x="904877" y="2415322"/>
-            <a:ext cx="3451730" cy="2399869"/>
+            <a:off x="684212" y="4487332"/>
+            <a:ext cx="8534400" cy="1507067"/>
           </a:xfrm>
         </p:spPr>
         <p:txBody>
-          <a:bodyPr>
-            <a:normAutofit/>
-          </a:bodyPr>
-          <a:lstStyle/>
-          <a:p>
-            <a:pPr algn="ctr"/>
-            <a:r>
-              <a:rPr lang="en-US" altLang="zh-CN" sz="4000" dirty="0">
-                <a:solidFill>
-                  <a:srgbClr val="FFFFFF"/>
-                </a:solidFill>
-              </a:rPr>
+          <a:bodyPr/>
+          <a:lstStyle/>
+          <a:p>
+            <a:r>
+              <a:rPr lang="zh-CN" altLang="en-US" dirty="0"/>
+              <a:t>密钥探究</a:t>
+            </a:r>
+            <a:r>
+              <a:rPr lang="en-US" altLang="zh-CN" dirty="0"/>
+              <a:t>1- </a:t>
+            </a:r>
+            <a:r>
+              <a:rPr lang="en-US" altLang="zh-CN" dirty="0" err="1"/>
+              <a:t>Openssl</a:t>
+            </a:r>
+            <a:r>
+              <a:rPr lang="zh-CN" altLang="en-US" dirty="0"/>
+              <a:t>命令生成</a:t>
+            </a:r>
+            <a:r>
+              <a:rPr lang="en-US" altLang="zh-CN" dirty="0"/>
               <a:t>RSA</a:t>
             </a:r>
-            <a:endParaRPr lang="zh-CN" altLang="en-US" sz="4000" dirty="0">
-              <a:solidFill>
-                <a:srgbClr val="FFFFFF"/>
-              </a:solidFill>
-            </a:endParaRPr>
+            <a:r>
+              <a:rPr lang="zh-CN" altLang="en-US" dirty="0"/>
+              <a:t>公私钥</a:t>
+            </a:r>
           </a:p>
         </p:txBody>
       </p:sp>
@@ -8102,7 +8479,7 @@
           <p:cNvPr id="3" name="内容占位符 2">
             <a:extLst>
               <a:ext uri="{FF2B5EF4-FFF2-40B4-BE49-F238E27FC236}">
-                <a16:creationId xmlns:a16="http://schemas.microsoft.com/office/drawing/2014/main" id="{172EF8B7-1CA3-472B-82C6-500602F00290}"/>
+                <a16:creationId xmlns:a16="http://schemas.microsoft.com/office/drawing/2014/main" id="{F6CD1E31-EF3B-4CBE-A849-33274D44EEB2}"/>
               </a:ext>
             </a:extLst>
           </p:cNvPr>
@@ -8113,320 +8490,222 @@
             <p:ph idx="1"/>
           </p:nvPr>
         </p:nvSpPr>
-        <p:spPr>
-          <a:xfrm>
-            <a:off x="5120640" y="804672"/>
-            <a:ext cx="6281928" cy="5248656"/>
-          </a:xfrm>
-          <a:noFill/>
-        </p:spPr>
-        <p:txBody>
-          <a:bodyPr anchor="ctr">
-            <a:normAutofit/>
+        <p:spPr/>
+        <p:txBody>
+          <a:bodyPr>
+            <a:normAutofit fontScale="92500" lnSpcReduction="10000"/>
           </a:bodyPr>
           <a:lstStyle/>
           <a:p>
             <a:r>
-              <a:rPr lang="en-US" altLang="zh-CN" sz="2000" dirty="0"/>
-              <a:t>RSA</a:t>
-            </a:r>
-            <a:r>
-              <a:rPr lang="zh-CN" altLang="en-US" sz="2000" dirty="0"/>
-              <a:t>的公钥、私钥的组成，以及加密、解密的公式</a:t>
-            </a:r>
-            <a:endParaRPr lang="en-US" altLang="zh-CN" sz="2000" dirty="0"/>
+              <a:rPr lang="en-US" altLang="zh-CN" dirty="0"/>
+              <a:t># </a:t>
+            </a:r>
+            <a:r>
+              <a:rPr lang="zh-CN" altLang="en-US" dirty="0"/>
+              <a:t>生成私钥文件，</a:t>
+            </a:r>
+            <a:r>
+              <a:rPr lang="en-US" altLang="zh-CN" dirty="0"/>
+              <a:t>pkcs#1</a:t>
+            </a:r>
+            <a:r>
+              <a:rPr lang="zh-CN" altLang="en-US" dirty="0"/>
+              <a:t>格式</a:t>
+            </a:r>
           </a:p>
           <a:p>
             <a:pPr lvl="1"/>
             <a:r>
-              <a:rPr lang="zh-CN" altLang="en-US" sz="2000" dirty="0"/>
-              <a:t>公钥</a:t>
-            </a:r>
-            <a:r>
-              <a:rPr lang="en-US" altLang="zh-CN" sz="2000" dirty="0"/>
-              <a:t>KU </a:t>
-            </a:r>
-            <a:r>
-              <a:rPr lang="zh-CN" altLang="en-US" sz="2000" dirty="0"/>
-              <a:t>（</a:t>
-            </a:r>
-            <a:r>
-              <a:rPr lang="en-US" altLang="zh-CN" sz="2000" dirty="0" err="1"/>
-              <a:t>n,e</a:t>
-            </a:r>
-            <a:r>
-              <a:rPr lang="zh-CN" altLang="en-US" sz="2000" dirty="0"/>
-              <a:t>）</a:t>
-            </a:r>
-            <a:endParaRPr lang="en-US" altLang="zh-CN" sz="2000" dirty="0"/>
-          </a:p>
-          <a:p>
-            <a:pPr lvl="2"/>
-            <a:r>
-              <a:rPr lang="en-US" altLang="zh-CN" dirty="0"/>
-              <a:t>n : </a:t>
-            </a:r>
-            <a:r>
-              <a:rPr lang="zh-CN" altLang="en-US" dirty="0"/>
-              <a:t>两个素数</a:t>
-            </a:r>
-            <a:r>
-              <a:rPr lang="en-US" altLang="zh-CN" dirty="0"/>
-              <a:t>p</a:t>
-            </a:r>
-            <a:r>
-              <a:rPr lang="zh-CN" altLang="en-US" dirty="0"/>
-              <a:t>与</a:t>
-            </a:r>
-            <a:r>
-              <a:rPr lang="en-US" altLang="zh-CN" dirty="0"/>
-              <a:t>q</a:t>
-            </a:r>
-            <a:r>
-              <a:rPr lang="zh-CN" altLang="en-US" dirty="0"/>
-              <a:t>的乘积（</a:t>
-            </a:r>
-            <a:r>
-              <a:rPr lang="en-US" altLang="zh-CN" dirty="0"/>
-              <a:t>p</a:t>
-            </a:r>
-            <a:r>
-              <a:rPr lang="zh-CN" altLang="en-US" dirty="0"/>
-              <a:t>与</a:t>
-            </a:r>
-            <a:r>
-              <a:rPr lang="en-US" altLang="zh-CN" dirty="0"/>
-              <a:t>q</a:t>
-            </a:r>
-            <a:r>
-              <a:rPr lang="zh-CN" altLang="en-US" dirty="0"/>
-              <a:t>需保密）</a:t>
+              <a:rPr lang="en-US" altLang="zh-CN" dirty="0"/>
+              <a:t>openssl </a:t>
+            </a:r>
+            <a:r>
+              <a:rPr lang="en-US" altLang="zh-CN" dirty="0" err="1"/>
+              <a:t>genrsa</a:t>
+            </a:r>
+            <a:r>
+              <a:rPr lang="en-US" altLang="zh-CN" dirty="0"/>
+              <a:t> -out </a:t>
+            </a:r>
+            <a:r>
+              <a:rPr lang="en-US" altLang="zh-CN" dirty="0" err="1"/>
+              <a:t>private_key.pem</a:t>
+            </a:r>
+            <a:r>
+              <a:rPr lang="en-US" altLang="zh-CN" dirty="0"/>
+              <a:t> 1024</a:t>
+            </a:r>
+          </a:p>
+          <a:p>
+            <a:r>
+              <a:rPr lang="en-US" altLang="zh-CN" dirty="0"/>
+              <a:t># </a:t>
+            </a:r>
+            <a:r>
+              <a:rPr lang="zh-CN" altLang="en-US" dirty="0"/>
+              <a:t>生成私钥文件，</a:t>
+            </a:r>
+            <a:r>
+              <a:rPr lang="en-US" altLang="zh-CN" dirty="0"/>
+              <a:t>pkcs#8</a:t>
+            </a:r>
+            <a:r>
+              <a:rPr lang="zh-CN" altLang="en-US" dirty="0"/>
+              <a:t>格式</a:t>
             </a:r>
             <a:endParaRPr lang="en-US" altLang="zh-CN" dirty="0"/>
           </a:p>
           <a:p>
-            <a:pPr lvl="2"/>
-            <a:r>
-              <a:rPr lang="en-US" altLang="zh-CN" dirty="0"/>
-              <a:t>e : </a:t>
-            </a:r>
-            <a:r>
-              <a:rPr lang="zh-CN" altLang="en-US" dirty="0"/>
-              <a:t>随机取一个</a:t>
-            </a:r>
-            <a:r>
-              <a:rPr lang="en-US" altLang="zh-CN" dirty="0"/>
-              <a:t>1&lt;e&lt;</a:t>
-            </a:r>
-            <a:r>
-              <a:rPr lang="el-GR" altLang="zh-CN" dirty="0"/>
-              <a:t>φ</a:t>
-            </a:r>
-            <a:r>
-              <a:rPr lang="en-US" altLang="zh-CN" dirty="0"/>
-              <a:t>(n),</a:t>
-            </a:r>
-            <a:r>
-              <a:rPr lang="zh-CN" altLang="en-US" dirty="0"/>
-              <a:t>且</a:t>
-            </a:r>
-            <a:r>
-              <a:rPr lang="en-US" altLang="zh-CN" dirty="0"/>
-              <a:t>e</a:t>
-            </a:r>
-            <a:r>
-              <a:rPr lang="zh-CN" altLang="en-US" dirty="0"/>
-              <a:t>与</a:t>
-            </a:r>
-            <a:r>
-              <a:rPr lang="el-GR" altLang="zh-CN" dirty="0"/>
-              <a:t>φ</a:t>
-            </a:r>
-            <a:r>
-              <a:rPr lang="en-US" altLang="zh-CN" dirty="0"/>
-              <a:t>(n)=(p-1)(q-1)</a:t>
-            </a:r>
-            <a:r>
-              <a:rPr lang="zh-CN" altLang="en-US" dirty="0"/>
-              <a:t>互质</a:t>
+            <a:pPr lvl="1"/>
+            <a:r>
+              <a:rPr lang="en-US" altLang="zh-CN" dirty="0"/>
+              <a:t>openssl pkcs8 -topk8 -inform PEM -in </a:t>
+            </a:r>
+            <a:r>
+              <a:rPr lang="en-US" altLang="zh-CN" dirty="0" err="1"/>
+              <a:t>private_key.pem</a:t>
+            </a:r>
+            <a:r>
+              <a:rPr lang="en-US" altLang="zh-CN" dirty="0"/>
+              <a:t> -</a:t>
+            </a:r>
+            <a:r>
+              <a:rPr lang="en-US" altLang="zh-CN" dirty="0" err="1"/>
+              <a:t>outform</a:t>
+            </a:r>
+            <a:r>
+              <a:rPr lang="en-US" altLang="zh-CN" dirty="0"/>
+              <a:t> PEM -</a:t>
+            </a:r>
+            <a:r>
+              <a:rPr lang="en-US" altLang="zh-CN" dirty="0" err="1"/>
+              <a:t>nocrypt</a:t>
+            </a:r>
+            <a:r>
+              <a:rPr lang="en-US" altLang="zh-CN" dirty="0"/>
+              <a:t>&gt;pkcs8_private_key.pem</a:t>
+            </a:r>
+          </a:p>
+          <a:p>
+            <a:r>
+              <a:rPr lang="en-US" altLang="zh-CN" dirty="0"/>
+              <a:t># </a:t>
+            </a:r>
+            <a:r>
+              <a:rPr lang="zh-CN" altLang="en-US" dirty="0"/>
+              <a:t>从私钥导出公钥，</a:t>
+            </a:r>
+            <a:r>
+              <a:rPr lang="en-US" altLang="zh-CN" dirty="0"/>
+              <a:t>pkcs#8</a:t>
+            </a:r>
+            <a:r>
+              <a:rPr lang="zh-CN" altLang="en-US" dirty="0"/>
+              <a:t>格式</a:t>
+            </a:r>
+          </a:p>
+          <a:p>
+            <a:pPr lvl="1"/>
+            <a:r>
+              <a:rPr lang="en-US" altLang="zh-CN" dirty="0"/>
+              <a:t>openssl </a:t>
+            </a:r>
+            <a:r>
+              <a:rPr lang="en-US" altLang="zh-CN" dirty="0" err="1"/>
+              <a:t>rsa</a:t>
+            </a:r>
+            <a:r>
+              <a:rPr lang="en-US" altLang="zh-CN" dirty="0"/>
+              <a:t> -in </a:t>
+            </a:r>
+            <a:r>
+              <a:rPr lang="en-US" altLang="zh-CN" dirty="0" err="1"/>
+              <a:t>private_key.pem</a:t>
+            </a:r>
+            <a:r>
+              <a:rPr lang="en-US" altLang="zh-CN" dirty="0"/>
+              <a:t> -</a:t>
+            </a:r>
+            <a:r>
+              <a:rPr lang="en-US" altLang="zh-CN" dirty="0" err="1"/>
+              <a:t>pubout</a:t>
+            </a:r>
+            <a:r>
+              <a:rPr lang="en-US" altLang="zh-CN" dirty="0"/>
+              <a:t> -out </a:t>
+            </a:r>
+            <a:r>
+              <a:rPr lang="en-US" altLang="zh-CN" dirty="0" err="1"/>
+              <a:t>public_key.pem</a:t>
             </a:r>
             <a:endParaRPr lang="en-US" altLang="zh-CN" dirty="0"/>
           </a:p>
           <a:p>
+            <a:r>
+              <a:rPr lang="en-US" altLang="zh-CN" dirty="0"/>
+              <a:t>#</a:t>
+            </a:r>
+            <a:r>
+              <a:rPr lang="zh-CN" altLang="en-US" dirty="0"/>
+              <a:t>生成</a:t>
+            </a:r>
+            <a:r>
+              <a:rPr lang="en-US" altLang="zh-CN" dirty="0"/>
+              <a:t>pkcs#1</a:t>
+            </a:r>
+            <a:r>
+              <a:rPr lang="zh-CN" altLang="en-US" dirty="0"/>
+              <a:t>格式的公钥文件</a:t>
+            </a:r>
+            <a:endParaRPr lang="en-US" altLang="zh-CN" dirty="0"/>
+          </a:p>
+          <a:p>
             <a:pPr lvl="1"/>
             <a:r>
-              <a:rPr lang="zh-CN" altLang="en-US" sz="2000" dirty="0"/>
-              <a:t>私钥</a:t>
-            </a:r>
-            <a:r>
-              <a:rPr lang="en-US" altLang="zh-CN" sz="2000" dirty="0"/>
-              <a:t>KR (</a:t>
-            </a:r>
-            <a:r>
-              <a:rPr lang="en-US" altLang="zh-CN" sz="2000" dirty="0" err="1"/>
-              <a:t>n,d</a:t>
-            </a:r>
-            <a:r>
-              <a:rPr lang="en-US" altLang="zh-CN" sz="2000" dirty="0"/>
-              <a:t>)</a:t>
-            </a:r>
-          </a:p>
-          <a:p>
-            <a:pPr lvl="1"/>
-            <a:endParaRPr lang="en-US" altLang="zh-CN" sz="2000" dirty="0"/>
-          </a:p>
-          <a:p>
-            <a:pPr lvl="2"/>
-            <a:r>
-              <a:rPr lang="en-US" altLang="zh-CN" sz="1800" dirty="0"/>
-              <a:t>d :  e</a:t>
-            </a:r>
-            <a:r>
-              <a:rPr lang="en-US" altLang="zh-CN" sz="1800" baseline="30000" dirty="0"/>
-              <a:t> -1 </a:t>
-            </a:r>
-            <a:r>
-              <a:rPr lang="zh-CN" altLang="en-US" sz="1800" dirty="0"/>
-              <a:t>（</a:t>
-            </a:r>
-            <a:r>
-              <a:rPr lang="en-US" altLang="zh-CN" sz="1800" dirty="0"/>
-              <a:t>mod</a:t>
-            </a:r>
-            <a:r>
-              <a:rPr lang="zh-CN" altLang="en-US" sz="1800" dirty="0"/>
-              <a:t>（</a:t>
-            </a:r>
-            <a:r>
-              <a:rPr lang="en-US" altLang="zh-CN" sz="1800" dirty="0"/>
-              <a:t>p-1</a:t>
-            </a:r>
-            <a:r>
-              <a:rPr lang="zh-CN" altLang="en-US" sz="1800" dirty="0"/>
-              <a:t>）（</a:t>
-            </a:r>
-            <a:r>
-              <a:rPr lang="en-US" altLang="zh-CN" sz="1800" dirty="0"/>
-              <a:t>q-1</a:t>
-            </a:r>
-            <a:r>
-              <a:rPr lang="zh-CN" altLang="en-US" sz="1800" dirty="0"/>
-              <a:t>））</a:t>
-            </a:r>
-            <a:endParaRPr lang="en-US" altLang="zh-CN" sz="1800" dirty="0"/>
-          </a:p>
-          <a:p>
-            <a:pPr lvl="1"/>
-            <a:r>
-              <a:rPr lang="zh-CN" altLang="en-US" sz="2000" dirty="0"/>
-              <a:t>加密</a:t>
-            </a:r>
-            <a:endParaRPr lang="en-US" altLang="zh-CN" sz="2000" dirty="0"/>
-          </a:p>
-          <a:p>
-            <a:pPr lvl="2"/>
-            <a:r>
-              <a:rPr lang="en-US" altLang="zh-CN" sz="1800" dirty="0"/>
-              <a:t>m </a:t>
-            </a:r>
-            <a:r>
-              <a:rPr lang="en-US" altLang="zh-CN" sz="1800" baseline="30000" dirty="0"/>
-              <a:t>e</a:t>
-            </a:r>
-            <a:r>
-              <a:rPr lang="en-US" altLang="zh-CN" sz="1800" dirty="0"/>
-              <a:t> </a:t>
-            </a:r>
-            <a:r>
-              <a:rPr lang="zh-CN" altLang="en-US" dirty="0"/>
-              <a:t>≡ </a:t>
-            </a:r>
-            <a:r>
-              <a:rPr lang="en-US" altLang="zh-CN" dirty="0"/>
-              <a:t>C</a:t>
-            </a:r>
-            <a:r>
-              <a:rPr lang="zh-CN" altLang="en-US" dirty="0"/>
-              <a:t>（</a:t>
-            </a:r>
-            <a:r>
-              <a:rPr lang="en-US" altLang="zh-CN" dirty="0"/>
-              <a:t>mod n</a:t>
-            </a:r>
-            <a:r>
-              <a:rPr lang="zh-CN" altLang="en-US" dirty="0"/>
-              <a:t>）</a:t>
-            </a:r>
-            <a:endParaRPr lang="en-US" altLang="zh-CN" dirty="0"/>
-          </a:p>
-          <a:p>
-            <a:pPr lvl="1"/>
-            <a:r>
-              <a:rPr lang="en-US" altLang="zh-CN" sz="2000" dirty="0"/>
-              <a:t> </a:t>
-            </a:r>
-            <a:r>
-              <a:rPr lang="zh-CN" altLang="en-US" sz="2200" dirty="0"/>
-              <a:t>解密</a:t>
-            </a:r>
-            <a:r>
-              <a:rPr lang="en-US" altLang="zh-CN" sz="2000" dirty="0"/>
-              <a:t>c </a:t>
-            </a:r>
-            <a:r>
-              <a:rPr lang="en-US" altLang="zh-CN" sz="2000" baseline="30000" dirty="0"/>
-              <a:t>d</a:t>
-            </a:r>
-            <a:r>
-              <a:rPr lang="en-US" altLang="zh-CN" sz="2000" dirty="0"/>
-              <a:t> </a:t>
-            </a:r>
-            <a:r>
-              <a:rPr lang="zh-CN" altLang="en-US" dirty="0"/>
-              <a:t>≡</a:t>
-            </a:r>
-            <a:r>
-              <a:rPr lang="en-US" altLang="zh-CN" sz="2000" dirty="0"/>
-              <a:t> M </a:t>
-            </a:r>
-            <a:r>
-              <a:rPr lang="zh-CN" altLang="en-US" sz="2000" dirty="0"/>
-              <a:t>（</a:t>
-            </a:r>
-            <a:r>
-              <a:rPr lang="en-US" altLang="zh-CN" sz="2000" dirty="0"/>
-              <a:t>mod n</a:t>
-            </a:r>
-            <a:r>
-              <a:rPr lang="zh-CN" altLang="en-US" sz="2000" dirty="0"/>
-              <a:t>）</a:t>
-            </a:r>
-            <a:endParaRPr lang="en-US" altLang="zh-CN" sz="2000" dirty="0"/>
-          </a:p>
-          <a:p>
-            <a:pPr lvl="1"/>
-            <a:endParaRPr lang="en-US" altLang="zh-CN" sz="2000" dirty="0"/>
-          </a:p>
-          <a:p>
-            <a:pPr lvl="1"/>
-            <a:endParaRPr lang="en-US" altLang="zh-CN" sz="2000" dirty="0"/>
-          </a:p>
-          <a:p>
-            <a:pPr lvl="1"/>
-            <a:endParaRPr lang="en-US" altLang="zh-CN" sz="2000" dirty="0"/>
-          </a:p>
-          <a:p>
-            <a:pPr marL="914400" lvl="2" indent="0">
-              <a:buNone/>
-            </a:pPr>
-            <a:endParaRPr lang="en-US" altLang="zh-CN" baseline="30000" dirty="0"/>
+              <a:rPr lang="en-US" altLang="zh-CN" dirty="0"/>
+              <a:t>openssl </a:t>
+            </a:r>
+            <a:r>
+              <a:rPr lang="en-US" altLang="zh-CN" dirty="0" err="1"/>
+              <a:t>rsa</a:t>
+            </a:r>
+            <a:r>
+              <a:rPr lang="en-US" altLang="zh-CN" dirty="0"/>
+              <a:t> -</a:t>
+            </a:r>
+            <a:r>
+              <a:rPr lang="en-US" altLang="zh-CN" dirty="0" err="1"/>
+              <a:t>pubin</a:t>
+            </a:r>
+            <a:r>
+              <a:rPr lang="en-US" altLang="zh-CN" dirty="0"/>
+              <a:t> -in </a:t>
+            </a:r>
+            <a:r>
+              <a:rPr lang="en-US" altLang="zh-CN" dirty="0" err="1"/>
+              <a:t>public_key.pem</a:t>
+            </a:r>
+            <a:r>
+              <a:rPr lang="en-US" altLang="zh-CN" dirty="0"/>
+              <a:t> -</a:t>
+            </a:r>
+            <a:r>
+              <a:rPr lang="en-US" altLang="zh-CN" dirty="0" err="1"/>
+              <a:t>RSAPublicKey_out</a:t>
+            </a:r>
+            <a:r>
+              <a:rPr lang="en-US" altLang="zh-CN" dirty="0"/>
+              <a:t> -out pkcs1_public_key.pem</a:t>
+            </a:r>
+            <a:endParaRPr lang="zh-CN" altLang="en-US" dirty="0"/>
           </a:p>
         </p:txBody>
       </p:sp>
     </p:spTree>
     <p:extLst>
       <p:ext uri="{BB962C8B-B14F-4D97-AF65-F5344CB8AC3E}">
-        <p14:creationId xmlns:p14="http://schemas.microsoft.com/office/powerpoint/2010/main" val="1662885482"/>
+        <p14:creationId xmlns:p14="http://schemas.microsoft.com/office/powerpoint/2010/main" val="2568730184"/>
       </p:ext>
     </p:extLst>
   </p:cSld>

--- a/document/limq.pptx
+++ b/document/limq.pptx
@@ -17,9 +17,9 @@
     <p:sldId id="268" r:id="rId11"/>
     <p:sldId id="269" r:id="rId12"/>
     <p:sldId id="270" r:id="rId13"/>
-    <p:sldId id="273" r:id="rId14"/>
-    <p:sldId id="274" r:id="rId15"/>
-    <p:sldId id="272" r:id="rId16"/>
+    <p:sldId id="272" r:id="rId14"/>
+    <p:sldId id="273" r:id="rId15"/>
+    <p:sldId id="274" r:id="rId16"/>
     <p:sldId id="275" r:id="rId17"/>
   </p:sldIdLst>
   <p:sldSz cx="12192000" cy="6858000"/>
@@ -6127,7 +6127,7 @@
           <p:cNvPr id="2" name="标题 1">
             <a:extLst>
               <a:ext uri="{FF2B5EF4-FFF2-40B4-BE49-F238E27FC236}">
-                <a16:creationId xmlns:a16="http://schemas.microsoft.com/office/drawing/2014/main" id="{3DB46A94-2485-41D0-B80E-7B5EB97F8C2D}"/>
+                <a16:creationId xmlns:a16="http://schemas.microsoft.com/office/drawing/2014/main" id="{0EDBC727-0C3B-4C7D-93B9-EE4D29204EFB}"/>
               </a:ext>
             </a:extLst>
           </p:cNvPr>
@@ -6145,11 +6145,19 @@
           <a:p>
             <a:r>
               <a:rPr lang="en-US" altLang="zh-CN" dirty="0"/>
-              <a:t>RSA</a:t>
-            </a:r>
-            <a:r>
-              <a:rPr lang="zh-CN" altLang="en-US" dirty="0"/>
-              <a:t>加密过程</a:t>
+              <a:t>Php 7.1</a:t>
+            </a:r>
+            <a:r>
+              <a:rPr lang="zh-CN" altLang="en-US" dirty="0"/>
+              <a:t>及以后 </a:t>
+            </a:r>
+            <a:r>
+              <a:rPr lang="en-US" altLang="zh-CN" dirty="0" err="1"/>
+              <a:t>openssl</a:t>
+            </a:r>
+            <a:r>
+              <a:rPr lang="zh-CN" altLang="en-US" dirty="0"/>
+              <a:t>加密解密</a:t>
             </a:r>
           </a:p>
         </p:txBody>
@@ -6159,7 +6167,7 @@
           <p:cNvPr id="3" name="内容占位符 2">
             <a:extLst>
               <a:ext uri="{FF2B5EF4-FFF2-40B4-BE49-F238E27FC236}">
-                <a16:creationId xmlns:a16="http://schemas.microsoft.com/office/drawing/2014/main" id="{7C0ECCA3-CA7E-42EA-903C-39573ABE95E5}"/>
+                <a16:creationId xmlns:a16="http://schemas.microsoft.com/office/drawing/2014/main" id="{F6C71CE3-E938-4A5E-A780-6143DD2D09B7}"/>
               </a:ext>
             </a:extLst>
           </p:cNvPr>
@@ -6175,14 +6183,17 @@
           <a:bodyPr/>
           <a:lstStyle/>
           <a:p>
-            <a:endParaRPr lang="zh-CN" altLang="en-US"/>
+            <a:endParaRPr lang="en-US" altLang="zh-CN" dirty="0"/>
+          </a:p>
+          <a:p>
+            <a:endParaRPr lang="zh-CN" altLang="en-US" dirty="0"/>
           </a:p>
         </p:txBody>
       </p:sp>
     </p:spTree>
     <p:extLst>
       <p:ext uri="{BB962C8B-B14F-4D97-AF65-F5344CB8AC3E}">
-        <p14:creationId xmlns:p14="http://schemas.microsoft.com/office/powerpoint/2010/main" val="1192788248"/>
+        <p14:creationId xmlns:p14="http://schemas.microsoft.com/office/powerpoint/2010/main" val="1868583"/>
       </p:ext>
     </p:extLst>
   </p:cSld>
@@ -6214,7 +6225,7 @@
           <p:cNvPr id="2" name="标题 1">
             <a:extLst>
               <a:ext uri="{FF2B5EF4-FFF2-40B4-BE49-F238E27FC236}">
-                <a16:creationId xmlns:a16="http://schemas.microsoft.com/office/drawing/2014/main" id="{7DF2AEDB-D71E-444A-BCBF-8CCE3CDB75CB}"/>
+                <a16:creationId xmlns:a16="http://schemas.microsoft.com/office/drawing/2014/main" id="{3DB46A94-2485-41D0-B80E-7B5EB97F8C2D}"/>
               </a:ext>
             </a:extLst>
           </p:cNvPr>
@@ -6236,7 +6247,7 @@
             </a:r>
             <a:r>
               <a:rPr lang="zh-CN" altLang="en-US" dirty="0"/>
-              <a:t>解密过程</a:t>
+              <a:t>加密过程</a:t>
             </a:r>
           </a:p>
         </p:txBody>
@@ -6246,7 +6257,7 @@
           <p:cNvPr id="3" name="内容占位符 2">
             <a:extLst>
               <a:ext uri="{FF2B5EF4-FFF2-40B4-BE49-F238E27FC236}">
-                <a16:creationId xmlns:a16="http://schemas.microsoft.com/office/drawing/2014/main" id="{658485E9-80D9-4F3B-80FE-28837A74741E}"/>
+                <a16:creationId xmlns:a16="http://schemas.microsoft.com/office/drawing/2014/main" id="{7C0ECCA3-CA7E-42EA-903C-39573ABE95E5}"/>
               </a:ext>
             </a:extLst>
           </p:cNvPr>
@@ -6269,7 +6280,7 @@
     </p:spTree>
     <p:extLst>
       <p:ext uri="{BB962C8B-B14F-4D97-AF65-F5344CB8AC3E}">
-        <p14:creationId xmlns:p14="http://schemas.microsoft.com/office/powerpoint/2010/main" val="522223174"/>
+        <p14:creationId xmlns:p14="http://schemas.microsoft.com/office/powerpoint/2010/main" val="1192788248"/>
       </p:ext>
     </p:extLst>
   </p:cSld>
@@ -6301,7 +6312,7 @@
           <p:cNvPr id="2" name="标题 1">
             <a:extLst>
               <a:ext uri="{FF2B5EF4-FFF2-40B4-BE49-F238E27FC236}">
-                <a16:creationId xmlns:a16="http://schemas.microsoft.com/office/drawing/2014/main" id="{0EDBC727-0C3B-4C7D-93B9-EE4D29204EFB}"/>
+                <a16:creationId xmlns:a16="http://schemas.microsoft.com/office/drawing/2014/main" id="{7DF2AEDB-D71E-444A-BCBF-8CCE3CDB75CB}"/>
               </a:ext>
             </a:extLst>
           </p:cNvPr>
@@ -6319,19 +6330,11 @@
           <a:p>
             <a:r>
               <a:rPr lang="en-US" altLang="zh-CN" dirty="0"/>
-              <a:t>Php 7.1</a:t>
-            </a:r>
-            <a:r>
-              <a:rPr lang="zh-CN" altLang="en-US" dirty="0"/>
-              <a:t>及以后 </a:t>
-            </a:r>
-            <a:r>
-              <a:rPr lang="en-US" altLang="zh-CN" dirty="0" err="1"/>
-              <a:t>openssl</a:t>
-            </a:r>
-            <a:r>
-              <a:rPr lang="zh-CN" altLang="en-US" dirty="0"/>
-              <a:t>加密解密</a:t>
+              <a:t>RSA</a:t>
+            </a:r>
+            <a:r>
+              <a:rPr lang="zh-CN" altLang="en-US" dirty="0"/>
+              <a:t>解密过程</a:t>
             </a:r>
           </a:p>
         </p:txBody>
@@ -6341,7 +6344,7 @@
           <p:cNvPr id="3" name="内容占位符 2">
             <a:extLst>
               <a:ext uri="{FF2B5EF4-FFF2-40B4-BE49-F238E27FC236}">
-                <a16:creationId xmlns:a16="http://schemas.microsoft.com/office/drawing/2014/main" id="{F6C71CE3-E938-4A5E-A780-6143DD2D09B7}"/>
+                <a16:creationId xmlns:a16="http://schemas.microsoft.com/office/drawing/2014/main" id="{658485E9-80D9-4F3B-80FE-28837A74741E}"/>
               </a:ext>
             </a:extLst>
           </p:cNvPr>
@@ -6357,17 +6360,14 @@
           <a:bodyPr/>
           <a:lstStyle/>
           <a:p>
-            <a:endParaRPr lang="en-US" altLang="zh-CN" dirty="0"/>
-          </a:p>
-          <a:p>
-            <a:endParaRPr lang="zh-CN" altLang="en-US" dirty="0"/>
+            <a:endParaRPr lang="zh-CN" altLang="en-US"/>
           </a:p>
         </p:txBody>
       </p:sp>
     </p:spTree>
     <p:extLst>
       <p:ext uri="{BB962C8B-B14F-4D97-AF65-F5344CB8AC3E}">
-        <p14:creationId xmlns:p14="http://schemas.microsoft.com/office/powerpoint/2010/main" val="1868583"/>
+        <p14:creationId xmlns:p14="http://schemas.microsoft.com/office/powerpoint/2010/main" val="522223174"/>
       </p:ext>
     </p:extLst>
   </p:cSld>

--- a/document/limq.pptx
+++ b/document/limq.pptx
@@ -318,7 +318,7 @@
           <a:p>
             <a:fld id="{50DEE4A7-083E-42B9-8E0C-9729A3893272}" type="datetimeFigureOut">
               <a:rPr lang="zh-CN" altLang="en-US" smtClean="0"/>
-              <a:t>2018/12/26</a:t>
+              <a:t>2018/12/28</a:t>
             </a:fld>
             <a:endParaRPr lang="zh-CN" altLang="en-US"/>
           </a:p>
@@ -754,7 +754,7 @@
           <a:p>
             <a:fld id="{50DEE4A7-083E-42B9-8E0C-9729A3893272}" type="datetimeFigureOut">
               <a:rPr lang="zh-CN" altLang="en-US" smtClean="0"/>
-              <a:t>2018/12/26</a:t>
+              <a:t>2018/12/28</a:t>
             </a:fld>
             <a:endParaRPr lang="zh-CN" altLang="en-US"/>
           </a:p>
@@ -1004,7 +1004,7 @@
           <a:p>
             <a:fld id="{50DEE4A7-083E-42B9-8E0C-9729A3893272}" type="datetimeFigureOut">
               <a:rPr lang="zh-CN" altLang="en-US" smtClean="0"/>
-              <a:t>2018/12/26</a:t>
+              <a:t>2018/12/28</a:t>
             </a:fld>
             <a:endParaRPr lang="zh-CN" altLang="en-US"/>
           </a:p>
@@ -1312,7 +1312,7 @@
           <a:p>
             <a:fld id="{50DEE4A7-083E-42B9-8E0C-9729A3893272}" type="datetimeFigureOut">
               <a:rPr lang="zh-CN" altLang="en-US" smtClean="0"/>
-              <a:t>2018/12/26</a:t>
+              <a:t>2018/12/28</a:t>
             </a:fld>
             <a:endParaRPr lang="zh-CN" altLang="en-US"/>
           </a:p>
@@ -1630,7 +1630,7 @@
           <a:p>
             <a:fld id="{50DEE4A7-083E-42B9-8E0C-9729A3893272}" type="datetimeFigureOut">
               <a:rPr lang="zh-CN" altLang="en-US" smtClean="0"/>
-              <a:t>2018/12/26</a:t>
+              <a:t>2018/12/28</a:t>
             </a:fld>
             <a:endParaRPr lang="zh-CN" altLang="en-US"/>
           </a:p>
@@ -1932,7 +1932,7 @@
           <a:p>
             <a:fld id="{50DEE4A7-083E-42B9-8E0C-9729A3893272}" type="datetimeFigureOut">
               <a:rPr lang="zh-CN" altLang="en-US" smtClean="0"/>
-              <a:t>2018/12/26</a:t>
+              <a:t>2018/12/28</a:t>
             </a:fld>
             <a:endParaRPr lang="zh-CN" altLang="en-US"/>
           </a:p>
@@ -2299,7 +2299,7 @@
           <a:p>
             <a:fld id="{50DEE4A7-083E-42B9-8E0C-9729A3893272}" type="datetimeFigureOut">
               <a:rPr lang="zh-CN" altLang="en-US" smtClean="0"/>
-              <a:t>2018/12/26</a:t>
+              <a:t>2018/12/28</a:t>
             </a:fld>
             <a:endParaRPr lang="zh-CN" altLang="en-US"/>
           </a:p>
@@ -2473,7 +2473,7 @@
           <a:p>
             <a:fld id="{50DEE4A7-083E-42B9-8E0C-9729A3893272}" type="datetimeFigureOut">
               <a:rPr lang="zh-CN" altLang="en-US" smtClean="0"/>
-              <a:t>2018/12/26</a:t>
+              <a:t>2018/12/28</a:t>
             </a:fld>
             <a:endParaRPr lang="zh-CN" altLang="en-US"/>
           </a:p>
@@ -2653,7 +2653,7 @@
           <a:p>
             <a:fld id="{50DEE4A7-083E-42B9-8E0C-9729A3893272}" type="datetimeFigureOut">
               <a:rPr lang="zh-CN" altLang="en-US" smtClean="0"/>
-              <a:t>2018/12/26</a:t>
+              <a:t>2018/12/28</a:t>
             </a:fld>
             <a:endParaRPr lang="zh-CN" altLang="en-US"/>
           </a:p>
@@ -2823,7 +2823,7 @@
           <a:p>
             <a:fld id="{50DEE4A7-083E-42B9-8E0C-9729A3893272}" type="datetimeFigureOut">
               <a:rPr lang="zh-CN" altLang="en-US" smtClean="0"/>
-              <a:t>2018/12/26</a:t>
+              <a:t>2018/12/28</a:t>
             </a:fld>
             <a:endParaRPr lang="zh-CN" altLang="en-US"/>
           </a:p>
@@ -3073,7 +3073,7 @@
           <a:p>
             <a:fld id="{50DEE4A7-083E-42B9-8E0C-9729A3893272}" type="datetimeFigureOut">
               <a:rPr lang="zh-CN" altLang="en-US" smtClean="0"/>
-              <a:t>2018/12/26</a:t>
+              <a:t>2018/12/28</a:t>
             </a:fld>
             <a:endParaRPr lang="zh-CN" altLang="en-US"/>
           </a:p>
@@ -3309,7 +3309,7 @@
           <a:p>
             <a:fld id="{50DEE4A7-083E-42B9-8E0C-9729A3893272}" type="datetimeFigureOut">
               <a:rPr lang="zh-CN" altLang="en-US" smtClean="0"/>
-              <a:t>2018/12/26</a:t>
+              <a:t>2018/12/28</a:t>
             </a:fld>
             <a:endParaRPr lang="zh-CN" altLang="en-US"/>
           </a:p>
@@ -3691,7 +3691,7 @@
           <a:p>
             <a:fld id="{50DEE4A7-083E-42B9-8E0C-9729A3893272}" type="datetimeFigureOut">
               <a:rPr lang="zh-CN" altLang="en-US" smtClean="0"/>
-              <a:t>2018/12/26</a:t>
+              <a:t>2018/12/28</a:t>
             </a:fld>
             <a:endParaRPr lang="zh-CN" altLang="en-US"/>
           </a:p>
@@ -3809,7 +3809,7 @@
           <a:p>
             <a:fld id="{50DEE4A7-083E-42B9-8E0C-9729A3893272}" type="datetimeFigureOut">
               <a:rPr lang="zh-CN" altLang="en-US" smtClean="0"/>
-              <a:t>2018/12/26</a:t>
+              <a:t>2018/12/28</a:t>
             </a:fld>
             <a:endParaRPr lang="zh-CN" altLang="en-US"/>
           </a:p>
@@ -3904,7 +3904,7 @@
           <a:p>
             <a:fld id="{50DEE4A7-083E-42B9-8E0C-9729A3893272}" type="datetimeFigureOut">
               <a:rPr lang="zh-CN" altLang="en-US" smtClean="0"/>
-              <a:t>2018/12/26</a:t>
+              <a:t>2018/12/28</a:t>
             </a:fld>
             <a:endParaRPr lang="zh-CN" altLang="en-US"/>
           </a:p>
@@ -4159,7 +4159,7 @@
           <a:p>
             <a:fld id="{50DEE4A7-083E-42B9-8E0C-9729A3893272}" type="datetimeFigureOut">
               <a:rPr lang="zh-CN" altLang="en-US" smtClean="0"/>
-              <a:t>2018/12/26</a:t>
+              <a:t>2018/12/28</a:t>
             </a:fld>
             <a:endParaRPr lang="zh-CN" altLang="en-US"/>
           </a:p>
@@ -4442,7 +4442,7 @@
           <a:p>
             <a:fld id="{50DEE4A7-083E-42B9-8E0C-9729A3893272}" type="datetimeFigureOut">
               <a:rPr lang="zh-CN" altLang="en-US" smtClean="0"/>
-              <a:t>2018/12/26</a:t>
+              <a:t>2018/12/28</a:t>
             </a:fld>
             <a:endParaRPr lang="zh-CN" altLang="en-US"/>
           </a:p>
@@ -4848,7 +4848,7 @@
           <a:p>
             <a:fld id="{50DEE4A7-083E-42B9-8E0C-9729A3893272}" type="datetimeFigureOut">
               <a:rPr lang="zh-CN" altLang="en-US" smtClean="0"/>
-              <a:t>2018/12/26</a:t>
+              <a:t>2018/12/28</a:t>
             </a:fld>
             <a:endParaRPr lang="zh-CN" altLang="en-US"/>
           </a:p>
@@ -6444,21 +6444,55 @@
           <a:lstStyle/>
           <a:p>
             <a:r>
-              <a:rPr lang="en-US" altLang="zh-CN" dirty="0"/>
+              <a:rPr lang="zh-CN" altLang="en-US" dirty="0" smtClean="0"/>
+              <a:t>为什么要填充？</a:t>
+            </a:r>
+            <a:endParaRPr lang="en-US" altLang="zh-CN" smtClean="0"/>
+          </a:p>
+          <a:p>
+            <a:r>
+              <a:rPr lang="zh-CN" altLang="en-US" smtClean="0"/>
+              <a:t>加密</a:t>
+            </a:r>
+            <a:r>
+              <a:rPr lang="zh-CN" altLang="en-US" dirty="0" smtClean="0"/>
+              <a:t>内容超长的处理方法（</a:t>
+            </a:r>
+            <a:r>
+              <a:rPr lang="en-US" altLang="zh-CN" dirty="0" smtClean="0"/>
+              <a:t>1 </a:t>
+            </a:r>
+            <a:r>
+              <a:rPr lang="zh-CN" altLang="en-US" dirty="0" smtClean="0"/>
+              <a:t>分组、</a:t>
+            </a:r>
+            <a:r>
+              <a:rPr lang="en-US" altLang="zh-CN" dirty="0" smtClean="0"/>
+              <a:t>2</a:t>
+            </a:r>
+            <a:r>
+              <a:rPr lang="zh-CN" altLang="en-US" dirty="0" smtClean="0"/>
+              <a:t>结合对称加密算法使用</a:t>
+            </a:r>
+            <a:r>
+              <a:rPr lang="zh-CN" altLang="en-US" dirty="0" smtClean="0"/>
+              <a:t>）</a:t>
+            </a:r>
+            <a:endParaRPr lang="en-US" altLang="zh-CN" dirty="0" smtClean="0"/>
+          </a:p>
+          <a:p>
+            <a:r>
+              <a:rPr lang="en-US" altLang="zh-CN" dirty="0" smtClean="0"/>
               <a:t>NOPADDING</a:t>
             </a:r>
-          </a:p>
-          <a:p>
-            <a:r>
-              <a:rPr lang="en-US" altLang="zh-CN" dirty="0"/>
-              <a:t>PKCS5</a:t>
-            </a:r>
-          </a:p>
-          <a:p>
-            <a:r>
-              <a:rPr lang="en-US" altLang="zh-CN" dirty="0"/>
-              <a:t>PKCS7</a:t>
-            </a:r>
+            <a:endParaRPr lang="en-US" altLang="zh-CN" dirty="0"/>
+          </a:p>
+          <a:p>
+            <a:r>
+              <a:rPr lang="en-US" altLang="zh-CN" dirty="0" smtClean="0"/>
+              <a:t>PKCS1</a:t>
+            </a:r>
+            <a:endParaRPr lang="en-US" altLang="zh-CN" dirty="0"/>
           </a:p>
         </p:txBody>
       </p:sp>

--- a/document/limq.pptx
+++ b/document/limq.pptx
@@ -18,9 +18,8 @@
     <p:sldId id="269" r:id="rId12"/>
     <p:sldId id="270" r:id="rId13"/>
     <p:sldId id="272" r:id="rId14"/>
-    <p:sldId id="273" r:id="rId15"/>
-    <p:sldId id="274" r:id="rId16"/>
-    <p:sldId id="275" r:id="rId17"/>
+    <p:sldId id="275" r:id="rId15"/>
+    <p:sldId id="276" r:id="rId16"/>
   </p:sldIdLst>
   <p:sldSz cx="12192000" cy="6858000"/>
   <p:notesSz cx="6858000" cy="9144000"/>
@@ -318,7 +317,7 @@
           <a:p>
             <a:fld id="{50DEE4A7-083E-42B9-8E0C-9729A3893272}" type="datetimeFigureOut">
               <a:rPr lang="zh-CN" altLang="en-US" smtClean="0"/>
-              <a:t>2018/12/28</a:t>
+              <a:t>2018/12/29</a:t>
             </a:fld>
             <a:endParaRPr lang="zh-CN" altLang="en-US"/>
           </a:p>
@@ -754,7 +753,7 @@
           <a:p>
             <a:fld id="{50DEE4A7-083E-42B9-8E0C-9729A3893272}" type="datetimeFigureOut">
               <a:rPr lang="zh-CN" altLang="en-US" smtClean="0"/>
-              <a:t>2018/12/28</a:t>
+              <a:t>2018/12/29</a:t>
             </a:fld>
             <a:endParaRPr lang="zh-CN" altLang="en-US"/>
           </a:p>
@@ -1004,7 +1003,7 @@
           <a:p>
             <a:fld id="{50DEE4A7-083E-42B9-8E0C-9729A3893272}" type="datetimeFigureOut">
               <a:rPr lang="zh-CN" altLang="en-US" smtClean="0"/>
-              <a:t>2018/12/28</a:t>
+              <a:t>2018/12/29</a:t>
             </a:fld>
             <a:endParaRPr lang="zh-CN" altLang="en-US"/>
           </a:p>
@@ -1312,7 +1311,7 @@
           <a:p>
             <a:fld id="{50DEE4A7-083E-42B9-8E0C-9729A3893272}" type="datetimeFigureOut">
               <a:rPr lang="zh-CN" altLang="en-US" smtClean="0"/>
-              <a:t>2018/12/28</a:t>
+              <a:t>2018/12/29</a:t>
             </a:fld>
             <a:endParaRPr lang="zh-CN" altLang="en-US"/>
           </a:p>
@@ -1630,7 +1629,7 @@
           <a:p>
             <a:fld id="{50DEE4A7-083E-42B9-8E0C-9729A3893272}" type="datetimeFigureOut">
               <a:rPr lang="zh-CN" altLang="en-US" smtClean="0"/>
-              <a:t>2018/12/28</a:t>
+              <a:t>2018/12/29</a:t>
             </a:fld>
             <a:endParaRPr lang="zh-CN" altLang="en-US"/>
           </a:p>
@@ -1932,7 +1931,7 @@
           <a:p>
             <a:fld id="{50DEE4A7-083E-42B9-8E0C-9729A3893272}" type="datetimeFigureOut">
               <a:rPr lang="zh-CN" altLang="en-US" smtClean="0"/>
-              <a:t>2018/12/28</a:t>
+              <a:t>2018/12/29</a:t>
             </a:fld>
             <a:endParaRPr lang="zh-CN" altLang="en-US"/>
           </a:p>
@@ -2299,7 +2298,7 @@
           <a:p>
             <a:fld id="{50DEE4A7-083E-42B9-8E0C-9729A3893272}" type="datetimeFigureOut">
               <a:rPr lang="zh-CN" altLang="en-US" smtClean="0"/>
-              <a:t>2018/12/28</a:t>
+              <a:t>2018/12/29</a:t>
             </a:fld>
             <a:endParaRPr lang="zh-CN" altLang="en-US"/>
           </a:p>
@@ -2473,7 +2472,7 @@
           <a:p>
             <a:fld id="{50DEE4A7-083E-42B9-8E0C-9729A3893272}" type="datetimeFigureOut">
               <a:rPr lang="zh-CN" altLang="en-US" smtClean="0"/>
-              <a:t>2018/12/28</a:t>
+              <a:t>2018/12/29</a:t>
             </a:fld>
             <a:endParaRPr lang="zh-CN" altLang="en-US"/>
           </a:p>
@@ -2653,7 +2652,7 @@
           <a:p>
             <a:fld id="{50DEE4A7-083E-42B9-8E0C-9729A3893272}" type="datetimeFigureOut">
               <a:rPr lang="zh-CN" altLang="en-US" smtClean="0"/>
-              <a:t>2018/12/28</a:t>
+              <a:t>2018/12/29</a:t>
             </a:fld>
             <a:endParaRPr lang="zh-CN" altLang="en-US"/>
           </a:p>
@@ -2823,7 +2822,7 @@
           <a:p>
             <a:fld id="{50DEE4A7-083E-42B9-8E0C-9729A3893272}" type="datetimeFigureOut">
               <a:rPr lang="zh-CN" altLang="en-US" smtClean="0"/>
-              <a:t>2018/12/28</a:t>
+              <a:t>2018/12/29</a:t>
             </a:fld>
             <a:endParaRPr lang="zh-CN" altLang="en-US"/>
           </a:p>
@@ -3073,7 +3072,7 @@
           <a:p>
             <a:fld id="{50DEE4A7-083E-42B9-8E0C-9729A3893272}" type="datetimeFigureOut">
               <a:rPr lang="zh-CN" altLang="en-US" smtClean="0"/>
-              <a:t>2018/12/28</a:t>
+              <a:t>2018/12/29</a:t>
             </a:fld>
             <a:endParaRPr lang="zh-CN" altLang="en-US"/>
           </a:p>
@@ -3309,7 +3308,7 @@
           <a:p>
             <a:fld id="{50DEE4A7-083E-42B9-8E0C-9729A3893272}" type="datetimeFigureOut">
               <a:rPr lang="zh-CN" altLang="en-US" smtClean="0"/>
-              <a:t>2018/12/28</a:t>
+              <a:t>2018/12/29</a:t>
             </a:fld>
             <a:endParaRPr lang="zh-CN" altLang="en-US"/>
           </a:p>
@@ -3691,7 +3690,7 @@
           <a:p>
             <a:fld id="{50DEE4A7-083E-42B9-8E0C-9729A3893272}" type="datetimeFigureOut">
               <a:rPr lang="zh-CN" altLang="en-US" smtClean="0"/>
-              <a:t>2018/12/28</a:t>
+              <a:t>2018/12/29</a:t>
             </a:fld>
             <a:endParaRPr lang="zh-CN" altLang="en-US"/>
           </a:p>
@@ -3809,7 +3808,7 @@
           <a:p>
             <a:fld id="{50DEE4A7-083E-42B9-8E0C-9729A3893272}" type="datetimeFigureOut">
               <a:rPr lang="zh-CN" altLang="en-US" smtClean="0"/>
-              <a:t>2018/12/28</a:t>
+              <a:t>2018/12/29</a:t>
             </a:fld>
             <a:endParaRPr lang="zh-CN" altLang="en-US"/>
           </a:p>
@@ -3904,7 +3903,7 @@
           <a:p>
             <a:fld id="{50DEE4A7-083E-42B9-8E0C-9729A3893272}" type="datetimeFigureOut">
               <a:rPr lang="zh-CN" altLang="en-US" smtClean="0"/>
-              <a:t>2018/12/28</a:t>
+              <a:t>2018/12/29</a:t>
             </a:fld>
             <a:endParaRPr lang="zh-CN" altLang="en-US"/>
           </a:p>
@@ -4159,7 +4158,7 @@
           <a:p>
             <a:fld id="{50DEE4A7-083E-42B9-8E0C-9729A3893272}" type="datetimeFigureOut">
               <a:rPr lang="zh-CN" altLang="en-US" smtClean="0"/>
-              <a:t>2018/12/28</a:t>
+              <a:t>2018/12/29</a:t>
             </a:fld>
             <a:endParaRPr lang="zh-CN" altLang="en-US"/>
           </a:p>
@@ -4442,7 +4441,7 @@
           <a:p>
             <a:fld id="{50DEE4A7-083E-42B9-8E0C-9729A3893272}" type="datetimeFigureOut">
               <a:rPr lang="zh-CN" altLang="en-US" smtClean="0"/>
-              <a:t>2018/12/28</a:t>
+              <a:t>2018/12/29</a:t>
             </a:fld>
             <a:endParaRPr lang="zh-CN" altLang="en-US"/>
           </a:p>
@@ -4848,7 +4847,7 @@
           <a:p>
             <a:fld id="{50DEE4A7-083E-42B9-8E0C-9729A3893272}" type="datetimeFigureOut">
               <a:rPr lang="zh-CN" altLang="en-US" smtClean="0"/>
-              <a:t>2018/12/28</a:t>
+              <a:t>2018/12/29</a:t>
             </a:fld>
             <a:endParaRPr lang="zh-CN" altLang="en-US"/>
           </a:p>
@@ -6225,7 +6224,7 @@
           <p:cNvPr id="2" name="标题 1">
             <a:extLst>
               <a:ext uri="{FF2B5EF4-FFF2-40B4-BE49-F238E27FC236}">
-                <a16:creationId xmlns:a16="http://schemas.microsoft.com/office/drawing/2014/main" id="{3DB46A94-2485-41D0-B80E-7B5EB97F8C2D}"/>
+                <a16:creationId xmlns:a16="http://schemas.microsoft.com/office/drawing/2014/main" id="{33536363-DEE7-4A9C-AFB9-C6D984D94FB6}"/>
               </a:ext>
             </a:extLst>
           </p:cNvPr>
@@ -6242,12 +6241,8 @@
           <a:lstStyle/>
           <a:p>
             <a:r>
-              <a:rPr lang="en-US" altLang="zh-CN" dirty="0"/>
-              <a:t>RSA</a:t>
-            </a:r>
-            <a:r>
-              <a:rPr lang="zh-CN" altLang="en-US" dirty="0"/>
-              <a:t>加密过程</a:t>
+              <a:rPr lang="zh-CN" altLang="en-US" dirty="0"/>
+              <a:t>填充方式</a:t>
             </a:r>
           </a:p>
         </p:txBody>
@@ -6257,7 +6252,7 @@
           <p:cNvPr id="3" name="内容占位符 2">
             <a:extLst>
               <a:ext uri="{FF2B5EF4-FFF2-40B4-BE49-F238E27FC236}">
-                <a16:creationId xmlns:a16="http://schemas.microsoft.com/office/drawing/2014/main" id="{7C0ECCA3-CA7E-42EA-903C-39573ABE95E5}"/>
+                <a16:creationId xmlns:a16="http://schemas.microsoft.com/office/drawing/2014/main" id="{61534AB0-03EA-451F-AC1A-BFD89068442C}"/>
               </a:ext>
             </a:extLst>
           </p:cNvPr>
@@ -6273,14 +6268,59 @@
           <a:bodyPr/>
           <a:lstStyle/>
           <a:p>
-            <a:endParaRPr lang="zh-CN" altLang="en-US"/>
+            <a:r>
+              <a:rPr lang="zh-CN" altLang="en-US" dirty="0" smtClean="0"/>
+              <a:t>为什么要填充？</a:t>
+            </a:r>
+            <a:endParaRPr lang="en-US" altLang="zh-CN" smtClean="0"/>
+          </a:p>
+          <a:p>
+            <a:r>
+              <a:rPr lang="zh-CN" altLang="en-US" smtClean="0"/>
+              <a:t>加密</a:t>
+            </a:r>
+            <a:r>
+              <a:rPr lang="zh-CN" altLang="en-US" dirty="0" smtClean="0"/>
+              <a:t>内容超长的处理方法（</a:t>
+            </a:r>
+            <a:r>
+              <a:rPr lang="en-US" altLang="zh-CN" dirty="0" smtClean="0"/>
+              <a:t>1 </a:t>
+            </a:r>
+            <a:r>
+              <a:rPr lang="zh-CN" altLang="en-US" dirty="0" smtClean="0"/>
+              <a:t>分组、</a:t>
+            </a:r>
+            <a:r>
+              <a:rPr lang="en-US" altLang="zh-CN" dirty="0" smtClean="0"/>
+              <a:t>2</a:t>
+            </a:r>
+            <a:r>
+              <a:rPr lang="zh-CN" altLang="en-US" dirty="0" smtClean="0"/>
+              <a:t>结合对称加密算法使用）</a:t>
+            </a:r>
+            <a:endParaRPr lang="en-US" altLang="zh-CN" dirty="0" smtClean="0"/>
+          </a:p>
+          <a:p>
+            <a:r>
+              <a:rPr lang="en-US" altLang="zh-CN" dirty="0" smtClean="0"/>
+              <a:t>NOPADDING</a:t>
+            </a:r>
+            <a:endParaRPr lang="en-US" altLang="zh-CN" dirty="0"/>
+          </a:p>
+          <a:p>
+            <a:r>
+              <a:rPr lang="en-US" altLang="zh-CN" dirty="0" smtClean="0"/>
+              <a:t>PKCS1</a:t>
+            </a:r>
+            <a:endParaRPr lang="en-US" altLang="zh-CN" dirty="0"/>
           </a:p>
         </p:txBody>
       </p:sp>
     </p:spTree>
     <p:extLst>
       <p:ext uri="{BB962C8B-B14F-4D97-AF65-F5344CB8AC3E}">
-        <p14:creationId xmlns:p14="http://schemas.microsoft.com/office/powerpoint/2010/main" val="1192788248"/>
+        <p14:creationId xmlns:p14="http://schemas.microsoft.com/office/powerpoint/2010/main" val="2233621875"/>
       </p:ext>
     </p:extLst>
   </p:cSld>
@@ -6309,13 +6349,7 @@
       </p:grpSpPr>
       <p:sp>
         <p:nvSpPr>
-          <p:cNvPr id="2" name="标题 1">
-            <a:extLst>
-              <a:ext uri="{FF2B5EF4-FFF2-40B4-BE49-F238E27FC236}">
-                <a16:creationId xmlns:a16="http://schemas.microsoft.com/office/drawing/2014/main" id="{7DF2AEDB-D71E-444A-BCBF-8CCE3CDB75CB}"/>
-              </a:ext>
-            </a:extLst>
-          </p:cNvPr>
+          <p:cNvPr id="2" name="标题 1"/>
           <p:cNvSpPr>
             <a:spLocks noGrp="1"/>
           </p:cNvSpPr>
@@ -6329,177 +6363,97 @@
           <a:lstStyle/>
           <a:p>
             <a:r>
+              <a:rPr lang="zh-CN" altLang="en-US" dirty="0" smtClean="0"/>
+              <a:t>参考资料</a:t>
+            </a:r>
+            <a:endParaRPr lang="zh-CN" altLang="en-US" dirty="0"/>
+          </a:p>
+        </p:txBody>
+      </p:sp>
+      <p:sp>
+        <p:nvSpPr>
+          <p:cNvPr id="3" name="内容占位符 2"/>
+          <p:cNvSpPr>
+            <a:spLocks noGrp="1"/>
+          </p:cNvSpPr>
+          <p:nvPr>
+            <p:ph idx="1"/>
+          </p:nvPr>
+        </p:nvSpPr>
+        <p:spPr/>
+        <p:txBody>
+          <a:bodyPr/>
+          <a:lstStyle/>
+          <a:p>
+            <a:r>
+              <a:rPr lang="en-US" altLang="zh-CN" dirty="0" err="1" smtClean="0"/>
+              <a:t>Rsa</a:t>
+            </a:r>
+            <a:r>
+              <a:rPr lang="zh-CN" altLang="en-US" dirty="0" smtClean="0"/>
+              <a:t>算法原理 一 二</a:t>
+            </a:r>
+            <a:endParaRPr lang="en-US" altLang="zh-CN" dirty="0" smtClean="0"/>
+          </a:p>
+          <a:p>
+            <a:pPr marL="457200" lvl="1" indent="0">
+              <a:buNone/>
+            </a:pPr>
+            <a:r>
+              <a:rPr lang="en-US" altLang="zh-CN" dirty="0" smtClean="0">
+                <a:hlinkClick r:id="rId2"/>
+              </a:rPr>
+              <a:t>https</a:t>
+            </a:r>
+            <a:r>
+              <a:rPr lang="en-US" altLang="zh-CN" dirty="0">
+                <a:hlinkClick r:id="rId2"/>
+              </a:rPr>
+              <a:t>://</a:t>
+            </a:r>
+            <a:r>
+              <a:rPr lang="en-US" altLang="zh-CN" dirty="0" smtClean="0">
+                <a:hlinkClick r:id="rId2"/>
+              </a:rPr>
+              <a:t>www.cnblogs.com/ttzm/p/6104145.html</a:t>
+            </a:r>
+            <a:endParaRPr lang="en-US" altLang="zh-CN" dirty="0" smtClean="0"/>
+          </a:p>
+          <a:p>
+            <a:r>
+              <a:rPr lang="zh-CN" altLang="en-US" dirty="0"/>
+              <a:t>密码学基础之</a:t>
+            </a:r>
+            <a:r>
               <a:rPr lang="en-US" altLang="zh-CN" dirty="0"/>
               <a:t>RSA</a:t>
             </a:r>
             <a:r>
               <a:rPr lang="zh-CN" altLang="en-US" dirty="0"/>
-              <a:t>解密过程</a:t>
-            </a:r>
-          </a:p>
-        </p:txBody>
-      </p:sp>
-      <p:sp>
-        <p:nvSpPr>
-          <p:cNvPr id="3" name="内容占位符 2">
-            <a:extLst>
-              <a:ext uri="{FF2B5EF4-FFF2-40B4-BE49-F238E27FC236}">
-                <a16:creationId xmlns:a16="http://schemas.microsoft.com/office/drawing/2014/main" id="{658485E9-80D9-4F3B-80FE-28837A74741E}"/>
-              </a:ext>
-            </a:extLst>
-          </p:cNvPr>
-          <p:cNvSpPr>
-            <a:spLocks noGrp="1"/>
-          </p:cNvSpPr>
-          <p:nvPr>
-            <p:ph idx="1"/>
-          </p:nvPr>
-        </p:nvSpPr>
-        <p:spPr/>
-        <p:txBody>
-          <a:bodyPr/>
-          <a:lstStyle/>
-          <a:p>
-            <a:endParaRPr lang="zh-CN" altLang="en-US"/>
+              <a:t>私钥、公钥文件分析</a:t>
+            </a:r>
+            <a:endParaRPr lang="en-US" altLang="zh-CN" dirty="0" smtClean="0"/>
+          </a:p>
+          <a:p>
+            <a:pPr marL="0" indent="0">
+              <a:buNone/>
+            </a:pPr>
+            <a:r>
+              <a:rPr lang="en-US" altLang="zh-CN" dirty="0" smtClean="0"/>
+              <a:t>	https</a:t>
+            </a:r>
+            <a:r>
+              <a:rPr lang="en-US" altLang="zh-CN" dirty="0"/>
+              <a:t>://www.jianshu.com/p/f3a364a880d7?tdsourcetag=s_pcqq_aiomsg</a:t>
+            </a:r>
+            <a:endParaRPr lang="zh-CN" altLang="en-US" dirty="0"/>
           </a:p>
         </p:txBody>
       </p:sp>
     </p:spTree>
     <p:extLst>
       <p:ext uri="{BB962C8B-B14F-4D97-AF65-F5344CB8AC3E}">
-        <p14:creationId xmlns:p14="http://schemas.microsoft.com/office/powerpoint/2010/main" val="522223174"/>
-      </p:ext>
-    </p:extLst>
-  </p:cSld>
-  <p:clrMapOvr>
-    <a:masterClrMapping/>
-  </p:clrMapOvr>
-</p:sld>
-</file>
-
-<file path=ppt/slides/slide16.xml><?xml version="1.0" encoding="utf-8"?>
-<p:sld xmlns:a="http://schemas.openxmlformats.org/drawingml/2006/main" xmlns:r="http://schemas.openxmlformats.org/officeDocument/2006/relationships" xmlns:p="http://schemas.openxmlformats.org/presentationml/2006/main">
-  <p:cSld>
-    <p:spTree>
-      <p:nvGrpSpPr>
-        <p:cNvPr id="1" name=""/>
-        <p:cNvGrpSpPr/>
-        <p:nvPr/>
-      </p:nvGrpSpPr>
-      <p:grpSpPr>
-        <a:xfrm>
-          <a:off x="0" y="0"/>
-          <a:ext cx="0" cy="0"/>
-          <a:chOff x="0" y="0"/>
-          <a:chExt cx="0" cy="0"/>
-        </a:xfrm>
-      </p:grpSpPr>
-      <p:sp>
-        <p:nvSpPr>
-          <p:cNvPr id="2" name="标题 1">
-            <a:extLst>
-              <a:ext uri="{FF2B5EF4-FFF2-40B4-BE49-F238E27FC236}">
-                <a16:creationId xmlns:a16="http://schemas.microsoft.com/office/drawing/2014/main" id="{33536363-DEE7-4A9C-AFB9-C6D984D94FB6}"/>
-              </a:ext>
-            </a:extLst>
-          </p:cNvPr>
-          <p:cNvSpPr>
-            <a:spLocks noGrp="1"/>
-          </p:cNvSpPr>
-          <p:nvPr>
-            <p:ph type="title"/>
-          </p:nvPr>
-        </p:nvSpPr>
-        <p:spPr/>
-        <p:txBody>
-          <a:bodyPr/>
-          <a:lstStyle/>
-          <a:p>
-            <a:r>
-              <a:rPr lang="zh-CN" altLang="en-US" dirty="0"/>
-              <a:t>填充方式</a:t>
-            </a:r>
-          </a:p>
-        </p:txBody>
-      </p:sp>
-      <p:sp>
-        <p:nvSpPr>
-          <p:cNvPr id="3" name="内容占位符 2">
-            <a:extLst>
-              <a:ext uri="{FF2B5EF4-FFF2-40B4-BE49-F238E27FC236}">
-                <a16:creationId xmlns:a16="http://schemas.microsoft.com/office/drawing/2014/main" id="{61534AB0-03EA-451F-AC1A-BFD89068442C}"/>
-              </a:ext>
-            </a:extLst>
-          </p:cNvPr>
-          <p:cNvSpPr>
-            <a:spLocks noGrp="1"/>
-          </p:cNvSpPr>
-          <p:nvPr>
-            <p:ph idx="1"/>
-          </p:nvPr>
-        </p:nvSpPr>
-        <p:spPr/>
-        <p:txBody>
-          <a:bodyPr/>
-          <a:lstStyle/>
-          <a:p>
-            <a:r>
-              <a:rPr lang="zh-CN" altLang="en-US" dirty="0" smtClean="0"/>
-              <a:t>为什么要填充？</a:t>
-            </a:r>
-            <a:endParaRPr lang="en-US" altLang="zh-CN" smtClean="0"/>
-          </a:p>
-          <a:p>
-            <a:r>
-              <a:rPr lang="zh-CN" altLang="en-US" smtClean="0"/>
-              <a:t>加密</a:t>
-            </a:r>
-            <a:r>
-              <a:rPr lang="zh-CN" altLang="en-US" dirty="0" smtClean="0"/>
-              <a:t>内容超长的处理方法（</a:t>
-            </a:r>
-            <a:r>
-              <a:rPr lang="en-US" altLang="zh-CN" dirty="0" smtClean="0"/>
-              <a:t>1 </a:t>
-            </a:r>
-            <a:r>
-              <a:rPr lang="zh-CN" altLang="en-US" dirty="0" smtClean="0"/>
-              <a:t>分组、</a:t>
-            </a:r>
-            <a:r>
-              <a:rPr lang="en-US" altLang="zh-CN" dirty="0" smtClean="0"/>
-              <a:t>2</a:t>
-            </a:r>
-            <a:r>
-              <a:rPr lang="zh-CN" altLang="en-US" dirty="0" smtClean="0"/>
-              <a:t>结合对称加密算法使用</a:t>
-            </a:r>
-            <a:r>
-              <a:rPr lang="zh-CN" altLang="en-US" dirty="0" smtClean="0"/>
-              <a:t>）</a:t>
-            </a:r>
-            <a:endParaRPr lang="en-US" altLang="zh-CN" dirty="0" smtClean="0"/>
-          </a:p>
-          <a:p>
-            <a:r>
-              <a:rPr lang="en-US" altLang="zh-CN" dirty="0" smtClean="0"/>
-              <a:t>NOPADDING</a:t>
-            </a:r>
-            <a:endParaRPr lang="en-US" altLang="zh-CN" dirty="0"/>
-          </a:p>
-          <a:p>
-            <a:r>
-              <a:rPr lang="en-US" altLang="zh-CN" dirty="0" smtClean="0"/>
-              <a:t>PKCS1</a:t>
-            </a:r>
-            <a:endParaRPr lang="en-US" altLang="zh-CN" dirty="0"/>
-          </a:p>
-        </p:txBody>
-      </p:sp>
-    </p:spTree>
-    <p:extLst>
-      <p:ext uri="{BB962C8B-B14F-4D97-AF65-F5344CB8AC3E}">
-        <p14:creationId xmlns:p14="http://schemas.microsoft.com/office/powerpoint/2010/main" val="2233621875"/>
+        <p14:creationId xmlns:p14="http://schemas.microsoft.com/office/powerpoint/2010/main" val="2302542606"/>
       </p:ext>
     </p:extLst>
   </p:cSld>
@@ -6657,11 +6611,23 @@
             </a:r>
             <a:r>
               <a:rPr lang="en-US" altLang="zh-CN" dirty="0"/>
-              <a:t>[1,n]</a:t>
-            </a:r>
-            <a:r>
-              <a:rPr lang="zh-CN" altLang="en-US" dirty="0"/>
-              <a:t>之间有多少个数与</a:t>
+              <a:t>[</a:t>
+            </a:r>
+            <a:r>
+              <a:rPr lang="en-US" altLang="zh-CN" dirty="0" smtClean="0"/>
+              <a:t>1,n</a:t>
+            </a:r>
+            <a:r>
+              <a:rPr lang="en-US" altLang="zh-CN" dirty="0"/>
+              <a:t>)</a:t>
+            </a:r>
+            <a:r>
+              <a:rPr lang="zh-CN" altLang="en-US" dirty="0" smtClean="0"/>
+              <a:t>之间</a:t>
+            </a:r>
+            <a:r>
+              <a:rPr lang="zh-CN" altLang="en-US" dirty="0"/>
+              <a:t>有多少个数与</a:t>
             </a:r>
             <a:r>
               <a:rPr lang="en-US" altLang="zh-CN" dirty="0"/>
@@ -7708,50 +7674,46 @@
           <a:p>
             <a:r>
               <a:rPr lang="zh-CN" altLang="en-US" dirty="0"/>
-              <a:t>方法二 利用 模性质计算 快速指数算法</a:t>
-            </a:r>
-            <a:endParaRPr lang="en-US" altLang="zh-CN" dirty="0"/>
+              <a:t>方法二 </a:t>
+            </a:r>
+            <a:r>
+              <a:rPr lang="zh-CN" altLang="en-US" dirty="0" smtClean="0"/>
+              <a:t>快速</a:t>
+            </a:r>
+            <a:r>
+              <a:rPr lang="zh-CN" altLang="en-US" dirty="0"/>
+              <a:t>指数</a:t>
+            </a:r>
+            <a:r>
+              <a:rPr lang="zh-CN" altLang="en-US" dirty="0" smtClean="0"/>
+              <a:t>算法 </a:t>
+            </a:r>
+            <a:r>
+              <a:rPr lang="en-US" altLang="zh-CN" dirty="0" smtClean="0"/>
+              <a:t>a ^ m % n == ????</a:t>
+            </a:r>
           </a:p>
           <a:p>
             <a:pPr marL="0" indent="0">
               <a:buNone/>
             </a:pPr>
             <a:r>
-              <a:rPr lang="en-US" altLang="zh-CN" dirty="0"/>
+              <a:rPr lang="en-US" altLang="zh-CN" dirty="0" smtClean="0"/>
               <a:t>	</a:t>
             </a:r>
             <a:r>
-              <a:rPr lang="zh-CN" altLang="en-US" dirty="0"/>
-              <a:t>（</a:t>
-            </a:r>
-            <a:r>
-              <a:rPr lang="en-US" altLang="zh-CN" dirty="0"/>
-              <a:t>A * B</a:t>
-            </a:r>
-            <a:r>
-              <a:rPr lang="zh-CN" altLang="en-US" dirty="0"/>
-              <a:t>）</a:t>
-            </a:r>
-            <a:r>
-              <a:rPr lang="en-US" altLang="zh-CN" dirty="0"/>
-              <a:t>mod N = </a:t>
-            </a:r>
-            <a:r>
-              <a:rPr lang="zh-CN" altLang="en-US" dirty="0"/>
-              <a:t>（</a:t>
-            </a:r>
-            <a:r>
-              <a:rPr lang="en-US" altLang="zh-CN" dirty="0"/>
-              <a:t>A mod N * B mod N</a:t>
-            </a:r>
-            <a:r>
-              <a:rPr lang="zh-CN" altLang="en-US" dirty="0"/>
-              <a:t>）</a:t>
-            </a:r>
-            <a:r>
-              <a:rPr lang="en-US" altLang="zh-CN" dirty="0"/>
-              <a:t>mod N</a:t>
-            </a:r>
+              <a:rPr lang="zh-CN" altLang="en-US" dirty="0" smtClean="0"/>
+              <a:t>将</a:t>
+            </a:r>
+            <a:r>
+              <a:rPr lang="en-US" altLang="zh-CN" dirty="0" smtClean="0"/>
+              <a:t>m</a:t>
+            </a:r>
+            <a:r>
+              <a:rPr lang="zh-CN" altLang="en-US" dirty="0" smtClean="0"/>
+              <a:t>用二进制表示</a:t>
+            </a:r>
+            <a:endParaRPr lang="en-US" altLang="zh-CN" dirty="0" smtClean="0"/>
           </a:p>
           <a:p>
             <a:pPr marL="0" indent="0">
@@ -8421,6 +8383,10 @@
           <a:bodyPr/>
           <a:lstStyle/>
           <a:p>
+            <a:r>
+              <a:rPr lang="en-US" altLang="zh-CN" dirty="0" smtClean="0"/>
+              <a:t>See Code</a:t>
+            </a:r>
             <a:endParaRPr lang="zh-CN" altLang="en-US" dirty="0"/>
           </a:p>
         </p:txBody>
